--- a/img/sketch/app_sketch.pptx
+++ b/img/sketch/app_sketch.pptx
@@ -4,6 +4,9 @@
   <p:sldMasterIdLst>
     <p:sldMasterId id="2147483648" r:id="rId1"/>
   </p:sldMasterIdLst>
+  <p:notesMasterIdLst>
+    <p:notesMasterId r:id="rId3"/>
+  </p:notesMasterIdLst>
   <p:sldIdLst>
     <p:sldId id="256" r:id="rId2"/>
   </p:sldIdLst>
@@ -112,6 +115,356 @@
 </p:presentation>
 </file>
 
+<file path=ppt/notesMasters/notesMaster1.xml><?xml version="1.0" encoding="utf-8"?>
+<p:notesMaster xmlns:a="http://schemas.openxmlformats.org/drawingml/2006/main" xmlns:r="http://schemas.openxmlformats.org/officeDocument/2006/relationships" xmlns:p="http://schemas.openxmlformats.org/presentationml/2006/main">
+  <p:cSld>
+    <p:bg>
+      <p:bgRef idx="1001">
+        <a:schemeClr val="bg1"/>
+      </p:bgRef>
+    </p:bg>
+    <p:spTree>
+      <p:nvGrpSpPr>
+        <p:cNvPr id="1" name=""/>
+        <p:cNvGrpSpPr/>
+        <p:nvPr/>
+      </p:nvGrpSpPr>
+      <p:grpSpPr>
+        <a:xfrm>
+          <a:off x="0" y="0"/>
+          <a:ext cx="0" cy="0"/>
+          <a:chOff x="0" y="0"/>
+          <a:chExt cx="0" cy="0"/>
+        </a:xfrm>
+      </p:grpSpPr>
+      <p:sp>
+        <p:nvSpPr>
+          <p:cNvPr id="2" name="Header Placeholder 1"/>
+          <p:cNvSpPr>
+            <a:spLocks noGrp="1"/>
+          </p:cNvSpPr>
+          <p:nvPr>
+            <p:ph type="hdr" sz="quarter"/>
+          </p:nvPr>
+        </p:nvSpPr>
+        <p:spPr>
+          <a:xfrm>
+            <a:off x="0" y="0"/>
+            <a:ext cx="2971800" cy="458788"/>
+          </a:xfrm>
+          <a:prstGeom prst="rect">
+            <a:avLst/>
+          </a:prstGeom>
+        </p:spPr>
+        <p:txBody>
+          <a:bodyPr vert="horz" lIns="91440" tIns="45720" rIns="91440" bIns="45720" rtlCol="0"/>
+          <a:lstStyle>
+            <a:lvl1pPr algn="l">
+              <a:defRPr sz="1200"/>
+            </a:lvl1pPr>
+          </a:lstStyle>
+          <a:p>
+            <a:endParaRPr lang="en-US"/>
+          </a:p>
+        </p:txBody>
+      </p:sp>
+      <p:sp>
+        <p:nvSpPr>
+          <p:cNvPr id="3" name="Date Placeholder 2"/>
+          <p:cNvSpPr>
+            <a:spLocks noGrp="1"/>
+          </p:cNvSpPr>
+          <p:nvPr>
+            <p:ph type="dt" idx="1"/>
+          </p:nvPr>
+        </p:nvSpPr>
+        <p:spPr>
+          <a:xfrm>
+            <a:off x="3884613" y="0"/>
+            <a:ext cx="2971800" cy="458788"/>
+          </a:xfrm>
+          <a:prstGeom prst="rect">
+            <a:avLst/>
+          </a:prstGeom>
+        </p:spPr>
+        <p:txBody>
+          <a:bodyPr vert="horz" lIns="91440" tIns="45720" rIns="91440" bIns="45720" rtlCol="0"/>
+          <a:lstStyle>
+            <a:lvl1pPr algn="r">
+              <a:defRPr sz="1200"/>
+            </a:lvl1pPr>
+          </a:lstStyle>
+          <a:p>
+            <a:fld id="{32DD0055-43E6-9044-95AF-B65387BEF08C}" type="datetimeFigureOut">
+              <a:rPr lang="en-US" smtClean="0"/>
+              <a:t>11/28/19</a:t>
+            </a:fld>
+            <a:endParaRPr lang="en-US"/>
+          </a:p>
+        </p:txBody>
+      </p:sp>
+      <p:sp>
+        <p:nvSpPr>
+          <p:cNvPr id="4" name="Slide Image Placeholder 3"/>
+          <p:cNvSpPr>
+            <a:spLocks noGrp="1" noRot="1" noChangeAspect="1"/>
+          </p:cNvSpPr>
+          <p:nvPr>
+            <p:ph type="sldImg" idx="2"/>
+          </p:nvPr>
+        </p:nvSpPr>
+        <p:spPr>
+          <a:xfrm>
+            <a:off x="685800" y="1143000"/>
+            <a:ext cx="5486400" cy="3086100"/>
+          </a:xfrm>
+          <a:prstGeom prst="rect">
+            <a:avLst/>
+          </a:prstGeom>
+          <a:noFill/>
+          <a:ln w="12700">
+            <a:solidFill>
+              <a:prstClr val="black"/>
+            </a:solidFill>
+          </a:ln>
+        </p:spPr>
+        <p:txBody>
+          <a:bodyPr vert="horz" lIns="91440" tIns="45720" rIns="91440" bIns="45720" rtlCol="0" anchor="ctr"/>
+          <a:lstStyle/>
+          <a:p>
+            <a:endParaRPr lang="en-US"/>
+          </a:p>
+        </p:txBody>
+      </p:sp>
+      <p:sp>
+        <p:nvSpPr>
+          <p:cNvPr id="5" name="Notes Placeholder 4"/>
+          <p:cNvSpPr>
+            <a:spLocks noGrp="1"/>
+          </p:cNvSpPr>
+          <p:nvPr>
+            <p:ph type="body" sz="quarter" idx="3"/>
+          </p:nvPr>
+        </p:nvSpPr>
+        <p:spPr>
+          <a:xfrm>
+            <a:off x="685800" y="4400550"/>
+            <a:ext cx="5486400" cy="3600450"/>
+          </a:xfrm>
+          <a:prstGeom prst="rect">
+            <a:avLst/>
+          </a:prstGeom>
+        </p:spPr>
+        <p:txBody>
+          <a:bodyPr vert="horz" lIns="91440" tIns="45720" rIns="91440" bIns="45720" rtlCol="0"/>
+          <a:lstStyle/>
+          <a:p>
+            <a:pPr lvl="0"/>
+            <a:r>
+              <a:rPr lang="en-US" smtClean="0"/>
+              <a:t>Click to edit Master text styles</a:t>
+            </a:r>
+          </a:p>
+          <a:p>
+            <a:pPr lvl="1"/>
+            <a:r>
+              <a:rPr lang="en-US" smtClean="0"/>
+              <a:t>Second level</a:t>
+            </a:r>
+          </a:p>
+          <a:p>
+            <a:pPr lvl="2"/>
+            <a:r>
+              <a:rPr lang="en-US" smtClean="0"/>
+              <a:t>Third level</a:t>
+            </a:r>
+          </a:p>
+          <a:p>
+            <a:pPr lvl="3"/>
+            <a:r>
+              <a:rPr lang="en-US" smtClean="0"/>
+              <a:t>Fourth level</a:t>
+            </a:r>
+          </a:p>
+          <a:p>
+            <a:pPr lvl="4"/>
+            <a:r>
+              <a:rPr lang="en-US" smtClean="0"/>
+              <a:t>Fifth level</a:t>
+            </a:r>
+            <a:endParaRPr lang="en-US"/>
+          </a:p>
+        </p:txBody>
+      </p:sp>
+      <p:sp>
+        <p:nvSpPr>
+          <p:cNvPr id="6" name="Footer Placeholder 5"/>
+          <p:cNvSpPr>
+            <a:spLocks noGrp="1"/>
+          </p:cNvSpPr>
+          <p:nvPr>
+            <p:ph type="ftr" sz="quarter" idx="4"/>
+          </p:nvPr>
+        </p:nvSpPr>
+        <p:spPr>
+          <a:xfrm>
+            <a:off x="0" y="8685213"/>
+            <a:ext cx="2971800" cy="458787"/>
+          </a:xfrm>
+          <a:prstGeom prst="rect">
+            <a:avLst/>
+          </a:prstGeom>
+        </p:spPr>
+        <p:txBody>
+          <a:bodyPr vert="horz" lIns="91440" tIns="45720" rIns="91440" bIns="45720" rtlCol="0" anchor="b"/>
+          <a:lstStyle>
+            <a:lvl1pPr algn="l">
+              <a:defRPr sz="1200"/>
+            </a:lvl1pPr>
+          </a:lstStyle>
+          <a:p>
+            <a:endParaRPr lang="en-US"/>
+          </a:p>
+        </p:txBody>
+      </p:sp>
+      <p:sp>
+        <p:nvSpPr>
+          <p:cNvPr id="7" name="Slide Number Placeholder 6"/>
+          <p:cNvSpPr>
+            <a:spLocks noGrp="1"/>
+          </p:cNvSpPr>
+          <p:nvPr>
+            <p:ph type="sldNum" sz="quarter" idx="5"/>
+          </p:nvPr>
+        </p:nvSpPr>
+        <p:spPr>
+          <a:xfrm>
+            <a:off x="3884613" y="8685213"/>
+            <a:ext cx="2971800" cy="458787"/>
+          </a:xfrm>
+          <a:prstGeom prst="rect">
+            <a:avLst/>
+          </a:prstGeom>
+        </p:spPr>
+        <p:txBody>
+          <a:bodyPr vert="horz" lIns="91440" tIns="45720" rIns="91440" bIns="45720" rtlCol="0" anchor="b"/>
+          <a:lstStyle>
+            <a:lvl1pPr algn="r">
+              <a:defRPr sz="1200"/>
+            </a:lvl1pPr>
+          </a:lstStyle>
+          <a:p>
+            <a:fld id="{35086885-901A-D946-A760-7EDA2D2398E3}" type="slidenum">
+              <a:rPr lang="en-US" smtClean="0"/>
+              <a:t>‹#›</a:t>
+            </a:fld>
+            <a:endParaRPr lang="en-US"/>
+          </a:p>
+        </p:txBody>
+      </p:sp>
+    </p:spTree>
+    <p:extLst>
+      <p:ext uri="{BB962C8B-B14F-4D97-AF65-F5344CB8AC3E}">
+        <p14:creationId xmlns:p14="http://schemas.microsoft.com/office/powerpoint/2010/main" val="1282669819"/>
+      </p:ext>
+    </p:extLst>
+  </p:cSld>
+  <p:clrMap bg1="lt1" tx1="dk1" bg2="lt2" tx2="dk2" accent1="accent1" accent2="accent2" accent3="accent3" accent4="accent4" accent5="accent5" accent6="accent6" hlink="hlink" folHlink="folHlink"/>
+  <p:notesStyle>
+    <a:lvl1pPr marL="0" algn="l" defTabSz="914400" rtl="0" eaLnBrk="1" latinLnBrk="0" hangingPunct="1">
+      <a:defRPr sz="1200" kern="1200">
+        <a:solidFill>
+          <a:schemeClr val="tx1"/>
+        </a:solidFill>
+        <a:latin typeface="+mn-lt"/>
+        <a:ea typeface="+mn-ea"/>
+        <a:cs typeface="+mn-cs"/>
+      </a:defRPr>
+    </a:lvl1pPr>
+    <a:lvl2pPr marL="457200" algn="l" defTabSz="914400" rtl="0" eaLnBrk="1" latinLnBrk="0" hangingPunct="1">
+      <a:defRPr sz="1200" kern="1200">
+        <a:solidFill>
+          <a:schemeClr val="tx1"/>
+        </a:solidFill>
+        <a:latin typeface="+mn-lt"/>
+        <a:ea typeface="+mn-ea"/>
+        <a:cs typeface="+mn-cs"/>
+      </a:defRPr>
+    </a:lvl2pPr>
+    <a:lvl3pPr marL="914400" algn="l" defTabSz="914400" rtl="0" eaLnBrk="1" latinLnBrk="0" hangingPunct="1">
+      <a:defRPr sz="1200" kern="1200">
+        <a:solidFill>
+          <a:schemeClr val="tx1"/>
+        </a:solidFill>
+        <a:latin typeface="+mn-lt"/>
+        <a:ea typeface="+mn-ea"/>
+        <a:cs typeface="+mn-cs"/>
+      </a:defRPr>
+    </a:lvl3pPr>
+    <a:lvl4pPr marL="1371600" algn="l" defTabSz="914400" rtl="0" eaLnBrk="1" latinLnBrk="0" hangingPunct="1">
+      <a:defRPr sz="1200" kern="1200">
+        <a:solidFill>
+          <a:schemeClr val="tx1"/>
+        </a:solidFill>
+        <a:latin typeface="+mn-lt"/>
+        <a:ea typeface="+mn-ea"/>
+        <a:cs typeface="+mn-cs"/>
+      </a:defRPr>
+    </a:lvl4pPr>
+    <a:lvl5pPr marL="1828800" algn="l" defTabSz="914400" rtl="0" eaLnBrk="1" latinLnBrk="0" hangingPunct="1">
+      <a:defRPr sz="1200" kern="1200">
+        <a:solidFill>
+          <a:schemeClr val="tx1"/>
+        </a:solidFill>
+        <a:latin typeface="+mn-lt"/>
+        <a:ea typeface="+mn-ea"/>
+        <a:cs typeface="+mn-cs"/>
+      </a:defRPr>
+    </a:lvl5pPr>
+    <a:lvl6pPr marL="2286000" algn="l" defTabSz="914400" rtl="0" eaLnBrk="1" latinLnBrk="0" hangingPunct="1">
+      <a:defRPr sz="1200" kern="1200">
+        <a:solidFill>
+          <a:schemeClr val="tx1"/>
+        </a:solidFill>
+        <a:latin typeface="+mn-lt"/>
+        <a:ea typeface="+mn-ea"/>
+        <a:cs typeface="+mn-cs"/>
+      </a:defRPr>
+    </a:lvl6pPr>
+    <a:lvl7pPr marL="2743200" algn="l" defTabSz="914400" rtl="0" eaLnBrk="1" latinLnBrk="0" hangingPunct="1">
+      <a:defRPr sz="1200" kern="1200">
+        <a:solidFill>
+          <a:schemeClr val="tx1"/>
+        </a:solidFill>
+        <a:latin typeface="+mn-lt"/>
+        <a:ea typeface="+mn-ea"/>
+        <a:cs typeface="+mn-cs"/>
+      </a:defRPr>
+    </a:lvl7pPr>
+    <a:lvl8pPr marL="3200400" algn="l" defTabSz="914400" rtl="0" eaLnBrk="1" latinLnBrk="0" hangingPunct="1">
+      <a:defRPr sz="1200" kern="1200">
+        <a:solidFill>
+          <a:schemeClr val="tx1"/>
+        </a:solidFill>
+        <a:latin typeface="+mn-lt"/>
+        <a:ea typeface="+mn-ea"/>
+        <a:cs typeface="+mn-cs"/>
+      </a:defRPr>
+    </a:lvl8pPr>
+    <a:lvl9pPr marL="3657600" algn="l" defTabSz="914400" rtl="0" eaLnBrk="1" latinLnBrk="0" hangingPunct="1">
+      <a:defRPr sz="1200" kern="1200">
+        <a:solidFill>
+          <a:schemeClr val="tx1"/>
+        </a:solidFill>
+        <a:latin typeface="+mn-lt"/>
+        <a:ea typeface="+mn-ea"/>
+        <a:cs typeface="+mn-cs"/>
+      </a:defRPr>
+    </a:lvl9pPr>
+  </p:notesStyle>
+</p:notesMaster>
+</file>
+
 <file path=ppt/slideLayouts/slideLayout1.xml><?xml version="1.0" encoding="utf-8"?>
 <p:sldLayout xmlns:a="http://schemas.openxmlformats.org/drawingml/2006/main" xmlns:r="http://schemas.openxmlformats.org/officeDocument/2006/relationships" xmlns:p="http://schemas.openxmlformats.org/presentationml/2006/main" type="title" preserve="1">
   <p:cSld name="Title Slide">
@@ -241,7 +594,7 @@
           <a:p>
             <a:fld id="{24F81815-F26E-0943-B0A9-F4657508C3D9}" type="datetimeFigureOut">
               <a:rPr lang="en-US" smtClean="0"/>
-              <a:t>11/22/2019</a:t>
+              <a:t>11/28/19</a:t>
             </a:fld>
             <a:endParaRPr lang="en-US"/>
           </a:p>
@@ -409,7 +762,7 @@
           <a:p>
             <a:fld id="{24F81815-F26E-0943-B0A9-F4657508C3D9}" type="datetimeFigureOut">
               <a:rPr lang="en-US" smtClean="0"/>
-              <a:t>11/22/2019</a:t>
+              <a:t>11/28/19</a:t>
             </a:fld>
             <a:endParaRPr lang="en-US"/>
           </a:p>
@@ -587,7 +940,7 @@
           <a:p>
             <a:fld id="{24F81815-F26E-0943-B0A9-F4657508C3D9}" type="datetimeFigureOut">
               <a:rPr lang="en-US" smtClean="0"/>
-              <a:t>11/22/2019</a:t>
+              <a:t>11/28/19</a:t>
             </a:fld>
             <a:endParaRPr lang="en-US"/>
           </a:p>
@@ -755,7 +1108,7 @@
           <a:p>
             <a:fld id="{24F81815-F26E-0943-B0A9-F4657508C3D9}" type="datetimeFigureOut">
               <a:rPr lang="en-US" smtClean="0"/>
-              <a:t>11/22/2019</a:t>
+              <a:t>11/28/19</a:t>
             </a:fld>
             <a:endParaRPr lang="en-US"/>
           </a:p>
@@ -1000,7 +1353,7 @@
           <a:p>
             <a:fld id="{24F81815-F26E-0943-B0A9-F4657508C3D9}" type="datetimeFigureOut">
               <a:rPr lang="en-US" smtClean="0"/>
-              <a:t>11/22/2019</a:t>
+              <a:t>11/28/19</a:t>
             </a:fld>
             <a:endParaRPr lang="en-US"/>
           </a:p>
@@ -1229,7 +1582,7 @@
           <a:p>
             <a:fld id="{24F81815-F26E-0943-B0A9-F4657508C3D9}" type="datetimeFigureOut">
               <a:rPr lang="en-US" smtClean="0"/>
-              <a:t>11/22/2019</a:t>
+              <a:t>11/28/19</a:t>
             </a:fld>
             <a:endParaRPr lang="en-US"/>
           </a:p>
@@ -1593,7 +1946,7 @@
           <a:p>
             <a:fld id="{24F81815-F26E-0943-B0A9-F4657508C3D9}" type="datetimeFigureOut">
               <a:rPr lang="en-US" smtClean="0"/>
-              <a:t>11/22/2019</a:t>
+              <a:t>11/28/19</a:t>
             </a:fld>
             <a:endParaRPr lang="en-US"/>
           </a:p>
@@ -1710,7 +2063,7 @@
           <a:p>
             <a:fld id="{24F81815-F26E-0943-B0A9-F4657508C3D9}" type="datetimeFigureOut">
               <a:rPr lang="en-US" smtClean="0"/>
-              <a:t>11/22/2019</a:t>
+              <a:t>11/28/19</a:t>
             </a:fld>
             <a:endParaRPr lang="en-US"/>
           </a:p>
@@ -1805,7 +2158,7 @@
           <a:p>
             <a:fld id="{24F81815-F26E-0943-B0A9-F4657508C3D9}" type="datetimeFigureOut">
               <a:rPr lang="en-US" smtClean="0"/>
-              <a:t>11/22/2019</a:t>
+              <a:t>11/28/19</a:t>
             </a:fld>
             <a:endParaRPr lang="en-US"/>
           </a:p>
@@ -2080,7 +2433,7 @@
           <a:p>
             <a:fld id="{24F81815-F26E-0943-B0A9-F4657508C3D9}" type="datetimeFigureOut">
               <a:rPr lang="en-US" smtClean="0"/>
-              <a:t>11/22/2019</a:t>
+              <a:t>11/28/19</a:t>
             </a:fld>
             <a:endParaRPr lang="en-US"/>
           </a:p>
@@ -2332,7 +2685,7 @@
           <a:p>
             <a:fld id="{24F81815-F26E-0943-B0A9-F4657508C3D9}" type="datetimeFigureOut">
               <a:rPr lang="en-US" smtClean="0"/>
-              <a:t>11/22/2019</a:t>
+              <a:t>11/28/19</a:t>
             </a:fld>
             <a:endParaRPr lang="en-US"/>
           </a:p>
@@ -2543,7 +2896,7 @@
           <a:p>
             <a:fld id="{24F81815-F26E-0943-B0A9-F4657508C3D9}" type="datetimeFigureOut">
               <a:rPr lang="en-US" smtClean="0"/>
-              <a:t>11/22/2019</a:t>
+              <a:t>11/28/19</a:t>
             </a:fld>
             <a:endParaRPr lang="en-US"/>
           </a:p>
@@ -2948,6 +3301,52 @@
           <a:chExt cx="0" cy="0"/>
         </a:xfrm>
       </p:grpSpPr>
+      <p:sp>
+        <p:nvSpPr>
+          <p:cNvPr id="45" name="Rectangle 44"/>
+          <p:cNvSpPr/>
+          <p:nvPr/>
+        </p:nvSpPr>
+        <p:spPr>
+          <a:xfrm>
+            <a:off x="1155440" y="424595"/>
+            <a:ext cx="10758691" cy="788482"/>
+          </a:xfrm>
+          <a:prstGeom prst="rect">
+            <a:avLst/>
+          </a:prstGeom>
+          <a:solidFill>
+            <a:schemeClr val="accent1">
+              <a:lumMod val="20000"/>
+              <a:lumOff val="80000"/>
+            </a:schemeClr>
+          </a:solidFill>
+        </p:spPr>
+        <p:style>
+          <a:lnRef idx="2">
+            <a:schemeClr val="accent1">
+              <a:shade val="50000"/>
+            </a:schemeClr>
+          </a:lnRef>
+          <a:fillRef idx="1">
+            <a:schemeClr val="accent1"/>
+          </a:fillRef>
+          <a:effectRef idx="0">
+            <a:schemeClr val="accent1"/>
+          </a:effectRef>
+          <a:fontRef idx="minor">
+            <a:schemeClr val="lt1"/>
+          </a:fontRef>
+        </p:style>
+        <p:txBody>
+          <a:bodyPr rtlCol="0" anchor="ctr"/>
+          <a:lstStyle/>
+          <a:p>
+            <a:pPr algn="ctr"/>
+            <a:endParaRPr lang="en-US"/>
+          </a:p>
+        </p:txBody>
+      </p:sp>
       <p:grpSp>
         <p:nvGrpSpPr>
           <p:cNvPr id="21" name="Group 20"/>
@@ -2955,11 +3354,11 @@
           <p:nvPr/>
         </p:nvGrpSpPr>
         <p:grpSpPr>
-          <a:xfrm>
-            <a:off x="4166726" y="547325"/>
-            <a:ext cx="7244029" cy="2623317"/>
-            <a:chOff x="3941042" y="329234"/>
-            <a:chExt cx="7244029" cy="2623317"/>
+          <a:xfrm rot="5400000">
+            <a:off x="1071609" y="1738649"/>
+            <a:ext cx="4756021" cy="4581558"/>
+            <a:chOff x="3971494" y="82515"/>
+            <a:chExt cx="7678796" cy="2942706"/>
           </a:xfrm>
         </p:grpSpPr>
         <p:sp>
@@ -2969,9 +3368,9 @@
             <p:nvPr/>
           </p:nvSpPr>
           <p:spPr>
-            <a:xfrm>
-              <a:off x="5924549" y="329234"/>
-              <a:ext cx="3004457" cy="369332"/>
+            <a:xfrm rot="16200000">
+              <a:off x="3017161" y="1036848"/>
+              <a:ext cx="2504968" cy="596302"/>
             </a:xfrm>
             <a:prstGeom prst="rect">
               <a:avLst/>
@@ -2993,7 +3392,23 @@
                     <a:schemeClr val="bg1"/>
                   </a:solidFill>
                 </a:rPr>
-                <a:t>Top 50 Productive Directors</a:t>
+                <a:t>Top </a:t>
+              </a:r>
+              <a:r>
+                <a:rPr lang="en-US" smtClean="0">
+                  <a:solidFill>
+                    <a:schemeClr val="bg1"/>
+                  </a:solidFill>
+                </a:rPr>
+                <a:t>30  Most Productive </a:t>
+              </a:r>
+              <a:r>
+                <a:rPr lang="en-US" dirty="0">
+                  <a:solidFill>
+                    <a:schemeClr val="bg1"/>
+                  </a:solidFill>
+                </a:rPr>
+                <a:t>Directors</a:t>
               </a:r>
             </a:p>
           </p:txBody>
@@ -3487,8 +3902,8 @@
           </p:nvSpPr>
           <p:spPr>
             <a:xfrm>
-              <a:off x="7238998" y="2583219"/>
-              <a:ext cx="1649185" cy="369332"/>
+              <a:off x="7238997" y="2605217"/>
+              <a:ext cx="2084157" cy="420004"/>
             </a:xfrm>
             <a:prstGeom prst="rect">
               <a:avLst/>
@@ -3520,8 +3935,8 @@
           </p:nvSpPr>
           <p:spPr>
             <a:xfrm>
-              <a:off x="3941042" y="666723"/>
-              <a:ext cx="461665" cy="1898545"/>
+              <a:off x="10904912" y="254528"/>
+              <a:ext cx="745378" cy="2549721"/>
             </a:xfrm>
             <a:prstGeom prst="rect">
               <a:avLst/>
@@ -3547,1037 +3962,12 @@
           </p:txBody>
         </p:sp>
       </p:grpSp>
-      <p:grpSp>
-        <p:nvGrpSpPr>
-          <p:cNvPr id="34" name="Group 33"/>
-          <p:cNvGrpSpPr/>
-          <p:nvPr/>
-        </p:nvGrpSpPr>
-        <p:grpSpPr>
-          <a:xfrm>
-            <a:off x="5996833" y="3515151"/>
-            <a:ext cx="2469591" cy="2549195"/>
-            <a:chOff x="3690258" y="3484211"/>
-            <a:chExt cx="3110592" cy="2549196"/>
-          </a:xfrm>
-        </p:grpSpPr>
-        <p:sp>
-          <p:nvSpPr>
-            <p:cNvPr id="23" name="TextBox 22"/>
-            <p:cNvSpPr txBox="1"/>
-            <p:nvPr/>
-          </p:nvSpPr>
-          <p:spPr>
-            <a:xfrm>
-              <a:off x="4844141" y="3484211"/>
-              <a:ext cx="1072243" cy="369331"/>
-            </a:xfrm>
-            <a:prstGeom prst="rect">
-              <a:avLst/>
-            </a:prstGeom>
-            <a:solidFill>
-              <a:schemeClr val="accent3"/>
-            </a:solidFill>
-          </p:spPr>
-          <p:txBody>
-            <a:bodyPr wrap="square" rtlCol="0">
-              <a:spAutoFit/>
-            </a:bodyPr>
-            <a:lstStyle/>
-            <a:p>
-              <a:pPr algn="ctr"/>
-              <a:r>
-                <a:rPr lang="en-US">
-                  <a:solidFill>
-                    <a:schemeClr val="bg1"/>
-                  </a:solidFill>
-                </a:rPr>
-                <a:t>Ratings</a:t>
-              </a:r>
-              <a:endParaRPr lang="en-US" dirty="0">
-                <a:solidFill>
-                  <a:schemeClr val="bg1"/>
-                </a:solidFill>
-              </a:endParaRPr>
-            </a:p>
-          </p:txBody>
-        </p:sp>
-        <p:cxnSp>
-          <p:nvCxnSpPr>
-            <p:cNvPr id="25" name="Straight Connector 24"/>
-            <p:cNvCxnSpPr/>
-            <p:nvPr/>
-          </p:nvCxnSpPr>
-          <p:spPr>
-            <a:xfrm>
-              <a:off x="4147457" y="5453743"/>
-              <a:ext cx="2653393" cy="0"/>
-            </a:xfrm>
-            <a:prstGeom prst="line">
-              <a:avLst/>
-            </a:prstGeom>
-          </p:spPr>
-          <p:style>
-            <a:lnRef idx="1">
-              <a:schemeClr val="dk1"/>
-            </a:lnRef>
-            <a:fillRef idx="0">
-              <a:schemeClr val="dk1"/>
-            </a:fillRef>
-            <a:effectRef idx="0">
-              <a:schemeClr val="dk1"/>
-            </a:effectRef>
-            <a:fontRef idx="minor">
-              <a:schemeClr val="tx1"/>
-            </a:fontRef>
-          </p:style>
-        </p:cxnSp>
-        <p:sp>
-          <p:nvSpPr>
-            <p:cNvPr id="32" name="TextBox 31"/>
-            <p:cNvSpPr txBox="1"/>
-            <p:nvPr/>
-          </p:nvSpPr>
-          <p:spPr>
-            <a:xfrm>
-              <a:off x="5018314" y="5664075"/>
-              <a:ext cx="1649185" cy="369332"/>
-            </a:xfrm>
-            <a:prstGeom prst="rect">
-              <a:avLst/>
-            </a:prstGeom>
-            <a:noFill/>
-          </p:spPr>
-          <p:txBody>
-            <a:bodyPr wrap="square" rtlCol="0">
-              <a:spAutoFit/>
-            </a:bodyPr>
-            <a:lstStyle/>
-            <a:p>
-              <a:r>
-                <a:rPr lang="en-US" dirty="0">
-                  <a:solidFill>
-                    <a:schemeClr val="tx2"/>
-                  </a:solidFill>
-                </a:rPr>
-                <a:t>Year</a:t>
-              </a:r>
-            </a:p>
-          </p:txBody>
-        </p:sp>
-        <p:sp>
-          <p:nvSpPr>
-            <p:cNvPr id="33" name="TextBox 32"/>
-            <p:cNvSpPr txBox="1"/>
-            <p:nvPr/>
-          </p:nvSpPr>
-          <p:spPr>
-            <a:xfrm>
-              <a:off x="3690258" y="3530083"/>
-              <a:ext cx="461665" cy="1453243"/>
-            </a:xfrm>
-            <a:prstGeom prst="rect">
-              <a:avLst/>
-            </a:prstGeom>
-            <a:noFill/>
-          </p:spPr>
-          <p:txBody>
-            <a:bodyPr vert="vert270" wrap="square" rtlCol="0">
-              <a:spAutoFit/>
-            </a:bodyPr>
-            <a:lstStyle/>
-            <a:p>
-              <a:r>
-                <a:rPr lang="en-US" dirty="0">
-                  <a:solidFill>
-                    <a:schemeClr val="tx2"/>
-                  </a:solidFill>
-                </a:rPr>
-                <a:t>Marks</a:t>
-              </a:r>
-            </a:p>
-          </p:txBody>
-        </p:sp>
-      </p:grpSp>
-      <p:grpSp>
-        <p:nvGrpSpPr>
-          <p:cNvPr id="35" name="Group 34"/>
-          <p:cNvGrpSpPr/>
-          <p:nvPr/>
-        </p:nvGrpSpPr>
-        <p:grpSpPr>
-          <a:xfrm>
-            <a:off x="8837796" y="3525442"/>
-            <a:ext cx="2604406" cy="2550218"/>
-            <a:chOff x="3690258" y="3484211"/>
-            <a:chExt cx="3110592" cy="2542076"/>
-          </a:xfrm>
-        </p:grpSpPr>
-        <p:sp>
-          <p:nvSpPr>
-            <p:cNvPr id="36" name="TextBox 35"/>
-            <p:cNvSpPr txBox="1"/>
-            <p:nvPr/>
-          </p:nvSpPr>
-          <p:spPr>
-            <a:xfrm>
-              <a:off x="4844141" y="3484211"/>
-              <a:ext cx="1072243" cy="369331"/>
-            </a:xfrm>
-            <a:prstGeom prst="rect">
-              <a:avLst/>
-            </a:prstGeom>
-            <a:solidFill>
-              <a:schemeClr val="accent3"/>
-            </a:solidFill>
-          </p:spPr>
-          <p:txBody>
-            <a:bodyPr wrap="square" rtlCol="0">
-              <a:spAutoFit/>
-            </a:bodyPr>
-            <a:lstStyle/>
-            <a:p>
-              <a:pPr algn="ctr"/>
-              <a:r>
-                <a:rPr lang="en-US" dirty="0">
-                  <a:solidFill>
-                    <a:schemeClr val="bg1"/>
-                  </a:solidFill>
-                </a:rPr>
-                <a:t>Profits</a:t>
-              </a:r>
-            </a:p>
-          </p:txBody>
-        </p:sp>
-        <p:cxnSp>
-          <p:nvCxnSpPr>
-            <p:cNvPr id="37" name="Straight Connector 36"/>
-            <p:cNvCxnSpPr/>
-            <p:nvPr/>
-          </p:nvCxnSpPr>
-          <p:spPr>
-            <a:xfrm>
-              <a:off x="4147457" y="5453743"/>
-              <a:ext cx="2653393" cy="0"/>
-            </a:xfrm>
-            <a:prstGeom prst="line">
-              <a:avLst/>
-            </a:prstGeom>
-          </p:spPr>
-          <p:style>
-            <a:lnRef idx="1">
-              <a:schemeClr val="dk1"/>
-            </a:lnRef>
-            <a:fillRef idx="0">
-              <a:schemeClr val="dk1"/>
-            </a:fillRef>
-            <a:effectRef idx="0">
-              <a:schemeClr val="dk1"/>
-            </a:effectRef>
-            <a:fontRef idx="minor">
-              <a:schemeClr val="tx1"/>
-            </a:fontRef>
-          </p:style>
-        </p:cxnSp>
-        <p:sp>
-          <p:nvSpPr>
-            <p:cNvPr id="39" name="TextBox 38"/>
-            <p:cNvSpPr txBox="1"/>
-            <p:nvPr/>
-          </p:nvSpPr>
-          <p:spPr>
-            <a:xfrm>
-              <a:off x="4994818" y="5656955"/>
-              <a:ext cx="1649184" cy="369332"/>
-            </a:xfrm>
-            <a:prstGeom prst="rect">
-              <a:avLst/>
-            </a:prstGeom>
-            <a:noFill/>
-          </p:spPr>
-          <p:txBody>
-            <a:bodyPr wrap="square" rtlCol="0">
-              <a:spAutoFit/>
-            </a:bodyPr>
-            <a:lstStyle/>
-            <a:p>
-              <a:r>
-                <a:rPr lang="en-US" dirty="0">
-                  <a:solidFill>
-                    <a:schemeClr val="tx2"/>
-                  </a:solidFill>
-                </a:rPr>
-                <a:t>Year</a:t>
-              </a:r>
-            </a:p>
-          </p:txBody>
-        </p:sp>
-        <p:sp>
-          <p:nvSpPr>
-            <p:cNvPr id="40" name="TextBox 39"/>
-            <p:cNvSpPr txBox="1"/>
-            <p:nvPr/>
-          </p:nvSpPr>
-          <p:spPr>
-            <a:xfrm>
-              <a:off x="3690258" y="3530083"/>
-              <a:ext cx="461665" cy="1915495"/>
-            </a:xfrm>
-            <a:prstGeom prst="rect">
-              <a:avLst/>
-            </a:prstGeom>
-            <a:noFill/>
-          </p:spPr>
-          <p:txBody>
-            <a:bodyPr vert="vert270" wrap="square" rtlCol="0">
-              <a:spAutoFit/>
-            </a:bodyPr>
-            <a:lstStyle/>
-            <a:p>
-              <a:r>
-                <a:rPr lang="en-US">
-                  <a:solidFill>
-                    <a:schemeClr val="tx2"/>
-                  </a:solidFill>
-                </a:rPr>
-                <a:t>Worldwide Profits</a:t>
-              </a:r>
-              <a:endParaRPr lang="en-US" dirty="0">
-                <a:solidFill>
-                  <a:schemeClr val="tx2"/>
-                </a:solidFill>
-              </a:endParaRPr>
-            </a:p>
-          </p:txBody>
-        </p:sp>
-      </p:grpSp>
-      <p:grpSp>
-        <p:nvGrpSpPr>
-          <p:cNvPr id="74" name="Group 73"/>
-          <p:cNvGrpSpPr/>
-          <p:nvPr/>
-        </p:nvGrpSpPr>
-        <p:grpSpPr>
-          <a:xfrm>
-            <a:off x="1140728" y="408948"/>
-            <a:ext cx="2253343" cy="5875354"/>
-            <a:chOff x="373705" y="438751"/>
-            <a:chExt cx="2253343" cy="5875354"/>
-          </a:xfrm>
-        </p:grpSpPr>
-        <p:sp>
-          <p:nvSpPr>
-            <p:cNvPr id="22" name="Rectangle 21"/>
-            <p:cNvSpPr/>
-            <p:nvPr/>
-          </p:nvSpPr>
-          <p:spPr>
-            <a:xfrm>
-              <a:off x="373705" y="452148"/>
-              <a:ext cx="2253343" cy="5861957"/>
-            </a:xfrm>
-            <a:prstGeom prst="rect">
-              <a:avLst/>
-            </a:prstGeom>
-            <a:solidFill>
-              <a:schemeClr val="accent6">
-                <a:lumMod val="20000"/>
-                <a:lumOff val="80000"/>
-              </a:schemeClr>
-            </a:solidFill>
-          </p:spPr>
-          <p:style>
-            <a:lnRef idx="2">
-              <a:schemeClr val="accent1">
-                <a:shade val="50000"/>
-              </a:schemeClr>
-            </a:lnRef>
-            <a:fillRef idx="1">
-              <a:schemeClr val="accent1"/>
-            </a:fillRef>
-            <a:effectRef idx="0">
-              <a:schemeClr val="accent1"/>
-            </a:effectRef>
-            <a:fontRef idx="minor">
-              <a:schemeClr val="lt1"/>
-            </a:fontRef>
-          </p:style>
-          <p:txBody>
-            <a:bodyPr rtlCol="0" anchor="ctr"/>
-            <a:lstStyle/>
-            <a:p>
-              <a:pPr algn="ctr"/>
-              <a:endParaRPr lang="en-US" dirty="0"/>
-            </a:p>
-          </p:txBody>
-        </p:sp>
-        <p:cxnSp>
-          <p:nvCxnSpPr>
-            <p:cNvPr id="54" name="Straight Connector 53"/>
-            <p:cNvCxnSpPr/>
-            <p:nvPr/>
-          </p:nvCxnSpPr>
-          <p:spPr>
-            <a:xfrm>
-              <a:off x="373705" y="1355271"/>
-              <a:ext cx="2253343" cy="0"/>
-            </a:xfrm>
-            <a:prstGeom prst="line">
-              <a:avLst/>
-            </a:prstGeom>
-            <a:ln w="12700">
-              <a:solidFill>
-                <a:schemeClr val="tx2"/>
-              </a:solidFill>
-            </a:ln>
-          </p:spPr>
-          <p:style>
-            <a:lnRef idx="1">
-              <a:schemeClr val="accent1"/>
-            </a:lnRef>
-            <a:fillRef idx="0">
-              <a:schemeClr val="accent1"/>
-            </a:fillRef>
-            <a:effectRef idx="0">
-              <a:schemeClr val="accent1"/>
-            </a:effectRef>
-            <a:fontRef idx="minor">
-              <a:schemeClr val="tx1"/>
-            </a:fontRef>
-          </p:style>
-        </p:cxnSp>
-        <p:sp>
-          <p:nvSpPr>
-            <p:cNvPr id="55" name="TextBox 54"/>
-            <p:cNvSpPr txBox="1"/>
-            <p:nvPr/>
-          </p:nvSpPr>
-          <p:spPr>
-            <a:xfrm>
-              <a:off x="504088" y="438751"/>
-              <a:ext cx="1291809" cy="923330"/>
-            </a:xfrm>
-            <a:prstGeom prst="rect">
-              <a:avLst/>
-            </a:prstGeom>
-            <a:noFill/>
-          </p:spPr>
-          <p:txBody>
-            <a:bodyPr wrap="square" rtlCol="0">
-              <a:spAutoFit/>
-            </a:bodyPr>
-            <a:lstStyle/>
-            <a:p>
-              <a:r>
-                <a:rPr lang="en-US" dirty="0"/>
-                <a:t>Directors</a:t>
-              </a:r>
-            </a:p>
-            <a:p>
-              <a:r>
-                <a:rPr lang="en-US" dirty="0"/>
-                <a:t>Production</a:t>
-              </a:r>
-            </a:p>
-            <a:p>
-              <a:r>
-                <a:rPr lang="en-US" dirty="0"/>
-                <a:t>Tracker</a:t>
-              </a:r>
-            </a:p>
-          </p:txBody>
-        </p:sp>
-        <p:sp>
-          <p:nvSpPr>
-            <p:cNvPr id="56" name="TextBox 55"/>
-            <p:cNvSpPr txBox="1"/>
-            <p:nvPr/>
-          </p:nvSpPr>
-          <p:spPr>
-            <a:xfrm>
-              <a:off x="503517" y="1608363"/>
-              <a:ext cx="1137749" cy="369332"/>
-            </a:xfrm>
-            <a:prstGeom prst="rect">
-              <a:avLst/>
-            </a:prstGeom>
-            <a:noFill/>
-          </p:spPr>
-          <p:txBody>
-            <a:bodyPr wrap="square" rtlCol="0">
-              <a:spAutoFit/>
-            </a:bodyPr>
-            <a:lstStyle/>
-            <a:p>
-              <a:r>
-                <a:rPr lang="en-US"/>
-                <a:t>Filter</a:t>
-              </a:r>
-            </a:p>
-          </p:txBody>
-        </p:sp>
-        <p:grpSp>
-          <p:nvGrpSpPr>
-            <p:cNvPr id="59" name="Group 58"/>
-            <p:cNvGrpSpPr/>
-            <p:nvPr/>
-          </p:nvGrpSpPr>
-          <p:grpSpPr>
-            <a:xfrm>
-              <a:off x="645465" y="2334985"/>
-              <a:ext cx="1693112" cy="864872"/>
-              <a:chOff x="645465" y="2334985"/>
-              <a:chExt cx="1693112" cy="864872"/>
-            </a:xfrm>
-          </p:grpSpPr>
-          <p:sp>
-            <p:nvSpPr>
-              <p:cNvPr id="57" name="Rectangle 56"/>
-              <p:cNvSpPr/>
-              <p:nvPr/>
-            </p:nvSpPr>
-            <p:spPr>
-              <a:xfrm>
-                <a:off x="645465" y="2334985"/>
-                <a:ext cx="1693112" cy="212272"/>
-              </a:xfrm>
-              <a:prstGeom prst="rect">
-                <a:avLst/>
-              </a:prstGeom>
-            </p:spPr>
-            <p:style>
-              <a:lnRef idx="2">
-                <a:schemeClr val="accent6"/>
-              </a:lnRef>
-              <a:fillRef idx="1">
-                <a:schemeClr val="lt1"/>
-              </a:fillRef>
-              <a:effectRef idx="0">
-                <a:schemeClr val="accent6"/>
-              </a:effectRef>
-              <a:fontRef idx="minor">
-                <a:schemeClr val="dk1"/>
-              </a:fontRef>
-            </p:style>
-            <p:txBody>
-              <a:bodyPr rtlCol="0" anchor="ctr"/>
-              <a:lstStyle/>
-              <a:p>
-                <a:pPr algn="ctr"/>
-                <a:endParaRPr lang="en-US"/>
-              </a:p>
-            </p:txBody>
-          </p:sp>
-          <p:sp>
-            <p:nvSpPr>
-              <p:cNvPr id="58" name="TextBox 57"/>
-              <p:cNvSpPr txBox="1"/>
-              <p:nvPr/>
-            </p:nvSpPr>
-            <p:spPr>
-              <a:xfrm>
-                <a:off x="645465" y="2830525"/>
-                <a:ext cx="1409212" cy="369332"/>
-              </a:xfrm>
-              <a:prstGeom prst="rect">
-                <a:avLst/>
-              </a:prstGeom>
-              <a:noFill/>
-            </p:spPr>
-            <p:txBody>
-              <a:bodyPr wrap="square" rtlCol="0">
-                <a:spAutoFit/>
-              </a:bodyPr>
-              <a:lstStyle/>
-              <a:p>
-                <a:r>
-                  <a:rPr lang="en-US" dirty="0"/>
-                  <a:t>Time Span</a:t>
-                </a:r>
-              </a:p>
-            </p:txBody>
-          </p:sp>
-        </p:grpSp>
-        <p:sp>
-          <p:nvSpPr>
-            <p:cNvPr id="62" name="TextBox 61"/>
-            <p:cNvSpPr txBox="1"/>
-            <p:nvPr/>
-          </p:nvSpPr>
-          <p:spPr>
-            <a:xfrm>
-              <a:off x="626416" y="3887960"/>
-              <a:ext cx="1409212" cy="369332"/>
-            </a:xfrm>
-            <a:prstGeom prst="rect">
-              <a:avLst/>
-            </a:prstGeom>
-            <a:noFill/>
-          </p:spPr>
-          <p:txBody>
-            <a:bodyPr wrap="square" rtlCol="0">
-              <a:spAutoFit/>
-            </a:bodyPr>
-            <a:lstStyle/>
-            <a:p>
-              <a:r>
-                <a:rPr lang="en-US" dirty="0"/>
-                <a:t>Directors</a:t>
-              </a:r>
-            </a:p>
-          </p:txBody>
-        </p:sp>
-        <p:sp>
-          <p:nvSpPr>
-            <p:cNvPr id="64" name="Rectangle 63"/>
-            <p:cNvSpPr/>
-            <p:nvPr/>
-          </p:nvSpPr>
-          <p:spPr>
-            <a:xfrm>
-              <a:off x="645465" y="4257292"/>
-              <a:ext cx="1693112" cy="212272"/>
-            </a:xfrm>
-            <a:prstGeom prst="rect">
-              <a:avLst/>
-            </a:prstGeom>
-          </p:spPr>
-          <p:style>
-            <a:lnRef idx="2">
-              <a:schemeClr val="accent6"/>
-            </a:lnRef>
-            <a:fillRef idx="1">
-              <a:schemeClr val="lt1"/>
-            </a:fillRef>
-            <a:effectRef idx="0">
-              <a:schemeClr val="accent6"/>
-            </a:effectRef>
-            <a:fontRef idx="minor">
-              <a:schemeClr val="dk1"/>
-            </a:fontRef>
-          </p:style>
-          <p:txBody>
-            <a:bodyPr rtlCol="0" anchor="ctr"/>
-            <a:lstStyle/>
-            <a:p>
-              <a:pPr algn="ctr"/>
-              <a:endParaRPr lang="en-US"/>
-            </a:p>
-          </p:txBody>
-        </p:sp>
-      </p:grpSp>
-      <p:grpSp>
-        <p:nvGrpSpPr>
-          <p:cNvPr id="73" name="Group 72"/>
-          <p:cNvGrpSpPr/>
-          <p:nvPr/>
-        </p:nvGrpSpPr>
-        <p:grpSpPr>
-          <a:xfrm>
-            <a:off x="3980289" y="3736334"/>
-            <a:ext cx="1595065" cy="2000331"/>
-            <a:chOff x="3494004" y="3451554"/>
-            <a:chExt cx="1595065" cy="2000331"/>
-          </a:xfrm>
-        </p:grpSpPr>
-        <p:sp>
-          <p:nvSpPr>
-            <p:cNvPr id="66" name="Rectangle 65"/>
-            <p:cNvSpPr/>
-            <p:nvPr/>
-          </p:nvSpPr>
-          <p:spPr>
-            <a:xfrm>
-              <a:off x="3494005" y="3451554"/>
-              <a:ext cx="1533834" cy="2000331"/>
-            </a:xfrm>
-            <a:prstGeom prst="rect">
-              <a:avLst/>
-            </a:prstGeom>
-          </p:spPr>
-          <p:style>
-            <a:lnRef idx="2">
-              <a:schemeClr val="accent6"/>
-            </a:lnRef>
-            <a:fillRef idx="1">
-              <a:schemeClr val="lt1"/>
-            </a:fillRef>
-            <a:effectRef idx="0">
-              <a:schemeClr val="accent6"/>
-            </a:effectRef>
-            <a:fontRef idx="minor">
-              <a:schemeClr val="dk1"/>
-            </a:fontRef>
-          </p:style>
-          <p:txBody>
-            <a:bodyPr rtlCol="0" anchor="ctr"/>
-            <a:lstStyle/>
-            <a:p>
-              <a:pPr algn="ctr"/>
-              <a:endParaRPr lang="en-US"/>
-            </a:p>
-          </p:txBody>
-        </p:sp>
-        <p:sp>
-          <p:nvSpPr>
-            <p:cNvPr id="67" name="TextBox 66"/>
-            <p:cNvSpPr txBox="1"/>
-            <p:nvPr/>
-          </p:nvSpPr>
-          <p:spPr>
-            <a:xfrm>
-              <a:off x="3494004" y="3530084"/>
-              <a:ext cx="1595065" cy="369332"/>
-            </a:xfrm>
-            <a:prstGeom prst="rect">
-              <a:avLst/>
-            </a:prstGeom>
-            <a:noFill/>
-          </p:spPr>
-          <p:txBody>
-            <a:bodyPr wrap="square" rtlCol="0">
-              <a:spAutoFit/>
-            </a:bodyPr>
-            <a:lstStyle/>
-            <a:p>
-              <a:r>
-                <a:rPr lang="en-US" dirty="0"/>
-                <a:t>List of Movies</a:t>
-              </a:r>
-            </a:p>
-          </p:txBody>
-        </p:sp>
-        <p:cxnSp>
-          <p:nvCxnSpPr>
-            <p:cNvPr id="69" name="Straight Connector 68"/>
-            <p:cNvCxnSpPr/>
-            <p:nvPr/>
-          </p:nvCxnSpPr>
-          <p:spPr>
-            <a:xfrm>
-              <a:off x="3543301" y="4162867"/>
-              <a:ext cx="1336220" cy="0"/>
-            </a:xfrm>
-            <a:prstGeom prst="line">
-              <a:avLst/>
-            </a:prstGeom>
-          </p:spPr>
-          <p:style>
-            <a:lnRef idx="1">
-              <a:schemeClr val="accent1"/>
-            </a:lnRef>
-            <a:fillRef idx="0">
-              <a:schemeClr val="accent1"/>
-            </a:fillRef>
-            <a:effectRef idx="0">
-              <a:schemeClr val="accent1"/>
-            </a:effectRef>
-            <a:fontRef idx="minor">
-              <a:schemeClr val="tx1"/>
-            </a:fontRef>
-          </p:style>
-        </p:cxnSp>
-        <p:cxnSp>
-          <p:nvCxnSpPr>
-            <p:cNvPr id="70" name="Straight Connector 69"/>
-            <p:cNvCxnSpPr/>
-            <p:nvPr/>
-          </p:nvCxnSpPr>
-          <p:spPr>
-            <a:xfrm>
-              <a:off x="3543301" y="4469564"/>
-              <a:ext cx="1336220" cy="0"/>
-            </a:xfrm>
-            <a:prstGeom prst="line">
-              <a:avLst/>
-            </a:prstGeom>
-          </p:spPr>
-          <p:style>
-            <a:lnRef idx="1">
-              <a:schemeClr val="accent1"/>
-            </a:lnRef>
-            <a:fillRef idx="0">
-              <a:schemeClr val="accent1"/>
-            </a:fillRef>
-            <a:effectRef idx="0">
-              <a:schemeClr val="accent1"/>
-            </a:effectRef>
-            <a:fontRef idx="minor">
-              <a:schemeClr val="tx1"/>
-            </a:fontRef>
-          </p:style>
-        </p:cxnSp>
-        <p:cxnSp>
-          <p:nvCxnSpPr>
-            <p:cNvPr id="71" name="Straight Connector 70"/>
-            <p:cNvCxnSpPr/>
-            <p:nvPr/>
-          </p:nvCxnSpPr>
-          <p:spPr>
-            <a:xfrm>
-              <a:off x="3543301" y="4837781"/>
-              <a:ext cx="1336220" cy="0"/>
-            </a:xfrm>
-            <a:prstGeom prst="line">
-              <a:avLst/>
-            </a:prstGeom>
-          </p:spPr>
-          <p:style>
-            <a:lnRef idx="1">
-              <a:schemeClr val="accent1"/>
-            </a:lnRef>
-            <a:fillRef idx="0">
-              <a:schemeClr val="accent1"/>
-            </a:fillRef>
-            <a:effectRef idx="0">
-              <a:schemeClr val="accent1"/>
-            </a:effectRef>
-            <a:fontRef idx="minor">
-              <a:schemeClr val="tx1"/>
-            </a:fontRef>
-          </p:style>
-        </p:cxnSp>
-        <p:cxnSp>
-          <p:nvCxnSpPr>
-            <p:cNvPr id="72" name="Straight Connector 71"/>
-            <p:cNvCxnSpPr/>
-            <p:nvPr/>
-          </p:nvCxnSpPr>
-          <p:spPr>
-            <a:xfrm>
-              <a:off x="3543301" y="5215864"/>
-              <a:ext cx="1336220" cy="0"/>
-            </a:xfrm>
-            <a:prstGeom prst="line">
-              <a:avLst/>
-            </a:prstGeom>
-          </p:spPr>
-          <p:style>
-            <a:lnRef idx="1">
-              <a:schemeClr val="accent1"/>
-            </a:lnRef>
-            <a:fillRef idx="0">
-              <a:schemeClr val="accent1"/>
-            </a:fillRef>
-            <a:effectRef idx="0">
-              <a:schemeClr val="accent1"/>
-            </a:effectRef>
-            <a:fontRef idx="minor">
-              <a:schemeClr val="tx1"/>
-            </a:fontRef>
-          </p:style>
-        </p:cxnSp>
-      </p:grpSp>
-      <p:cxnSp>
-        <p:nvCxnSpPr>
-          <p:cNvPr id="3" name="Straight Connector 2">
-            <a:extLst>
-              <a:ext uri="{FF2B5EF4-FFF2-40B4-BE49-F238E27FC236}">
-                <a16:creationId xmlns:a16="http://schemas.microsoft.com/office/drawing/2014/main" id="{71327C73-1D11-4C6C-A5A8-A76AED7C79A6}"/>
-              </a:ext>
-            </a:extLst>
-          </p:cNvPr>
-          <p:cNvCxnSpPr/>
-          <p:nvPr/>
-        </p:nvCxnSpPr>
-        <p:spPr>
-          <a:xfrm>
-            <a:off x="2911690" y="609600"/>
-            <a:ext cx="302949" cy="0"/>
-          </a:xfrm>
-          <a:prstGeom prst="line">
-            <a:avLst/>
-          </a:prstGeom>
-          <a:ln w="57150">
-            <a:solidFill>
-              <a:schemeClr val="accent3"/>
-            </a:solidFill>
-          </a:ln>
-        </p:spPr>
-        <p:style>
-          <a:lnRef idx="1">
-            <a:schemeClr val="accent1"/>
-          </a:lnRef>
-          <a:fillRef idx="0">
-            <a:schemeClr val="accent1"/>
-          </a:fillRef>
-          <a:effectRef idx="0">
-            <a:schemeClr val="accent1"/>
-          </a:effectRef>
-          <a:fontRef idx="minor">
-            <a:schemeClr val="tx1"/>
-          </a:fontRef>
-        </p:style>
-      </p:cxnSp>
-      <p:cxnSp>
-        <p:nvCxnSpPr>
-          <p:cNvPr id="68" name="Straight Connector 67">
-            <a:extLst>
-              <a:ext uri="{FF2B5EF4-FFF2-40B4-BE49-F238E27FC236}">
-                <a16:creationId xmlns:a16="http://schemas.microsoft.com/office/drawing/2014/main" id="{EA596273-0131-4F3F-A2A1-B72F9C64E52D}"/>
-              </a:ext>
-            </a:extLst>
-          </p:cNvPr>
-          <p:cNvCxnSpPr/>
-          <p:nvPr/>
-        </p:nvCxnSpPr>
-        <p:spPr>
-          <a:xfrm>
-            <a:off x="2915912" y="724607"/>
-            <a:ext cx="302949" cy="0"/>
-          </a:xfrm>
-          <a:prstGeom prst="line">
-            <a:avLst/>
-          </a:prstGeom>
-          <a:ln w="57150">
-            <a:solidFill>
-              <a:schemeClr val="accent3"/>
-            </a:solidFill>
-          </a:ln>
-        </p:spPr>
-        <p:style>
-          <a:lnRef idx="1">
-            <a:schemeClr val="accent1"/>
-          </a:lnRef>
-          <a:fillRef idx="0">
-            <a:schemeClr val="accent1"/>
-          </a:fillRef>
-          <a:effectRef idx="0">
-            <a:schemeClr val="accent1"/>
-          </a:effectRef>
-          <a:fontRef idx="minor">
-            <a:schemeClr val="tx1"/>
-          </a:fontRef>
-        </p:style>
-      </p:cxnSp>
-      <p:cxnSp>
-        <p:nvCxnSpPr>
-          <p:cNvPr id="75" name="Straight Connector 74">
-            <a:extLst>
-              <a:ext uri="{FF2B5EF4-FFF2-40B4-BE49-F238E27FC236}">
-                <a16:creationId xmlns:a16="http://schemas.microsoft.com/office/drawing/2014/main" id="{0FB2F667-1B27-4116-8593-502024F23741}"/>
-              </a:ext>
-            </a:extLst>
-          </p:cNvPr>
-          <p:cNvCxnSpPr/>
-          <p:nvPr/>
-        </p:nvCxnSpPr>
-        <p:spPr>
-          <a:xfrm>
-            <a:off x="2915914" y="840125"/>
-            <a:ext cx="302949" cy="0"/>
-          </a:xfrm>
-          <a:prstGeom prst="line">
-            <a:avLst/>
-          </a:prstGeom>
-          <a:ln w="57150">
-            <a:solidFill>
-              <a:schemeClr val="accent3"/>
-            </a:solidFill>
-          </a:ln>
-        </p:spPr>
-        <p:style>
-          <a:lnRef idx="1">
-            <a:schemeClr val="accent1"/>
-          </a:lnRef>
-          <a:fillRef idx="0">
-            <a:schemeClr val="accent1"/>
-          </a:fillRef>
-          <a:effectRef idx="0">
-            <a:schemeClr val="accent1"/>
-          </a:effectRef>
-          <a:fontRef idx="minor">
-            <a:schemeClr val="tx1"/>
-          </a:fontRef>
-        </p:style>
-      </p:cxnSp>
-      <p:cxnSp>
-        <p:nvCxnSpPr>
-          <p:cNvPr id="6" name="Straight Arrow Connector 5">
-            <a:extLst>
-              <a:ext uri="{FF2B5EF4-FFF2-40B4-BE49-F238E27FC236}">
-                <a16:creationId xmlns:a16="http://schemas.microsoft.com/office/drawing/2014/main" id="{C821B187-5F90-40F9-8DE6-E44B02A4C3BF}"/>
-              </a:ext>
-            </a:extLst>
-          </p:cNvPr>
-          <p:cNvCxnSpPr>
-            <a:cxnSpLocks/>
-          </p:cNvCxnSpPr>
-          <p:nvPr/>
-        </p:nvCxnSpPr>
-        <p:spPr>
-          <a:xfrm flipH="1">
-            <a:off x="3213557" y="311679"/>
-            <a:ext cx="258479" cy="235245"/>
-          </a:xfrm>
-          <a:prstGeom prst="straightConnector1">
-            <a:avLst/>
-          </a:prstGeom>
-          <a:ln w="28575">
-            <a:solidFill>
-              <a:schemeClr val="tx1"/>
-            </a:solidFill>
-            <a:tailEnd type="triangle"/>
-          </a:ln>
-        </p:spPr>
-        <p:style>
-          <a:lnRef idx="1">
-            <a:schemeClr val="accent1"/>
-          </a:lnRef>
-          <a:fillRef idx="0">
-            <a:schemeClr val="accent1"/>
-          </a:fillRef>
-          <a:effectRef idx="0">
-            <a:schemeClr val="accent1"/>
-          </a:effectRef>
-          <a:fontRef idx="minor">
-            <a:schemeClr val="tx1"/>
-          </a:fontRef>
-        </p:style>
-      </p:cxnSp>
-      <p:sp>
-        <p:nvSpPr>
-          <p:cNvPr id="24" name="TextBox 23">
-            <a:extLst>
-              <a:ext uri="{FF2B5EF4-FFF2-40B4-BE49-F238E27FC236}">
-                <a16:creationId xmlns:a16="http://schemas.microsoft.com/office/drawing/2014/main" id="{6BFE790D-F0D2-438C-8FE7-0CDDEB47B4F8}"/>
-              </a:ext>
-            </a:extLst>
-          </p:cNvPr>
-          <p:cNvSpPr txBox="1"/>
-          <p:nvPr/>
-        </p:nvSpPr>
-        <p:spPr>
-          <a:xfrm>
-            <a:off x="3342797" y="39980"/>
-            <a:ext cx="2788387" cy="338554"/>
-          </a:xfrm>
-          <a:prstGeom prst="rect">
-            <a:avLst/>
-          </a:prstGeom>
-          <a:noFill/>
-        </p:spPr>
-        <p:txBody>
-          <a:bodyPr wrap="square" rtlCol="0">
-            <a:spAutoFit/>
-          </a:bodyPr>
-          <a:lstStyle/>
-          <a:p>
-            <a:r>
-              <a:rPr lang="en-US" sz="1600" b="1" dirty="0">
-                <a:latin typeface="Ink Free" panose="03080402000500000000" pitchFamily="66" charset="0"/>
-              </a:rPr>
-              <a:t>Toggle Collapse Menu </a:t>
-            </a:r>
-          </a:p>
-        </p:txBody>
-      </p:sp>
       <p:sp>
         <p:nvSpPr>
           <p:cNvPr id="27" name="Rectangle 26">
             <a:extLst>
               <a:ext uri="{FF2B5EF4-FFF2-40B4-BE49-F238E27FC236}">
-                <a16:creationId xmlns:a16="http://schemas.microsoft.com/office/drawing/2014/main" id="{D7D4A0B3-60F7-4EC4-80FA-ABEF393D61C7}"/>
+                <a16:creationId xmlns="" xmlns:a16="http://schemas.microsoft.com/office/drawing/2014/main" id="{D7D4A0B3-60F7-4EC4-80FA-ABEF393D61C7}"/>
               </a:ext>
             </a:extLst>
           </p:cNvPr>
@@ -4626,10 +4016,10 @@
       </p:sp>
       <p:cxnSp>
         <p:nvCxnSpPr>
-          <p:cNvPr id="29" name="Straight Connector 28">
+          <p:cNvPr id="76" name="Straight Arrow Connector 75">
             <a:extLst>
               <a:ext uri="{FF2B5EF4-FFF2-40B4-BE49-F238E27FC236}">
-                <a16:creationId xmlns:a16="http://schemas.microsoft.com/office/drawing/2014/main" id="{44A88217-9949-438D-9795-4386415D2900}"/>
+                <a16:creationId xmlns="" xmlns:a16="http://schemas.microsoft.com/office/drawing/2014/main" id="{27E91071-DC6B-4FAD-BAAF-DAA1738C6E03}"/>
               </a:ext>
             </a:extLst>
           </p:cNvPr>
@@ -4640,50 +4030,7 @@
         </p:nvCxnSpPr>
         <p:spPr>
           <a:xfrm>
-            <a:off x="3394071" y="3212114"/>
-            <a:ext cx="8520061" cy="19626"/>
-          </a:xfrm>
-          <a:prstGeom prst="line">
-            <a:avLst/>
-          </a:prstGeom>
-          <a:ln w="12700">
-            <a:solidFill>
-              <a:schemeClr val="tx2"/>
-            </a:solidFill>
-          </a:ln>
-        </p:spPr>
-        <p:style>
-          <a:lnRef idx="1">
-            <a:schemeClr val="accent1"/>
-          </a:lnRef>
-          <a:fillRef idx="0">
-            <a:schemeClr val="accent1"/>
-          </a:fillRef>
-          <a:effectRef idx="0">
-            <a:schemeClr val="accent1"/>
-          </a:effectRef>
-          <a:fontRef idx="minor">
-            <a:schemeClr val="tx1"/>
-          </a:fontRef>
-        </p:style>
-      </p:cxnSp>
-      <p:cxnSp>
-        <p:nvCxnSpPr>
-          <p:cNvPr id="76" name="Straight Arrow Connector 75">
-            <a:extLst>
-              <a:ext uri="{FF2B5EF4-FFF2-40B4-BE49-F238E27FC236}">
-                <a16:creationId xmlns:a16="http://schemas.microsoft.com/office/drawing/2014/main" id="{27E91071-DC6B-4FAD-BAAF-DAA1738C6E03}"/>
-              </a:ext>
-            </a:extLst>
-          </p:cNvPr>
-          <p:cNvCxnSpPr>
-            <a:cxnSpLocks/>
-          </p:cNvCxnSpPr>
-          <p:nvPr/>
-        </p:nvCxnSpPr>
-        <p:spPr>
-          <a:xfrm>
-            <a:off x="1050170" y="2159844"/>
+            <a:off x="1007881" y="1291536"/>
             <a:ext cx="295119" cy="197363"/>
           </a:xfrm>
           <a:prstGeom prst="straightConnector1">
@@ -4716,7 +4063,7 @@
           <p:cNvPr id="77" name="TextBox 76">
             <a:extLst>
               <a:ext uri="{FF2B5EF4-FFF2-40B4-BE49-F238E27FC236}">
-                <a16:creationId xmlns:a16="http://schemas.microsoft.com/office/drawing/2014/main" id="{CE8C0DCD-7D27-4BEA-871C-E5863C238267}"/>
+                <a16:creationId xmlns="" xmlns:a16="http://schemas.microsoft.com/office/drawing/2014/main" id="{CE8C0DCD-7D27-4BEA-871C-E5863C238267}"/>
               </a:ext>
             </a:extLst>
           </p:cNvPr>
@@ -4725,7 +4072,7 @@
         </p:nvSpPr>
         <p:spPr>
           <a:xfrm>
-            <a:off x="1392015" y="1956643"/>
+            <a:off x="1544368" y="1274337"/>
             <a:ext cx="1409212" cy="369332"/>
           </a:xfrm>
           <a:prstGeom prst="rect">
@@ -4746,100 +4093,12 @@
           </a:p>
         </p:txBody>
       </p:sp>
-      <p:cxnSp>
-        <p:nvCxnSpPr>
-          <p:cNvPr id="78" name="Straight Arrow Connector 77">
-            <a:extLst>
-              <a:ext uri="{FF2B5EF4-FFF2-40B4-BE49-F238E27FC236}">
-                <a16:creationId xmlns:a16="http://schemas.microsoft.com/office/drawing/2014/main" id="{72D570C5-9F72-4FC8-AD77-33650E165258}"/>
-              </a:ext>
-            </a:extLst>
-          </p:cNvPr>
-          <p:cNvCxnSpPr>
-            <a:cxnSpLocks/>
-          </p:cNvCxnSpPr>
-          <p:nvPr/>
-        </p:nvCxnSpPr>
-        <p:spPr>
-          <a:xfrm>
-            <a:off x="1022357" y="3076977"/>
-            <a:ext cx="334155" cy="228654"/>
-          </a:xfrm>
-          <a:prstGeom prst="straightConnector1">
-            <a:avLst/>
-          </a:prstGeom>
-          <a:ln w="28575">
-            <a:solidFill>
-              <a:schemeClr val="tx1"/>
-            </a:solidFill>
-            <a:tailEnd type="triangle"/>
-          </a:ln>
-        </p:spPr>
-        <p:style>
-          <a:lnRef idx="1">
-            <a:schemeClr val="accent1"/>
-          </a:lnRef>
-          <a:fillRef idx="0">
-            <a:schemeClr val="accent1"/>
-          </a:fillRef>
-          <a:effectRef idx="0">
-            <a:schemeClr val="accent1"/>
-          </a:effectRef>
-          <a:fontRef idx="minor">
-            <a:schemeClr val="tx1"/>
-          </a:fontRef>
-        </p:style>
-      </p:cxnSp>
-      <p:cxnSp>
-        <p:nvCxnSpPr>
-          <p:cNvPr id="79" name="Straight Arrow Connector 78">
-            <a:extLst>
-              <a:ext uri="{FF2B5EF4-FFF2-40B4-BE49-F238E27FC236}">
-                <a16:creationId xmlns:a16="http://schemas.microsoft.com/office/drawing/2014/main" id="{139EB32D-B2C9-40A0-953A-F9D459B47958}"/>
-              </a:ext>
-            </a:extLst>
-          </p:cNvPr>
-          <p:cNvCxnSpPr>
-            <a:cxnSpLocks/>
-          </p:cNvCxnSpPr>
-          <p:nvPr/>
-        </p:nvCxnSpPr>
-        <p:spPr>
-          <a:xfrm>
-            <a:off x="1050170" y="3955729"/>
-            <a:ext cx="303468" cy="228467"/>
-          </a:xfrm>
-          <a:prstGeom prst="straightConnector1">
-            <a:avLst/>
-          </a:prstGeom>
-          <a:ln w="28575">
-            <a:solidFill>
-              <a:schemeClr val="tx1"/>
-            </a:solidFill>
-            <a:tailEnd type="triangle"/>
-          </a:ln>
-        </p:spPr>
-        <p:style>
-          <a:lnRef idx="1">
-            <a:schemeClr val="accent1"/>
-          </a:lnRef>
-          <a:fillRef idx="0">
-            <a:schemeClr val="accent1"/>
-          </a:fillRef>
-          <a:effectRef idx="0">
-            <a:schemeClr val="accent1"/>
-          </a:effectRef>
-          <a:fontRef idx="minor">
-            <a:schemeClr val="tx1"/>
-          </a:fontRef>
-        </p:style>
-      </p:cxnSp>
       <p:sp>
         <p:nvSpPr>
           <p:cNvPr id="80" name="TextBox 79">
             <a:extLst>
               <a:ext uri="{FF2B5EF4-FFF2-40B4-BE49-F238E27FC236}">
-                <a16:creationId xmlns:a16="http://schemas.microsoft.com/office/drawing/2014/main" id="{E86AE56D-87DB-4A7B-96B7-0DC85D6B08B9}"/>
+                <a16:creationId xmlns="" xmlns:a16="http://schemas.microsoft.com/office/drawing/2014/main" id="{E86AE56D-87DB-4A7B-96B7-0DC85D6B08B9}"/>
               </a:ext>
             </a:extLst>
           </p:cNvPr>
@@ -4848,7 +4107,7 @@
         </p:nvSpPr>
         <p:spPr>
           <a:xfrm>
-            <a:off x="179134" y="1708696"/>
+            <a:off x="139920" y="729593"/>
             <a:ext cx="1291810" cy="584775"/>
           </a:xfrm>
           <a:prstGeom prst="rect">
@@ -4881,92 +4140,10 @@
       </p:sp>
       <p:sp>
         <p:nvSpPr>
-          <p:cNvPr id="81" name="TextBox 80">
-            <a:extLst>
-              <a:ext uri="{FF2B5EF4-FFF2-40B4-BE49-F238E27FC236}">
-                <a16:creationId xmlns:a16="http://schemas.microsoft.com/office/drawing/2014/main" id="{87047B9D-8B65-40D9-9A7E-67B2C3D46728}"/>
-              </a:ext>
-            </a:extLst>
-          </p:cNvPr>
-          <p:cNvSpPr txBox="1"/>
-          <p:nvPr/>
-        </p:nvSpPr>
-        <p:spPr>
-          <a:xfrm>
-            <a:off x="430922" y="2770408"/>
-            <a:ext cx="1291810" cy="338554"/>
-          </a:xfrm>
-          <a:prstGeom prst="rect">
-            <a:avLst/>
-          </a:prstGeom>
-          <a:noFill/>
-        </p:spPr>
-        <p:txBody>
-          <a:bodyPr wrap="square" rtlCol="0">
-            <a:spAutoFit/>
-          </a:bodyPr>
-          <a:lstStyle/>
-          <a:p>
-            <a:r>
-              <a:rPr lang="en-US" sz="1600" b="1" dirty="0">
-                <a:latin typeface="Ink Free" panose="03080402000500000000" pitchFamily="66" charset="0"/>
-              </a:rPr>
-              <a:t>Slider</a:t>
-            </a:r>
-          </a:p>
-        </p:txBody>
-      </p:sp>
-      <p:sp>
-        <p:nvSpPr>
-          <p:cNvPr id="82" name="TextBox 81">
-            <a:extLst>
-              <a:ext uri="{FF2B5EF4-FFF2-40B4-BE49-F238E27FC236}">
-                <a16:creationId xmlns:a16="http://schemas.microsoft.com/office/drawing/2014/main" id="{E6C008F9-E8EC-4A79-9603-17AA2DB33840}"/>
-              </a:ext>
-            </a:extLst>
-          </p:cNvPr>
-          <p:cNvSpPr txBox="1"/>
-          <p:nvPr/>
-        </p:nvSpPr>
-        <p:spPr>
-          <a:xfrm>
-            <a:off x="167960" y="3583552"/>
-            <a:ext cx="1291810" cy="584775"/>
-          </a:xfrm>
-          <a:prstGeom prst="rect">
-            <a:avLst/>
-          </a:prstGeom>
-          <a:noFill/>
-        </p:spPr>
-        <p:txBody>
-          <a:bodyPr wrap="square" rtlCol="0">
-            <a:spAutoFit/>
-          </a:bodyPr>
-          <a:lstStyle/>
-          <a:p>
-            <a:r>
-              <a:rPr lang="en-US" sz="1600" b="1" dirty="0">
-                <a:latin typeface="Ink Free" panose="03080402000500000000" pitchFamily="66" charset="0"/>
-              </a:rPr>
-              <a:t>Dropdown </a:t>
-            </a:r>
-          </a:p>
-          <a:p>
-            <a:r>
-              <a:rPr lang="en-US" sz="1600" b="1" dirty="0">
-                <a:latin typeface="Ink Free" panose="03080402000500000000" pitchFamily="66" charset="0"/>
-              </a:rPr>
-              <a:t>Menu </a:t>
-            </a:r>
-          </a:p>
-        </p:txBody>
-      </p:sp>
-      <p:sp>
-        <p:nvSpPr>
           <p:cNvPr id="86" name="Rectangle: Rounded Corners 85">
             <a:extLst>
               <a:ext uri="{FF2B5EF4-FFF2-40B4-BE49-F238E27FC236}">
-                <a16:creationId xmlns:a16="http://schemas.microsoft.com/office/drawing/2014/main" id="{D0943646-EAEE-40B1-9FC5-0ED8510A5799}"/>
+                <a16:creationId xmlns="" xmlns:a16="http://schemas.microsoft.com/office/drawing/2014/main" id="{D0943646-EAEE-40B1-9FC5-0ED8510A5799}"/>
               </a:ext>
             </a:extLst>
           </p:cNvPr>
@@ -5020,7 +4197,7 @@
           <p:cNvPr id="88" name="Rectangle: Rounded Corners 87">
             <a:extLst>
               <a:ext uri="{FF2B5EF4-FFF2-40B4-BE49-F238E27FC236}">
-                <a16:creationId xmlns:a16="http://schemas.microsoft.com/office/drawing/2014/main" id="{03102BC5-3231-40BD-AF3F-E042D4C35AA0}"/>
+                <a16:creationId xmlns="" xmlns:a16="http://schemas.microsoft.com/office/drawing/2014/main" id="{03102BC5-3231-40BD-AF3F-E042D4C35AA0}"/>
               </a:ext>
             </a:extLst>
           </p:cNvPr>
@@ -5074,7 +4251,7 @@
           <p:cNvPr id="89" name="Straight Arrow Connector 88">
             <a:extLst>
               <a:ext uri="{FF2B5EF4-FFF2-40B4-BE49-F238E27FC236}">
-                <a16:creationId xmlns:a16="http://schemas.microsoft.com/office/drawing/2014/main" id="{82F4F613-91FC-4731-9ECC-6E5BCDD64878}"/>
+                <a16:creationId xmlns="" xmlns:a16="http://schemas.microsoft.com/office/drawing/2014/main" id="{82F4F613-91FC-4731-9ECC-6E5BCDD64878}"/>
               </a:ext>
             </a:extLst>
           </p:cNvPr>
@@ -5115,47 +4292,10 @@
       </p:cxnSp>
       <p:sp>
         <p:nvSpPr>
-          <p:cNvPr id="91" name="TextBox 90">
+          <p:cNvPr id="103" name="Oval 102">
             <a:extLst>
               <a:ext uri="{FF2B5EF4-FFF2-40B4-BE49-F238E27FC236}">
-                <a16:creationId xmlns:a16="http://schemas.microsoft.com/office/drawing/2014/main" id="{FEC47976-6018-44C2-85CA-FE09627F731F}"/>
-              </a:ext>
-            </a:extLst>
-          </p:cNvPr>
-          <p:cNvSpPr txBox="1"/>
-          <p:nvPr/>
-        </p:nvSpPr>
-        <p:spPr>
-          <a:xfrm>
-            <a:off x="8405058" y="6364839"/>
-            <a:ext cx="2788387" cy="338554"/>
-          </a:xfrm>
-          <a:prstGeom prst="rect">
-            <a:avLst/>
-          </a:prstGeom>
-          <a:noFill/>
-        </p:spPr>
-        <p:txBody>
-          <a:bodyPr wrap="square" rtlCol="0">
-            <a:spAutoFit/>
-          </a:bodyPr>
-          <a:lstStyle/>
-          <a:p>
-            <a:r>
-              <a:rPr lang="en-US" sz="1600" b="1" dirty="0">
-                <a:latin typeface="Ink Free" panose="03080402000500000000" pitchFamily="66" charset="0"/>
-              </a:rPr>
-              <a:t>Show Tooltip on Brush</a:t>
-            </a:r>
-          </a:p>
-        </p:txBody>
-      </p:sp>
-      <p:sp>
-        <p:nvSpPr>
-          <p:cNvPr id="92" name="Speech Bubble: Rectangle 91">
-            <a:extLst>
-              <a:ext uri="{FF2B5EF4-FFF2-40B4-BE49-F238E27FC236}">
-                <a16:creationId xmlns:a16="http://schemas.microsoft.com/office/drawing/2014/main" id="{0EBE6E0A-FFFC-41DD-8175-54097C406DC3}"/>
+                <a16:creationId xmlns="" xmlns:a16="http://schemas.microsoft.com/office/drawing/2014/main" id="{8321FC2E-C92C-4EE9-8E19-198F1F6880E6}"/>
               </a:ext>
             </a:extLst>
           </p:cNvPr>
@@ -5164,158 +4304,7 @@
         </p:nvSpPr>
         <p:spPr>
           <a:xfrm>
-            <a:off x="7464682" y="4010679"/>
-            <a:ext cx="664927" cy="512786"/>
-          </a:xfrm>
-          <a:prstGeom prst="wedgeRectCallout">
-            <a:avLst/>
-          </a:prstGeom>
-          <a:noFill/>
-          <a:ln>
-            <a:solidFill>
-              <a:schemeClr val="accent3"/>
-            </a:solidFill>
-          </a:ln>
-        </p:spPr>
-        <p:style>
-          <a:lnRef idx="2">
-            <a:schemeClr val="accent1">
-              <a:shade val="50000"/>
-            </a:schemeClr>
-          </a:lnRef>
-          <a:fillRef idx="1">
-            <a:schemeClr val="accent1"/>
-          </a:fillRef>
-          <a:effectRef idx="0">
-            <a:schemeClr val="accent1"/>
-          </a:effectRef>
-          <a:fontRef idx="minor">
-            <a:schemeClr val="lt1"/>
-          </a:fontRef>
-        </p:style>
-        <p:txBody>
-          <a:bodyPr rtlCol="0" anchor="ctr"/>
-          <a:lstStyle/>
-          <a:p>
-            <a:pPr algn="ctr"/>
-            <a:endParaRPr lang="en-US" dirty="0"/>
-          </a:p>
-        </p:txBody>
-      </p:sp>
-      <p:cxnSp>
-        <p:nvCxnSpPr>
-          <p:cNvPr id="96" name="Straight Connector 95">
-            <a:extLst>
-              <a:ext uri="{FF2B5EF4-FFF2-40B4-BE49-F238E27FC236}">
-                <a16:creationId xmlns:a16="http://schemas.microsoft.com/office/drawing/2014/main" id="{1F487B7E-E338-475A-881C-ACCA6E6A758F}"/>
-              </a:ext>
-            </a:extLst>
-          </p:cNvPr>
-          <p:cNvCxnSpPr/>
-          <p:nvPr/>
-        </p:nvCxnSpPr>
-        <p:spPr>
-          <a:xfrm>
-            <a:off x="1446964" y="3330098"/>
-            <a:ext cx="1592220" cy="0"/>
-          </a:xfrm>
-          <a:prstGeom prst="line">
-            <a:avLst/>
-          </a:prstGeom>
-          <a:ln w="28575">
-            <a:solidFill>
-              <a:schemeClr val="accent6">
-                <a:lumMod val="50000"/>
-              </a:schemeClr>
-            </a:solidFill>
-          </a:ln>
-        </p:spPr>
-        <p:style>
-          <a:lnRef idx="1">
-            <a:schemeClr val="accent1"/>
-          </a:lnRef>
-          <a:fillRef idx="0">
-            <a:schemeClr val="accent1"/>
-          </a:fillRef>
-          <a:effectRef idx="0">
-            <a:schemeClr val="accent1"/>
-          </a:effectRef>
-          <a:fontRef idx="minor">
-            <a:schemeClr val="tx1"/>
-          </a:fontRef>
-        </p:style>
-      </p:cxnSp>
-      <p:sp>
-        <p:nvSpPr>
-          <p:cNvPr id="97" name="Oval 96">
-            <a:extLst>
-              <a:ext uri="{FF2B5EF4-FFF2-40B4-BE49-F238E27FC236}">
-                <a16:creationId xmlns:a16="http://schemas.microsoft.com/office/drawing/2014/main" id="{C835BD7A-6198-4FF7-8F21-95ACF02E13EF}"/>
-              </a:ext>
-            </a:extLst>
-          </p:cNvPr>
-          <p:cNvSpPr/>
-          <p:nvPr/>
-        </p:nvSpPr>
-        <p:spPr>
-          <a:xfrm>
-            <a:off x="1649376" y="3294184"/>
-            <a:ext cx="95025" cy="98046"/>
-          </a:xfrm>
-          <a:prstGeom prst="ellipse">
-            <a:avLst/>
-          </a:prstGeom>
-          <a:solidFill>
-            <a:schemeClr val="bg1"/>
-          </a:solidFill>
-          <a:ln>
-            <a:solidFill>
-              <a:schemeClr val="accent6">
-                <a:lumMod val="50000"/>
-              </a:schemeClr>
-            </a:solidFill>
-          </a:ln>
-        </p:spPr>
-        <p:style>
-          <a:lnRef idx="2">
-            <a:schemeClr val="accent1">
-              <a:shade val="50000"/>
-            </a:schemeClr>
-          </a:lnRef>
-          <a:fillRef idx="1">
-            <a:schemeClr val="accent1"/>
-          </a:fillRef>
-          <a:effectRef idx="0">
-            <a:schemeClr val="accent1"/>
-          </a:effectRef>
-          <a:fontRef idx="minor">
-            <a:schemeClr val="lt1"/>
-          </a:fontRef>
-        </p:style>
-        <p:txBody>
-          <a:bodyPr rtlCol="0" anchor="ctr"/>
-          <a:lstStyle/>
-          <a:p>
-            <a:pPr algn="ctr"/>
-            <a:endParaRPr lang="en-US" sz="3200" dirty="0"/>
-          </a:p>
-        </p:txBody>
-      </p:sp>
-      <p:sp>
-        <p:nvSpPr>
-          <p:cNvPr id="99" name="Oval 98">
-            <a:extLst>
-              <a:ext uri="{FF2B5EF4-FFF2-40B4-BE49-F238E27FC236}">
-                <a16:creationId xmlns:a16="http://schemas.microsoft.com/office/drawing/2014/main" id="{77A01DE3-D264-4442-93A1-6D2568246996}"/>
-              </a:ext>
-            </a:extLst>
-          </p:cNvPr>
-          <p:cNvSpPr/>
-          <p:nvPr/>
-        </p:nvSpPr>
-        <p:spPr>
-          <a:xfrm>
-            <a:off x="6732931" y="4418052"/>
+            <a:off x="8238122" y="2740526"/>
             <a:ext cx="58671" cy="59189"/>
           </a:xfrm>
           <a:prstGeom prst="ellipse">
@@ -5357,10 +4346,10 @@
       </p:sp>
       <p:sp>
         <p:nvSpPr>
-          <p:cNvPr id="100" name="Oval 99">
+          <p:cNvPr id="112" name="Oval 111">
             <a:extLst>
               <a:ext uri="{FF2B5EF4-FFF2-40B4-BE49-F238E27FC236}">
-                <a16:creationId xmlns:a16="http://schemas.microsoft.com/office/drawing/2014/main" id="{8C0DA4ED-39FD-4377-8220-4CF979EFB3DA}"/>
+                <a16:creationId xmlns="" xmlns:a16="http://schemas.microsoft.com/office/drawing/2014/main" id="{3CA0C167-1E12-4746-AC9A-6E0DEFFB4108}"/>
               </a:ext>
             </a:extLst>
           </p:cNvPr>
@@ -5369,7 +4358,7 @@
         </p:nvSpPr>
         <p:spPr>
           <a:xfrm>
-            <a:off x="6913039" y="4570452"/>
+            <a:off x="8078161" y="5097837"/>
             <a:ext cx="58671" cy="59189"/>
           </a:xfrm>
           <a:prstGeom prst="ellipse">
@@ -5409,12 +4398,1306 @@
           </a:p>
         </p:txBody>
       </p:sp>
-      <p:sp>
-        <p:nvSpPr>
-          <p:cNvPr id="101" name="Oval 100">
+      <p:grpSp>
+        <p:nvGrpSpPr>
+          <p:cNvPr id="30" name="Group 29"/>
+          <p:cNvGrpSpPr/>
+          <p:nvPr/>
+        </p:nvGrpSpPr>
+        <p:grpSpPr>
+          <a:xfrm>
+            <a:off x="6012415" y="3800042"/>
+            <a:ext cx="3541451" cy="2419087"/>
+            <a:chOff x="8651347" y="3625214"/>
+            <a:chExt cx="2604406" cy="2364042"/>
+          </a:xfrm>
+        </p:grpSpPr>
+        <p:grpSp>
+          <p:nvGrpSpPr>
+            <p:cNvPr id="35" name="Group 34"/>
+            <p:cNvGrpSpPr/>
+            <p:nvPr/>
+          </p:nvGrpSpPr>
+          <p:grpSpPr>
+            <a:xfrm>
+              <a:off x="8651347" y="3625214"/>
+              <a:ext cx="2604406" cy="2364042"/>
+              <a:chOff x="3690258" y="3484211"/>
+              <a:chExt cx="3110592" cy="2356494"/>
+            </a:xfrm>
+          </p:grpSpPr>
+          <p:sp>
+            <p:nvSpPr>
+              <p:cNvPr id="36" name="TextBox 35"/>
+              <p:cNvSpPr txBox="1"/>
+              <p:nvPr/>
+            </p:nvSpPr>
+            <p:spPr>
+              <a:xfrm>
+                <a:off x="4844141" y="3484211"/>
+                <a:ext cx="1072243" cy="369331"/>
+              </a:xfrm>
+              <a:prstGeom prst="rect">
+                <a:avLst/>
+              </a:prstGeom>
+              <a:solidFill>
+                <a:schemeClr val="accent3"/>
+              </a:solidFill>
+            </p:spPr>
+            <p:txBody>
+              <a:bodyPr wrap="square" rtlCol="0">
+                <a:spAutoFit/>
+              </a:bodyPr>
+              <a:lstStyle/>
+              <a:p>
+                <a:pPr algn="ctr"/>
+                <a:r>
+                  <a:rPr lang="en-US" dirty="0">
+                    <a:solidFill>
+                      <a:schemeClr val="bg1"/>
+                    </a:solidFill>
+                  </a:rPr>
+                  <a:t>Profits</a:t>
+                </a:r>
+              </a:p>
+            </p:txBody>
+          </p:sp>
+          <p:cxnSp>
+            <p:nvCxnSpPr>
+              <p:cNvPr id="37" name="Straight Connector 36"/>
+              <p:cNvCxnSpPr/>
+              <p:nvPr/>
+            </p:nvCxnSpPr>
+            <p:spPr>
+              <a:xfrm>
+                <a:off x="4147457" y="5453743"/>
+                <a:ext cx="2653393" cy="0"/>
+              </a:xfrm>
+              <a:prstGeom prst="line">
+                <a:avLst/>
+              </a:prstGeom>
+            </p:spPr>
+            <p:style>
+              <a:lnRef idx="1">
+                <a:schemeClr val="dk1"/>
+              </a:lnRef>
+              <a:fillRef idx="0">
+                <a:schemeClr val="dk1"/>
+              </a:fillRef>
+              <a:effectRef idx="0">
+                <a:schemeClr val="dk1"/>
+              </a:effectRef>
+              <a:fontRef idx="minor">
+                <a:schemeClr val="tx1"/>
+              </a:fontRef>
+            </p:style>
+          </p:cxnSp>
+          <p:sp>
+            <p:nvSpPr>
+              <p:cNvPr id="39" name="TextBox 38"/>
+              <p:cNvSpPr txBox="1"/>
+              <p:nvPr/>
+            </p:nvSpPr>
+            <p:spPr>
+              <a:xfrm>
+                <a:off x="4912055" y="5471373"/>
+                <a:ext cx="1649184" cy="369332"/>
+              </a:xfrm>
+              <a:prstGeom prst="rect">
+                <a:avLst/>
+              </a:prstGeom>
+              <a:noFill/>
+            </p:spPr>
+            <p:txBody>
+              <a:bodyPr wrap="square" rtlCol="0">
+                <a:spAutoFit/>
+              </a:bodyPr>
+              <a:lstStyle/>
+              <a:p>
+                <a:r>
+                  <a:rPr lang="en-US" dirty="0">
+                    <a:solidFill>
+                      <a:schemeClr val="tx2"/>
+                    </a:solidFill>
+                  </a:rPr>
+                  <a:t>Year</a:t>
+                </a:r>
+              </a:p>
+            </p:txBody>
+          </p:sp>
+          <p:sp>
+            <p:nvSpPr>
+              <p:cNvPr id="40" name="TextBox 39"/>
+              <p:cNvSpPr txBox="1"/>
+              <p:nvPr/>
+            </p:nvSpPr>
+            <p:spPr>
+              <a:xfrm>
+                <a:off x="3690258" y="3530083"/>
+                <a:ext cx="461665" cy="1915495"/>
+              </a:xfrm>
+              <a:prstGeom prst="rect">
+                <a:avLst/>
+              </a:prstGeom>
+              <a:noFill/>
+            </p:spPr>
+            <p:txBody>
+              <a:bodyPr vert="vert270" wrap="square" rtlCol="0">
+                <a:spAutoFit/>
+              </a:bodyPr>
+              <a:lstStyle/>
+              <a:p>
+                <a:r>
+                  <a:rPr lang="en-US">
+                    <a:solidFill>
+                      <a:schemeClr val="tx2"/>
+                    </a:solidFill>
+                  </a:rPr>
+                  <a:t>Worldwide Profits</a:t>
+                </a:r>
+                <a:endParaRPr lang="en-US" dirty="0">
+                  <a:solidFill>
+                    <a:schemeClr val="tx2"/>
+                  </a:solidFill>
+                </a:endParaRPr>
+              </a:p>
+            </p:txBody>
+          </p:sp>
+        </p:grpSp>
+        <p:sp>
+          <p:nvSpPr>
+            <p:cNvPr id="108" name="Oval 107">
+              <a:extLst>
+                <a:ext uri="{FF2B5EF4-FFF2-40B4-BE49-F238E27FC236}">
+                  <a16:creationId xmlns="" xmlns:a16="http://schemas.microsoft.com/office/drawing/2014/main" id="{FCB7EBE7-71D0-4252-911A-C37824B82898}"/>
+                </a:ext>
+              </a:extLst>
+            </p:cNvPr>
+            <p:cNvSpPr/>
+            <p:nvPr/>
+          </p:nvSpPr>
+          <p:spPr>
+            <a:xfrm>
+              <a:off x="9325415" y="4966078"/>
+              <a:ext cx="58671" cy="59189"/>
+            </a:xfrm>
+            <a:prstGeom prst="ellipse">
+              <a:avLst/>
+            </a:prstGeom>
+            <a:solidFill>
+              <a:schemeClr val="tx1"/>
+            </a:solidFill>
+            <a:ln>
+              <a:solidFill>
+                <a:schemeClr val="tx1"/>
+              </a:solidFill>
+            </a:ln>
+          </p:spPr>
+          <p:style>
+            <a:lnRef idx="2">
+              <a:schemeClr val="accent1">
+                <a:shade val="50000"/>
+              </a:schemeClr>
+            </a:lnRef>
+            <a:fillRef idx="1">
+              <a:schemeClr val="accent1"/>
+            </a:fillRef>
+            <a:effectRef idx="0">
+              <a:schemeClr val="accent1"/>
+            </a:effectRef>
+            <a:fontRef idx="minor">
+              <a:schemeClr val="lt1"/>
+            </a:fontRef>
+          </p:style>
+          <p:txBody>
+            <a:bodyPr rtlCol="0" anchor="ctr"/>
+            <a:lstStyle/>
+            <a:p>
+              <a:pPr algn="ctr"/>
+              <a:endParaRPr lang="en-US"/>
+            </a:p>
+          </p:txBody>
+        </p:sp>
+        <p:sp>
+          <p:nvSpPr>
+            <p:cNvPr id="109" name="Oval 108">
+              <a:extLst>
+                <a:ext uri="{FF2B5EF4-FFF2-40B4-BE49-F238E27FC236}">
+                  <a16:creationId xmlns="" xmlns:a16="http://schemas.microsoft.com/office/drawing/2014/main" id="{8F69B8C9-9AC1-4A07-8A38-C03CE4C37FB7}"/>
+                </a:ext>
+              </a:extLst>
+            </p:cNvPr>
+            <p:cNvSpPr/>
+            <p:nvPr/>
+          </p:nvSpPr>
+          <p:spPr>
+            <a:xfrm>
+              <a:off x="9570297" y="4680584"/>
+              <a:ext cx="58671" cy="59189"/>
+            </a:xfrm>
+            <a:prstGeom prst="ellipse">
+              <a:avLst/>
+            </a:prstGeom>
+            <a:solidFill>
+              <a:schemeClr val="tx1"/>
+            </a:solidFill>
+            <a:ln>
+              <a:solidFill>
+                <a:schemeClr val="tx1"/>
+              </a:solidFill>
+            </a:ln>
+          </p:spPr>
+          <p:style>
+            <a:lnRef idx="2">
+              <a:schemeClr val="accent1">
+                <a:shade val="50000"/>
+              </a:schemeClr>
+            </a:lnRef>
+            <a:fillRef idx="1">
+              <a:schemeClr val="accent1"/>
+            </a:fillRef>
+            <a:effectRef idx="0">
+              <a:schemeClr val="accent1"/>
+            </a:effectRef>
+            <a:fontRef idx="minor">
+              <a:schemeClr val="lt1"/>
+            </a:fontRef>
+          </p:style>
+          <p:txBody>
+            <a:bodyPr rtlCol="0" anchor="ctr"/>
+            <a:lstStyle/>
+            <a:p>
+              <a:pPr algn="ctr"/>
+              <a:endParaRPr lang="en-US"/>
+            </a:p>
+          </p:txBody>
+        </p:sp>
+        <p:sp>
+          <p:nvSpPr>
+            <p:cNvPr id="110" name="Oval 109">
+              <a:extLst>
+                <a:ext uri="{FF2B5EF4-FFF2-40B4-BE49-F238E27FC236}">
+                  <a16:creationId xmlns="" xmlns:a16="http://schemas.microsoft.com/office/drawing/2014/main" id="{2A3D726D-570B-4DC9-9D07-972D0BC95103}"/>
+                </a:ext>
+              </a:extLst>
+            </p:cNvPr>
+            <p:cNvSpPr/>
+            <p:nvPr/>
+          </p:nvSpPr>
+          <p:spPr>
+            <a:xfrm>
+              <a:off x="9798484" y="5033663"/>
+              <a:ext cx="58671" cy="59189"/>
+            </a:xfrm>
+            <a:prstGeom prst="ellipse">
+              <a:avLst/>
+            </a:prstGeom>
+            <a:solidFill>
+              <a:schemeClr val="tx1"/>
+            </a:solidFill>
+            <a:ln>
+              <a:solidFill>
+                <a:schemeClr val="tx1"/>
+              </a:solidFill>
+            </a:ln>
+          </p:spPr>
+          <p:style>
+            <a:lnRef idx="2">
+              <a:schemeClr val="accent1">
+                <a:shade val="50000"/>
+              </a:schemeClr>
+            </a:lnRef>
+            <a:fillRef idx="1">
+              <a:schemeClr val="accent1"/>
+            </a:fillRef>
+            <a:effectRef idx="0">
+              <a:schemeClr val="accent1"/>
+            </a:effectRef>
+            <a:fontRef idx="minor">
+              <a:schemeClr val="lt1"/>
+            </a:fontRef>
+          </p:style>
+          <p:txBody>
+            <a:bodyPr rtlCol="0" anchor="ctr"/>
+            <a:lstStyle/>
+            <a:p>
+              <a:pPr algn="ctr"/>
+              <a:endParaRPr lang="en-US"/>
+            </a:p>
+          </p:txBody>
+        </p:sp>
+        <p:sp>
+          <p:nvSpPr>
+            <p:cNvPr id="111" name="Oval 110">
+              <a:extLst>
+                <a:ext uri="{FF2B5EF4-FFF2-40B4-BE49-F238E27FC236}">
+                  <a16:creationId xmlns="" xmlns:a16="http://schemas.microsoft.com/office/drawing/2014/main" id="{70A84870-9F8B-4A17-8F4D-91B56E7B8E11}"/>
+                </a:ext>
+              </a:extLst>
+            </p:cNvPr>
+            <p:cNvSpPr/>
+            <p:nvPr/>
+          </p:nvSpPr>
+          <p:spPr>
+            <a:xfrm>
+              <a:off x="9985093" y="4741214"/>
+              <a:ext cx="58671" cy="59189"/>
+            </a:xfrm>
+            <a:prstGeom prst="ellipse">
+              <a:avLst/>
+            </a:prstGeom>
+            <a:solidFill>
+              <a:schemeClr val="tx1"/>
+            </a:solidFill>
+            <a:ln>
+              <a:solidFill>
+                <a:schemeClr val="tx1"/>
+              </a:solidFill>
+            </a:ln>
+          </p:spPr>
+          <p:style>
+            <a:lnRef idx="2">
+              <a:schemeClr val="accent1">
+                <a:shade val="50000"/>
+              </a:schemeClr>
+            </a:lnRef>
+            <a:fillRef idx="1">
+              <a:schemeClr val="accent1"/>
+            </a:fillRef>
+            <a:effectRef idx="0">
+              <a:schemeClr val="accent1"/>
+            </a:effectRef>
+            <a:fontRef idx="minor">
+              <a:schemeClr val="lt1"/>
+            </a:fontRef>
+          </p:style>
+          <p:txBody>
+            <a:bodyPr rtlCol="0" anchor="ctr"/>
+            <a:lstStyle/>
+            <a:p>
+              <a:pPr algn="ctr"/>
+              <a:endParaRPr lang="en-US"/>
+            </a:p>
+          </p:txBody>
+        </p:sp>
+        <p:sp>
+          <p:nvSpPr>
+            <p:cNvPr id="115" name="Oval 114">
+              <a:extLst>
+                <a:ext uri="{FF2B5EF4-FFF2-40B4-BE49-F238E27FC236}">
+                  <a16:creationId xmlns="" xmlns:a16="http://schemas.microsoft.com/office/drawing/2014/main" id="{572127C1-6D61-4C2E-8059-598212BB99CF}"/>
+                </a:ext>
+              </a:extLst>
+            </p:cNvPr>
+            <p:cNvSpPr/>
+            <p:nvPr/>
+          </p:nvSpPr>
+          <p:spPr>
+            <a:xfrm>
+              <a:off x="10359012" y="5129679"/>
+              <a:ext cx="58671" cy="59189"/>
+            </a:xfrm>
+            <a:prstGeom prst="ellipse">
+              <a:avLst/>
+            </a:prstGeom>
+            <a:solidFill>
+              <a:schemeClr val="tx1"/>
+            </a:solidFill>
+            <a:ln>
+              <a:solidFill>
+                <a:schemeClr val="tx1"/>
+              </a:solidFill>
+            </a:ln>
+          </p:spPr>
+          <p:style>
+            <a:lnRef idx="2">
+              <a:schemeClr val="accent1">
+                <a:shade val="50000"/>
+              </a:schemeClr>
+            </a:lnRef>
+            <a:fillRef idx="1">
+              <a:schemeClr val="accent1"/>
+            </a:fillRef>
+            <a:effectRef idx="0">
+              <a:schemeClr val="accent1"/>
+            </a:effectRef>
+            <a:fontRef idx="minor">
+              <a:schemeClr val="lt1"/>
+            </a:fontRef>
+          </p:style>
+          <p:txBody>
+            <a:bodyPr rtlCol="0" anchor="ctr"/>
+            <a:lstStyle/>
+            <a:p>
+              <a:pPr algn="ctr"/>
+              <a:endParaRPr lang="en-US"/>
+            </a:p>
+          </p:txBody>
+        </p:sp>
+      </p:grpSp>
+      <p:grpSp>
+        <p:nvGrpSpPr>
+          <p:cNvPr id="26" name="Group 25"/>
+          <p:cNvGrpSpPr/>
+          <p:nvPr/>
+        </p:nvGrpSpPr>
+        <p:grpSpPr>
+          <a:xfrm>
+            <a:off x="5991322" y="1396805"/>
+            <a:ext cx="4627575" cy="2328102"/>
+            <a:chOff x="8127892" y="480177"/>
+            <a:chExt cx="4249787" cy="2328102"/>
+          </a:xfrm>
+        </p:grpSpPr>
+        <p:cxnSp>
+          <p:nvCxnSpPr>
+            <p:cNvPr id="104" name="Straight Connector 103">
+              <a:extLst>
+                <a:ext uri="{FF2B5EF4-FFF2-40B4-BE49-F238E27FC236}">
+                  <a16:creationId xmlns="" xmlns:a16="http://schemas.microsoft.com/office/drawing/2014/main" id="{5F74147B-BED1-43A8-9B93-DD26CF0362C0}"/>
+                </a:ext>
+              </a:extLst>
+            </p:cNvPr>
+            <p:cNvCxnSpPr>
+              <a:cxnSpLocks/>
+            </p:cNvCxnSpPr>
+            <p:nvPr/>
+          </p:nvCxnSpPr>
+          <p:spPr>
+            <a:xfrm>
+              <a:off x="9640702" y="1154735"/>
+              <a:ext cx="517153" cy="0"/>
+            </a:xfrm>
+            <a:prstGeom prst="line">
+              <a:avLst/>
+            </a:prstGeom>
+            <a:ln w="57150">
+              <a:solidFill>
+                <a:schemeClr val="accent3"/>
+              </a:solidFill>
+              <a:prstDash val="sysDot"/>
+            </a:ln>
+          </p:spPr>
+          <p:style>
+            <a:lnRef idx="1">
+              <a:schemeClr val="accent1"/>
+            </a:lnRef>
+            <a:fillRef idx="0">
+              <a:schemeClr val="accent1"/>
+            </a:fillRef>
+            <a:effectRef idx="0">
+              <a:schemeClr val="accent1"/>
+            </a:effectRef>
+            <a:fontRef idx="minor">
+              <a:schemeClr val="tx1"/>
+            </a:fontRef>
+          </p:style>
+        </p:cxnSp>
+        <p:cxnSp>
+          <p:nvCxnSpPr>
+            <p:cNvPr id="106" name="Straight Connector 105">
+              <a:extLst>
+                <a:ext uri="{FF2B5EF4-FFF2-40B4-BE49-F238E27FC236}">
+                  <a16:creationId xmlns="" xmlns:a16="http://schemas.microsoft.com/office/drawing/2014/main" id="{11A18E14-59E9-4553-BB3B-F3491D39C75F}"/>
+                </a:ext>
+              </a:extLst>
+            </p:cNvPr>
+            <p:cNvCxnSpPr>
+              <a:cxnSpLocks/>
+            </p:cNvCxnSpPr>
+            <p:nvPr/>
+          </p:nvCxnSpPr>
+          <p:spPr>
+            <a:xfrm>
+              <a:off x="9646852" y="1364119"/>
+              <a:ext cx="517153" cy="0"/>
+            </a:xfrm>
+            <a:prstGeom prst="line">
+              <a:avLst/>
+            </a:prstGeom>
+            <a:ln w="57150">
+              <a:solidFill>
+                <a:schemeClr val="accent3"/>
+              </a:solidFill>
+              <a:prstDash val="sysDot"/>
+            </a:ln>
+          </p:spPr>
+          <p:style>
+            <a:lnRef idx="1">
+              <a:schemeClr val="accent1"/>
+            </a:lnRef>
+            <a:fillRef idx="0">
+              <a:schemeClr val="accent1"/>
+            </a:fillRef>
+            <a:effectRef idx="0">
+              <a:schemeClr val="accent1"/>
+            </a:effectRef>
+            <a:fontRef idx="minor">
+              <a:schemeClr val="tx1"/>
+            </a:fontRef>
+          </p:style>
+        </p:cxnSp>
+        <p:grpSp>
+          <p:nvGrpSpPr>
+            <p:cNvPr id="2" name="Group 1"/>
+            <p:cNvGrpSpPr/>
+            <p:nvPr/>
+          </p:nvGrpSpPr>
+          <p:grpSpPr>
+            <a:xfrm>
+              <a:off x="8127892" y="480177"/>
+              <a:ext cx="4249787" cy="2328102"/>
+              <a:chOff x="6039426" y="3525793"/>
+              <a:chExt cx="4249787" cy="2328102"/>
+            </a:xfrm>
+          </p:grpSpPr>
+          <p:grpSp>
+            <p:nvGrpSpPr>
+              <p:cNvPr id="34" name="Group 33"/>
+              <p:cNvGrpSpPr/>
+              <p:nvPr/>
+            </p:nvGrpSpPr>
+            <p:grpSpPr>
+              <a:xfrm>
+                <a:off x="6039426" y="3525793"/>
+                <a:ext cx="2469591" cy="2328102"/>
+                <a:chOff x="3690258" y="3483539"/>
+                <a:chExt cx="3110592" cy="2328103"/>
+              </a:xfrm>
+            </p:grpSpPr>
+            <p:sp>
+              <p:nvSpPr>
+                <p:cNvPr id="23" name="TextBox 22"/>
+                <p:cNvSpPr txBox="1"/>
+                <p:nvPr/>
+              </p:nvSpPr>
+              <p:spPr>
+                <a:xfrm>
+                  <a:off x="5216954" y="3483539"/>
+                  <a:ext cx="1072243" cy="369331"/>
+                </a:xfrm>
+                <a:prstGeom prst="rect">
+                  <a:avLst/>
+                </a:prstGeom>
+                <a:solidFill>
+                  <a:schemeClr val="accent3"/>
+                </a:solidFill>
+              </p:spPr>
+              <p:txBody>
+                <a:bodyPr wrap="square" rtlCol="0">
+                  <a:spAutoFit/>
+                </a:bodyPr>
+                <a:lstStyle/>
+                <a:p>
+                  <a:pPr algn="ctr"/>
+                  <a:r>
+                    <a:rPr lang="en-US" dirty="0">
+                      <a:solidFill>
+                        <a:schemeClr val="bg1"/>
+                      </a:solidFill>
+                    </a:rPr>
+                    <a:t>Ratings</a:t>
+                  </a:r>
+                </a:p>
+              </p:txBody>
+            </p:sp>
+            <p:cxnSp>
+              <p:nvCxnSpPr>
+                <p:cNvPr id="25" name="Straight Connector 24"/>
+                <p:cNvCxnSpPr/>
+                <p:nvPr/>
+              </p:nvCxnSpPr>
+              <p:spPr>
+                <a:xfrm>
+                  <a:off x="4147457" y="5453743"/>
+                  <a:ext cx="2653393" cy="0"/>
+                </a:xfrm>
+                <a:prstGeom prst="line">
+                  <a:avLst/>
+                </a:prstGeom>
+              </p:spPr>
+              <p:style>
+                <a:lnRef idx="1">
+                  <a:schemeClr val="dk1"/>
+                </a:lnRef>
+                <a:fillRef idx="0">
+                  <a:schemeClr val="dk1"/>
+                </a:fillRef>
+                <a:effectRef idx="0">
+                  <a:schemeClr val="dk1"/>
+                </a:effectRef>
+                <a:fontRef idx="minor">
+                  <a:schemeClr val="tx1"/>
+                </a:fontRef>
+              </p:style>
+            </p:cxnSp>
+            <p:sp>
+              <p:nvSpPr>
+                <p:cNvPr id="32" name="TextBox 31"/>
+                <p:cNvSpPr txBox="1"/>
+                <p:nvPr/>
+              </p:nvSpPr>
+              <p:spPr>
+                <a:xfrm>
+                  <a:off x="5018314" y="5442310"/>
+                  <a:ext cx="1649185" cy="369332"/>
+                </a:xfrm>
+                <a:prstGeom prst="rect">
+                  <a:avLst/>
+                </a:prstGeom>
+                <a:noFill/>
+              </p:spPr>
+              <p:txBody>
+                <a:bodyPr wrap="square" rtlCol="0">
+                  <a:spAutoFit/>
+                </a:bodyPr>
+                <a:lstStyle/>
+                <a:p>
+                  <a:r>
+                    <a:rPr lang="en-US" dirty="0">
+                      <a:solidFill>
+                        <a:schemeClr val="tx2"/>
+                      </a:solidFill>
+                    </a:rPr>
+                    <a:t>Year</a:t>
+                  </a:r>
+                </a:p>
+              </p:txBody>
+            </p:sp>
+            <p:sp>
+              <p:nvSpPr>
+                <p:cNvPr id="33" name="TextBox 32"/>
+                <p:cNvSpPr txBox="1"/>
+                <p:nvPr/>
+              </p:nvSpPr>
+              <p:spPr>
+                <a:xfrm>
+                  <a:off x="3690258" y="3530083"/>
+                  <a:ext cx="461665" cy="1453243"/>
+                </a:xfrm>
+                <a:prstGeom prst="rect">
+                  <a:avLst/>
+                </a:prstGeom>
+                <a:noFill/>
+              </p:spPr>
+              <p:txBody>
+                <a:bodyPr vert="vert270" wrap="square" rtlCol="0">
+                  <a:spAutoFit/>
+                </a:bodyPr>
+                <a:lstStyle/>
+                <a:p>
+                  <a:r>
+                    <a:rPr lang="en-US" dirty="0">
+                      <a:solidFill>
+                        <a:schemeClr val="tx2"/>
+                      </a:solidFill>
+                    </a:rPr>
+                    <a:t>Marks</a:t>
+                  </a:r>
+                </a:p>
+              </p:txBody>
+            </p:sp>
+          </p:grpSp>
+          <p:sp>
+            <p:nvSpPr>
+              <p:cNvPr id="91" name="TextBox 90">
+                <a:extLst>
+                  <a:ext uri="{FF2B5EF4-FFF2-40B4-BE49-F238E27FC236}">
+                    <a16:creationId xmlns="" xmlns:a16="http://schemas.microsoft.com/office/drawing/2014/main" id="{FEC47976-6018-44C2-85CA-FE09627F731F}"/>
+                  </a:ext>
+                </a:extLst>
+              </p:cNvPr>
+              <p:cNvSpPr txBox="1"/>
+              <p:nvPr/>
+            </p:nvSpPr>
+            <p:spPr>
+              <a:xfrm>
+                <a:off x="7500826" y="5006121"/>
+                <a:ext cx="2788387" cy="338554"/>
+              </a:xfrm>
+              <a:prstGeom prst="rect">
+                <a:avLst/>
+              </a:prstGeom>
+              <a:noFill/>
+            </p:spPr>
+            <p:txBody>
+              <a:bodyPr wrap="square" rtlCol="0">
+                <a:spAutoFit/>
+              </a:bodyPr>
+              <a:lstStyle/>
+              <a:p>
+                <a:r>
+                  <a:rPr lang="en-US" sz="1600" b="1" dirty="0">
+                    <a:latin typeface="Ink Free" panose="03080402000500000000" pitchFamily="66" charset="0"/>
+                  </a:rPr>
+                  <a:t>Show Tooltip on Brush</a:t>
+                </a:r>
+              </a:p>
+            </p:txBody>
+          </p:sp>
+          <p:sp>
+            <p:nvSpPr>
+              <p:cNvPr id="92" name="Speech Bubble: Rectangle 91">
+                <a:extLst>
+                  <a:ext uri="{FF2B5EF4-FFF2-40B4-BE49-F238E27FC236}">
+                    <a16:creationId xmlns="" xmlns:a16="http://schemas.microsoft.com/office/drawing/2014/main" id="{0EBE6E0A-FFFC-41DD-8175-54097C406DC3}"/>
+                  </a:ext>
+                </a:extLst>
+              </p:cNvPr>
+              <p:cNvSpPr/>
+              <p:nvPr/>
+            </p:nvSpPr>
+            <p:spPr>
+              <a:xfrm>
+                <a:off x="7464682" y="4010679"/>
+                <a:ext cx="664927" cy="512786"/>
+              </a:xfrm>
+              <a:prstGeom prst="wedgeRectCallout">
+                <a:avLst/>
+              </a:prstGeom>
+              <a:noFill/>
+              <a:ln>
+                <a:solidFill>
+                  <a:schemeClr val="accent3"/>
+                </a:solidFill>
+              </a:ln>
+            </p:spPr>
+            <p:style>
+              <a:lnRef idx="2">
+                <a:schemeClr val="accent1">
+                  <a:shade val="50000"/>
+                </a:schemeClr>
+              </a:lnRef>
+              <a:fillRef idx="1">
+                <a:schemeClr val="accent1"/>
+              </a:fillRef>
+              <a:effectRef idx="0">
+                <a:schemeClr val="accent1"/>
+              </a:effectRef>
+              <a:fontRef idx="minor">
+                <a:schemeClr val="lt1"/>
+              </a:fontRef>
+            </p:style>
+            <p:txBody>
+              <a:bodyPr rtlCol="0" anchor="ctr"/>
+              <a:lstStyle/>
+              <a:p>
+                <a:pPr algn="ctr"/>
+                <a:endParaRPr lang="en-US" dirty="0"/>
+              </a:p>
+            </p:txBody>
+          </p:sp>
+          <p:sp>
+            <p:nvSpPr>
+              <p:cNvPr id="99" name="Oval 98">
+                <a:extLst>
+                  <a:ext uri="{FF2B5EF4-FFF2-40B4-BE49-F238E27FC236}">
+                    <a16:creationId xmlns="" xmlns:a16="http://schemas.microsoft.com/office/drawing/2014/main" id="{77A01DE3-D264-4442-93A1-6D2568246996}"/>
+                  </a:ext>
+                </a:extLst>
+              </p:cNvPr>
+              <p:cNvSpPr/>
+              <p:nvPr/>
+            </p:nvSpPr>
+            <p:spPr>
+              <a:xfrm>
+                <a:off x="6732931" y="4418052"/>
+                <a:ext cx="58671" cy="59189"/>
+              </a:xfrm>
+              <a:prstGeom prst="ellipse">
+                <a:avLst/>
+              </a:prstGeom>
+              <a:solidFill>
+                <a:schemeClr val="tx1"/>
+              </a:solidFill>
+              <a:ln>
+                <a:solidFill>
+                  <a:schemeClr val="tx1"/>
+                </a:solidFill>
+              </a:ln>
+            </p:spPr>
+            <p:style>
+              <a:lnRef idx="2">
+                <a:schemeClr val="accent1">
+                  <a:shade val="50000"/>
+                </a:schemeClr>
+              </a:lnRef>
+              <a:fillRef idx="1">
+                <a:schemeClr val="accent1"/>
+              </a:fillRef>
+              <a:effectRef idx="0">
+                <a:schemeClr val="accent1"/>
+              </a:effectRef>
+              <a:fontRef idx="minor">
+                <a:schemeClr val="lt1"/>
+              </a:fontRef>
+            </p:style>
+            <p:txBody>
+              <a:bodyPr rtlCol="0" anchor="ctr"/>
+              <a:lstStyle/>
+              <a:p>
+                <a:pPr algn="ctr"/>
+                <a:endParaRPr lang="en-US"/>
+              </a:p>
+            </p:txBody>
+          </p:sp>
+          <p:sp>
+            <p:nvSpPr>
+              <p:cNvPr id="100" name="Oval 99">
+                <a:extLst>
+                  <a:ext uri="{FF2B5EF4-FFF2-40B4-BE49-F238E27FC236}">
+                    <a16:creationId xmlns="" xmlns:a16="http://schemas.microsoft.com/office/drawing/2014/main" id="{8C0DA4ED-39FD-4377-8220-4CF979EFB3DA}"/>
+                  </a:ext>
+                </a:extLst>
+              </p:cNvPr>
+              <p:cNvSpPr/>
+              <p:nvPr/>
+            </p:nvSpPr>
+            <p:spPr>
+              <a:xfrm>
+                <a:off x="6913039" y="4570452"/>
+                <a:ext cx="58671" cy="59189"/>
+              </a:xfrm>
+              <a:prstGeom prst="ellipse">
+                <a:avLst/>
+              </a:prstGeom>
+              <a:solidFill>
+                <a:schemeClr val="tx1"/>
+              </a:solidFill>
+              <a:ln>
+                <a:solidFill>
+                  <a:schemeClr val="tx1"/>
+                </a:solidFill>
+              </a:ln>
+            </p:spPr>
+            <p:style>
+              <a:lnRef idx="2">
+                <a:schemeClr val="accent1">
+                  <a:shade val="50000"/>
+                </a:schemeClr>
+              </a:lnRef>
+              <a:fillRef idx="1">
+                <a:schemeClr val="accent1"/>
+              </a:fillRef>
+              <a:effectRef idx="0">
+                <a:schemeClr val="accent1"/>
+              </a:effectRef>
+              <a:fontRef idx="minor">
+                <a:schemeClr val="lt1"/>
+              </a:fontRef>
+            </p:style>
+            <p:txBody>
+              <a:bodyPr rtlCol="0" anchor="ctr"/>
+              <a:lstStyle/>
+              <a:p>
+                <a:pPr algn="ctr"/>
+                <a:endParaRPr lang="en-US"/>
+              </a:p>
+            </p:txBody>
+          </p:sp>
+          <p:sp>
+            <p:nvSpPr>
+              <p:cNvPr id="101" name="Oval 100">
+                <a:extLst>
+                  <a:ext uri="{FF2B5EF4-FFF2-40B4-BE49-F238E27FC236}">
+                    <a16:creationId xmlns="" xmlns:a16="http://schemas.microsoft.com/office/drawing/2014/main" id="{0CA6F27A-B930-454D-82BD-58102846F6CD}"/>
+                  </a:ext>
+                </a:extLst>
+              </p:cNvPr>
+              <p:cNvSpPr/>
+              <p:nvPr/>
+            </p:nvSpPr>
+            <p:spPr>
+              <a:xfrm>
+                <a:off x="7266285" y="4418052"/>
+                <a:ext cx="58671" cy="59189"/>
+              </a:xfrm>
+              <a:prstGeom prst="ellipse">
+                <a:avLst/>
+              </a:prstGeom>
+              <a:solidFill>
+                <a:schemeClr val="tx1"/>
+              </a:solidFill>
+              <a:ln>
+                <a:solidFill>
+                  <a:schemeClr val="tx1"/>
+                </a:solidFill>
+              </a:ln>
+            </p:spPr>
+            <p:style>
+              <a:lnRef idx="2">
+                <a:schemeClr val="accent1">
+                  <a:shade val="50000"/>
+                </a:schemeClr>
+              </a:lnRef>
+              <a:fillRef idx="1">
+                <a:schemeClr val="accent1"/>
+              </a:fillRef>
+              <a:effectRef idx="0">
+                <a:schemeClr val="accent1"/>
+              </a:effectRef>
+              <a:fontRef idx="minor">
+                <a:schemeClr val="lt1"/>
+              </a:fontRef>
+            </p:style>
+            <p:txBody>
+              <a:bodyPr rtlCol="0" anchor="ctr"/>
+              <a:lstStyle/>
+              <a:p>
+                <a:pPr algn="ctr"/>
+                <a:endParaRPr lang="en-US"/>
+              </a:p>
+            </p:txBody>
+          </p:sp>
+          <p:sp>
+            <p:nvSpPr>
+              <p:cNvPr id="102" name="Oval 101">
+                <a:extLst>
+                  <a:ext uri="{FF2B5EF4-FFF2-40B4-BE49-F238E27FC236}">
+                    <a16:creationId xmlns="" xmlns:a16="http://schemas.microsoft.com/office/drawing/2014/main" id="{AED01084-D69F-4D3E-BC42-AA59AA2C3BE2}"/>
+                  </a:ext>
+                </a:extLst>
+              </p:cNvPr>
+              <p:cNvSpPr/>
+              <p:nvPr/>
+            </p:nvSpPr>
+            <p:spPr>
+              <a:xfrm>
+                <a:off x="7600196" y="4652343"/>
+                <a:ext cx="58671" cy="59189"/>
+              </a:xfrm>
+              <a:prstGeom prst="ellipse">
+                <a:avLst/>
+              </a:prstGeom>
+              <a:solidFill>
+                <a:schemeClr val="tx1"/>
+              </a:solidFill>
+              <a:ln>
+                <a:solidFill>
+                  <a:schemeClr val="tx1"/>
+                </a:solidFill>
+              </a:ln>
+            </p:spPr>
+            <p:style>
+              <a:lnRef idx="2">
+                <a:schemeClr val="accent1">
+                  <a:shade val="50000"/>
+                </a:schemeClr>
+              </a:lnRef>
+              <a:fillRef idx="1">
+                <a:schemeClr val="accent1"/>
+              </a:fillRef>
+              <a:effectRef idx="0">
+                <a:schemeClr val="accent1"/>
+              </a:effectRef>
+              <a:fontRef idx="minor">
+                <a:schemeClr val="lt1"/>
+              </a:fontRef>
+            </p:style>
+            <p:txBody>
+              <a:bodyPr rtlCol="0" anchor="ctr"/>
+              <a:lstStyle/>
+              <a:p>
+                <a:pPr algn="ctr"/>
+                <a:endParaRPr lang="en-US"/>
+              </a:p>
+            </p:txBody>
+          </p:sp>
+          <p:sp>
+            <p:nvSpPr>
+              <p:cNvPr id="116" name="Oval 115">
+                <a:extLst>
+                  <a:ext uri="{FF2B5EF4-FFF2-40B4-BE49-F238E27FC236}">
+                    <a16:creationId xmlns="" xmlns:a16="http://schemas.microsoft.com/office/drawing/2014/main" id="{810B726E-36D3-4B68-A09E-D5B39BC38494}"/>
+                  </a:ext>
+                </a:extLst>
+              </p:cNvPr>
+              <p:cNvSpPr/>
+              <p:nvPr/>
+            </p:nvSpPr>
+            <p:spPr>
+              <a:xfrm>
+                <a:off x="7896628" y="5102987"/>
+                <a:ext cx="58671" cy="59189"/>
+              </a:xfrm>
+              <a:prstGeom prst="ellipse">
+                <a:avLst/>
+              </a:prstGeom>
+              <a:solidFill>
+                <a:schemeClr val="tx1"/>
+              </a:solidFill>
+              <a:ln>
+                <a:solidFill>
+                  <a:schemeClr val="tx1"/>
+                </a:solidFill>
+              </a:ln>
+            </p:spPr>
+            <p:style>
+              <a:lnRef idx="2">
+                <a:schemeClr val="accent1">
+                  <a:shade val="50000"/>
+                </a:schemeClr>
+              </a:lnRef>
+              <a:fillRef idx="1">
+                <a:schemeClr val="accent1"/>
+              </a:fillRef>
+              <a:effectRef idx="0">
+                <a:schemeClr val="accent1"/>
+              </a:effectRef>
+              <a:fontRef idx="minor">
+                <a:schemeClr val="lt1"/>
+              </a:fontRef>
+            </p:style>
+            <p:txBody>
+              <a:bodyPr rtlCol="0" anchor="ctr"/>
+              <a:lstStyle/>
+              <a:p>
+                <a:pPr algn="ctr"/>
+                <a:endParaRPr lang="en-US"/>
+              </a:p>
+            </p:txBody>
+          </p:sp>
+          <p:cxnSp>
+            <p:nvCxnSpPr>
+              <p:cNvPr id="117" name="Straight Arrow Connector 116">
+                <a:extLst>
+                  <a:ext uri="{FF2B5EF4-FFF2-40B4-BE49-F238E27FC236}">
+                    <a16:creationId xmlns="" xmlns:a16="http://schemas.microsoft.com/office/drawing/2014/main" id="{38B89455-5A96-420F-8515-7C6054D245C7}"/>
+                  </a:ext>
+                </a:extLst>
+              </p:cNvPr>
+              <p:cNvCxnSpPr>
+                <a:cxnSpLocks/>
+              </p:cNvCxnSpPr>
+              <p:nvPr/>
+            </p:nvCxnSpPr>
+            <p:spPr>
+              <a:xfrm flipH="1" flipV="1">
+                <a:off x="8093613" y="4553428"/>
+                <a:ext cx="309533" cy="419132"/>
+              </a:xfrm>
+              <a:prstGeom prst="straightConnector1">
+                <a:avLst/>
+              </a:prstGeom>
+              <a:ln w="28575">
+                <a:solidFill>
+                  <a:schemeClr val="tx1"/>
+                </a:solidFill>
+                <a:tailEnd type="triangle"/>
+              </a:ln>
+            </p:spPr>
+            <p:style>
+              <a:lnRef idx="1">
+                <a:schemeClr val="accent1"/>
+              </a:lnRef>
+              <a:fillRef idx="0">
+                <a:schemeClr val="accent1"/>
+              </a:fillRef>
+              <a:effectRef idx="0">
+                <a:schemeClr val="accent1"/>
+              </a:effectRef>
+              <a:fontRef idx="minor">
+                <a:schemeClr val="tx1"/>
+              </a:fontRef>
+            </p:style>
+          </p:cxnSp>
+        </p:grpSp>
+      </p:grpSp>
+      <p:sp>
+        <p:nvSpPr>
+          <p:cNvPr id="119" name="TextBox 118">
             <a:extLst>
               <a:ext uri="{FF2B5EF4-FFF2-40B4-BE49-F238E27FC236}">
-                <a16:creationId xmlns:a16="http://schemas.microsoft.com/office/drawing/2014/main" id="{0CA6F27A-B930-454D-82BD-58102846F6CD}"/>
+                <a16:creationId xmlns="" xmlns:a16="http://schemas.microsoft.com/office/drawing/2014/main" id="{8376F348-E111-414B-A05E-8684219AF14C}"/>
+              </a:ext>
+            </a:extLst>
+          </p:cNvPr>
+          <p:cNvSpPr txBox="1"/>
+          <p:nvPr/>
+        </p:nvSpPr>
+        <p:spPr>
+          <a:xfrm>
+            <a:off x="10885526" y="6385984"/>
+            <a:ext cx="2788387" cy="338554"/>
+          </a:xfrm>
+          <a:prstGeom prst="rect">
+            <a:avLst/>
+          </a:prstGeom>
+          <a:noFill/>
+        </p:spPr>
+        <p:txBody>
+          <a:bodyPr wrap="square" rtlCol="0">
+            <a:spAutoFit/>
+          </a:bodyPr>
+          <a:lstStyle/>
+          <a:p>
+            <a:r>
+              <a:rPr lang="en-US" sz="1600" b="1" dirty="0">
+                <a:latin typeface="Ink Free" panose="03080402000500000000" pitchFamily="66" charset="0"/>
+              </a:rPr>
+              <a:t>Scroll Bar</a:t>
+            </a:r>
+          </a:p>
+        </p:txBody>
+      </p:sp>
+      <p:cxnSp>
+        <p:nvCxnSpPr>
+          <p:cNvPr id="38" name="Straight Connector 37"/>
+          <p:cNvCxnSpPr/>
+          <p:nvPr/>
+        </p:nvCxnSpPr>
+        <p:spPr>
+          <a:xfrm>
+            <a:off x="1155440" y="1274337"/>
+            <a:ext cx="10758692" cy="0"/>
+          </a:xfrm>
+          <a:prstGeom prst="line">
+            <a:avLst/>
+          </a:prstGeom>
+        </p:spPr>
+        <p:style>
+          <a:lnRef idx="1">
+            <a:schemeClr val="accent1"/>
+          </a:lnRef>
+          <a:fillRef idx="0">
+            <a:schemeClr val="accent1"/>
+          </a:fillRef>
+          <a:effectRef idx="0">
+            <a:schemeClr val="accent1"/>
+          </a:effectRef>
+          <a:fontRef idx="minor">
+            <a:schemeClr val="tx1"/>
+          </a:fontRef>
+        </p:style>
+      </p:cxnSp>
+      <p:sp>
+        <p:nvSpPr>
+          <p:cNvPr id="41" name="TextBox 40"/>
+          <p:cNvSpPr txBox="1"/>
+          <p:nvPr/>
+        </p:nvSpPr>
+        <p:spPr>
+          <a:xfrm>
+            <a:off x="3186817" y="548755"/>
+            <a:ext cx="5940513" cy="553998"/>
+          </a:xfrm>
+          <a:prstGeom prst="rect">
+            <a:avLst/>
+          </a:prstGeom>
+          <a:noFill/>
+        </p:spPr>
+        <p:txBody>
+          <a:bodyPr wrap="square" rtlCol="0">
+            <a:spAutoFit/>
+          </a:bodyPr>
+          <a:lstStyle/>
+          <a:p>
+            <a:pPr algn="ctr"/>
+            <a:r>
+              <a:rPr lang="en-US" dirty="0" smtClean="0"/>
+              <a:t>Directors Production Tracker</a:t>
+            </a:r>
+          </a:p>
+          <a:p>
+            <a:pPr algn="ctr"/>
+            <a:r>
+              <a:rPr lang="en-US" sz="1200" dirty="0" smtClean="0"/>
+              <a:t>Website Description</a:t>
+            </a:r>
+            <a:endParaRPr lang="en-US" sz="1200" dirty="0"/>
+          </a:p>
+        </p:txBody>
+      </p:sp>
+      <p:sp>
+        <p:nvSpPr>
+          <p:cNvPr id="42" name="Rectangle 41"/>
+          <p:cNvSpPr/>
+          <p:nvPr/>
+        </p:nvSpPr>
+        <p:spPr>
+          <a:xfrm>
+            <a:off x="10063771" y="1765659"/>
+            <a:ext cx="951342" cy="4047848"/>
+          </a:xfrm>
+          <a:prstGeom prst="rect">
+            <a:avLst/>
+          </a:prstGeom>
+          <a:solidFill>
+            <a:schemeClr val="accent6">
+              <a:lumMod val="20000"/>
+              <a:lumOff val="80000"/>
+            </a:schemeClr>
+          </a:solidFill>
+          <a:ln>
+            <a:solidFill>
+              <a:schemeClr val="accent6">
+                <a:lumMod val="40000"/>
+                <a:lumOff val="60000"/>
+              </a:schemeClr>
+            </a:solidFill>
+          </a:ln>
+        </p:spPr>
+        <p:style>
+          <a:lnRef idx="2">
+            <a:schemeClr val="accent1">
+              <a:shade val="50000"/>
+            </a:schemeClr>
+          </a:lnRef>
+          <a:fillRef idx="1">
+            <a:schemeClr val="accent1"/>
+          </a:fillRef>
+          <a:effectRef idx="0">
+            <a:schemeClr val="accent1"/>
+          </a:effectRef>
+          <a:fontRef idx="minor">
+            <a:schemeClr val="lt1"/>
+          </a:fontRef>
+        </p:style>
+        <p:txBody>
+          <a:bodyPr rtlCol="0" anchor="ctr"/>
+          <a:lstStyle/>
+          <a:p>
+            <a:pPr algn="ctr"/>
+            <a:endParaRPr lang="en-US"/>
+          </a:p>
+        </p:txBody>
+      </p:sp>
+      <p:sp>
+        <p:nvSpPr>
+          <p:cNvPr id="43" name="TextBox 42"/>
+          <p:cNvSpPr txBox="1"/>
+          <p:nvPr/>
+        </p:nvSpPr>
+        <p:spPr>
+          <a:xfrm>
+            <a:off x="10063771" y="1775448"/>
+            <a:ext cx="993696" cy="369332"/>
+          </a:xfrm>
+          <a:prstGeom prst="rect">
+            <a:avLst/>
+          </a:prstGeom>
+          <a:noFill/>
+        </p:spPr>
+        <p:txBody>
+          <a:bodyPr wrap="square" rtlCol="0">
+            <a:spAutoFit/>
+          </a:bodyPr>
+          <a:lstStyle/>
+          <a:p>
+            <a:r>
+              <a:rPr lang="en-US" smtClean="0"/>
+              <a:t>Director</a:t>
+            </a:r>
+            <a:endParaRPr lang="en-US"/>
+          </a:p>
+        </p:txBody>
+      </p:sp>
+      <p:sp>
+        <p:nvSpPr>
+          <p:cNvPr id="94" name="Oval 93">
+            <a:extLst>
+              <a:ext uri="{FF2B5EF4-FFF2-40B4-BE49-F238E27FC236}">
+                <a16:creationId xmlns="" xmlns:a16="http://schemas.microsoft.com/office/drawing/2014/main" id="{8C0DA4ED-39FD-4377-8220-4CF979EFB3DA}"/>
               </a:ext>
             </a:extLst>
           </p:cNvPr>
@@ -5423,8 +5706,8 @@
         </p:nvSpPr>
         <p:spPr>
           <a:xfrm>
-            <a:off x="7266285" y="4418052"/>
-            <a:ext cx="58671" cy="59189"/>
+            <a:off x="10210722" y="2373735"/>
+            <a:ext cx="63887" cy="59189"/>
           </a:xfrm>
           <a:prstGeom prst="ellipse">
             <a:avLst/>
@@ -5465,10 +5748,10 @@
       </p:sp>
       <p:sp>
         <p:nvSpPr>
-          <p:cNvPr id="102" name="Oval 101">
+          <p:cNvPr id="95" name="Oval 94">
             <a:extLst>
               <a:ext uri="{FF2B5EF4-FFF2-40B4-BE49-F238E27FC236}">
-                <a16:creationId xmlns:a16="http://schemas.microsoft.com/office/drawing/2014/main" id="{AED01084-D69F-4D3E-BC42-AA59AA2C3BE2}"/>
+                <a16:creationId xmlns="" xmlns:a16="http://schemas.microsoft.com/office/drawing/2014/main" id="{8C0DA4ED-39FD-4377-8220-4CF979EFB3DA}"/>
               </a:ext>
             </a:extLst>
           </p:cNvPr>
@@ -5477,8 +5760,8 @@
         </p:nvSpPr>
         <p:spPr>
           <a:xfrm>
-            <a:off x="7600196" y="4652343"/>
-            <a:ext cx="58671" cy="59189"/>
+            <a:off x="10210725" y="2576934"/>
+            <a:ext cx="63887" cy="59189"/>
           </a:xfrm>
           <a:prstGeom prst="ellipse">
             <a:avLst/>
@@ -5519,10 +5802,10 @@
       </p:sp>
       <p:sp>
         <p:nvSpPr>
-          <p:cNvPr id="103" name="Oval 102">
+          <p:cNvPr id="98" name="Oval 97">
             <a:extLst>
               <a:ext uri="{FF2B5EF4-FFF2-40B4-BE49-F238E27FC236}">
-                <a16:creationId xmlns:a16="http://schemas.microsoft.com/office/drawing/2014/main" id="{8321FC2E-C92C-4EE9-8E19-198F1F6880E6}"/>
+                <a16:creationId xmlns="" xmlns:a16="http://schemas.microsoft.com/office/drawing/2014/main" id="{8C0DA4ED-39FD-4377-8220-4CF979EFB3DA}"/>
               </a:ext>
             </a:extLst>
           </p:cNvPr>
@@ -5531,8 +5814,8 @@
         </p:nvSpPr>
         <p:spPr>
           <a:xfrm>
-            <a:off x="8154997" y="4441341"/>
-            <a:ext cx="58671" cy="59189"/>
+            <a:off x="10191788" y="2813977"/>
+            <a:ext cx="63887" cy="59189"/>
           </a:xfrm>
           <a:prstGeom prst="ellipse">
             <a:avLst/>
@@ -5573,476 +5856,10 @@
       </p:sp>
       <p:cxnSp>
         <p:nvCxnSpPr>
-          <p:cNvPr id="104" name="Straight Connector 103">
+          <p:cNvPr id="105" name="Straight Arrow Connector 104">
             <a:extLst>
               <a:ext uri="{FF2B5EF4-FFF2-40B4-BE49-F238E27FC236}">
-                <a16:creationId xmlns:a16="http://schemas.microsoft.com/office/drawing/2014/main" id="{5F74147B-BED1-43A8-9B93-DD26CF0362C0}"/>
-              </a:ext>
-            </a:extLst>
-          </p:cNvPr>
-          <p:cNvCxnSpPr>
-            <a:cxnSpLocks/>
-          </p:cNvCxnSpPr>
-          <p:nvPr/>
-        </p:nvCxnSpPr>
-        <p:spPr>
-          <a:xfrm>
-            <a:off x="7554409" y="4152667"/>
-            <a:ext cx="517153" cy="0"/>
-          </a:xfrm>
-          <a:prstGeom prst="line">
-            <a:avLst/>
-          </a:prstGeom>
-          <a:ln w="57150">
-            <a:solidFill>
-              <a:schemeClr val="accent3"/>
-            </a:solidFill>
-            <a:prstDash val="sysDot"/>
-          </a:ln>
-        </p:spPr>
-        <p:style>
-          <a:lnRef idx="1">
-            <a:schemeClr val="accent1"/>
-          </a:lnRef>
-          <a:fillRef idx="0">
-            <a:schemeClr val="accent1"/>
-          </a:fillRef>
-          <a:effectRef idx="0">
-            <a:schemeClr val="accent1"/>
-          </a:effectRef>
-          <a:fontRef idx="minor">
-            <a:schemeClr val="tx1"/>
-          </a:fontRef>
-        </p:style>
-      </p:cxnSp>
-      <p:cxnSp>
-        <p:nvCxnSpPr>
-          <p:cNvPr id="106" name="Straight Connector 105">
-            <a:extLst>
-              <a:ext uri="{FF2B5EF4-FFF2-40B4-BE49-F238E27FC236}">
-                <a16:creationId xmlns:a16="http://schemas.microsoft.com/office/drawing/2014/main" id="{11A18E14-59E9-4553-BB3B-F3491D39C75F}"/>
-              </a:ext>
-            </a:extLst>
-          </p:cNvPr>
-          <p:cNvCxnSpPr>
-            <a:cxnSpLocks/>
-          </p:cNvCxnSpPr>
-          <p:nvPr/>
-        </p:nvCxnSpPr>
-        <p:spPr>
-          <a:xfrm>
-            <a:off x="7559740" y="4284286"/>
-            <a:ext cx="517153" cy="0"/>
-          </a:xfrm>
-          <a:prstGeom prst="line">
-            <a:avLst/>
-          </a:prstGeom>
-          <a:ln w="57150">
-            <a:solidFill>
-              <a:schemeClr val="accent3"/>
-            </a:solidFill>
-            <a:prstDash val="sysDot"/>
-          </a:ln>
-        </p:spPr>
-        <p:style>
-          <a:lnRef idx="1">
-            <a:schemeClr val="accent1"/>
-          </a:lnRef>
-          <a:fillRef idx="0">
-            <a:schemeClr val="accent1"/>
-          </a:fillRef>
-          <a:effectRef idx="0">
-            <a:schemeClr val="accent1"/>
-          </a:effectRef>
-          <a:fontRef idx="minor">
-            <a:schemeClr val="tx1"/>
-          </a:fontRef>
-        </p:style>
-      </p:cxnSp>
-      <p:sp>
-        <p:nvSpPr>
-          <p:cNvPr id="108" name="Oval 107">
-            <a:extLst>
-              <a:ext uri="{FF2B5EF4-FFF2-40B4-BE49-F238E27FC236}">
-                <a16:creationId xmlns:a16="http://schemas.microsoft.com/office/drawing/2014/main" id="{FCB7EBE7-71D0-4252-911A-C37824B82898}"/>
-              </a:ext>
-            </a:extLst>
-          </p:cNvPr>
-          <p:cNvSpPr/>
-          <p:nvPr/>
-        </p:nvSpPr>
-        <p:spPr>
-          <a:xfrm>
-            <a:off x="9588181" y="4950929"/>
-            <a:ext cx="58671" cy="59189"/>
-          </a:xfrm>
-          <a:prstGeom prst="ellipse">
-            <a:avLst/>
-          </a:prstGeom>
-          <a:solidFill>
-            <a:schemeClr val="tx1"/>
-          </a:solidFill>
-          <a:ln>
-            <a:solidFill>
-              <a:schemeClr val="tx1"/>
-            </a:solidFill>
-          </a:ln>
-        </p:spPr>
-        <p:style>
-          <a:lnRef idx="2">
-            <a:schemeClr val="accent1">
-              <a:shade val="50000"/>
-            </a:schemeClr>
-          </a:lnRef>
-          <a:fillRef idx="1">
-            <a:schemeClr val="accent1"/>
-          </a:fillRef>
-          <a:effectRef idx="0">
-            <a:schemeClr val="accent1"/>
-          </a:effectRef>
-          <a:fontRef idx="minor">
-            <a:schemeClr val="lt1"/>
-          </a:fontRef>
-        </p:style>
-        <p:txBody>
-          <a:bodyPr rtlCol="0" anchor="ctr"/>
-          <a:lstStyle/>
-          <a:p>
-            <a:pPr algn="ctr"/>
-            <a:endParaRPr lang="en-US"/>
-          </a:p>
-        </p:txBody>
-      </p:sp>
-      <p:sp>
-        <p:nvSpPr>
-          <p:cNvPr id="109" name="Oval 108">
-            <a:extLst>
-              <a:ext uri="{FF2B5EF4-FFF2-40B4-BE49-F238E27FC236}">
-                <a16:creationId xmlns:a16="http://schemas.microsoft.com/office/drawing/2014/main" id="{8F69B8C9-9AC1-4A07-8A38-C03CE4C37FB7}"/>
-              </a:ext>
-            </a:extLst>
-          </p:cNvPr>
-          <p:cNvSpPr/>
-          <p:nvPr/>
-        </p:nvSpPr>
-        <p:spPr>
-          <a:xfrm>
-            <a:off x="9740581" y="4659983"/>
-            <a:ext cx="58671" cy="59189"/>
-          </a:xfrm>
-          <a:prstGeom prst="ellipse">
-            <a:avLst/>
-          </a:prstGeom>
-          <a:solidFill>
-            <a:schemeClr val="tx1"/>
-          </a:solidFill>
-          <a:ln>
-            <a:solidFill>
-              <a:schemeClr val="tx1"/>
-            </a:solidFill>
-          </a:ln>
-        </p:spPr>
-        <p:style>
-          <a:lnRef idx="2">
-            <a:schemeClr val="accent1">
-              <a:shade val="50000"/>
-            </a:schemeClr>
-          </a:lnRef>
-          <a:fillRef idx="1">
-            <a:schemeClr val="accent1"/>
-          </a:fillRef>
-          <a:effectRef idx="0">
-            <a:schemeClr val="accent1"/>
-          </a:effectRef>
-          <a:fontRef idx="minor">
-            <a:schemeClr val="lt1"/>
-          </a:fontRef>
-        </p:style>
-        <p:txBody>
-          <a:bodyPr rtlCol="0" anchor="ctr"/>
-          <a:lstStyle/>
-          <a:p>
-            <a:pPr algn="ctr"/>
-            <a:endParaRPr lang="en-US"/>
-          </a:p>
-        </p:txBody>
-      </p:sp>
-      <p:sp>
-        <p:nvSpPr>
-          <p:cNvPr id="110" name="Oval 109">
-            <a:extLst>
-              <a:ext uri="{FF2B5EF4-FFF2-40B4-BE49-F238E27FC236}">
-                <a16:creationId xmlns:a16="http://schemas.microsoft.com/office/drawing/2014/main" id="{2A3D726D-570B-4DC9-9D07-972D0BC95103}"/>
-              </a:ext>
-            </a:extLst>
-          </p:cNvPr>
-          <p:cNvSpPr/>
-          <p:nvPr/>
-        </p:nvSpPr>
-        <p:spPr>
-          <a:xfrm>
-            <a:off x="10093827" y="4950929"/>
-            <a:ext cx="58671" cy="59189"/>
-          </a:xfrm>
-          <a:prstGeom prst="ellipse">
-            <a:avLst/>
-          </a:prstGeom>
-          <a:solidFill>
-            <a:schemeClr val="tx1"/>
-          </a:solidFill>
-          <a:ln>
-            <a:solidFill>
-              <a:schemeClr val="tx1"/>
-            </a:solidFill>
-          </a:ln>
-        </p:spPr>
-        <p:style>
-          <a:lnRef idx="2">
-            <a:schemeClr val="accent1">
-              <a:shade val="50000"/>
-            </a:schemeClr>
-          </a:lnRef>
-          <a:fillRef idx="1">
-            <a:schemeClr val="accent1"/>
-          </a:fillRef>
-          <a:effectRef idx="0">
-            <a:schemeClr val="accent1"/>
-          </a:effectRef>
-          <a:fontRef idx="minor">
-            <a:schemeClr val="lt1"/>
-          </a:fontRef>
-        </p:style>
-        <p:txBody>
-          <a:bodyPr rtlCol="0" anchor="ctr"/>
-          <a:lstStyle/>
-          <a:p>
-            <a:pPr algn="ctr"/>
-            <a:endParaRPr lang="en-US"/>
-          </a:p>
-        </p:txBody>
-      </p:sp>
-      <p:sp>
-        <p:nvSpPr>
-          <p:cNvPr id="111" name="Oval 110">
-            <a:extLst>
-              <a:ext uri="{FF2B5EF4-FFF2-40B4-BE49-F238E27FC236}">
-                <a16:creationId xmlns:a16="http://schemas.microsoft.com/office/drawing/2014/main" id="{70A84870-9F8B-4A17-8F4D-91B56E7B8E11}"/>
-              </a:ext>
-            </a:extLst>
-          </p:cNvPr>
-          <p:cNvSpPr/>
-          <p:nvPr/>
-        </p:nvSpPr>
-        <p:spPr>
-          <a:xfrm>
-            <a:off x="10427738" y="4741874"/>
-            <a:ext cx="58671" cy="59189"/>
-          </a:xfrm>
-          <a:prstGeom prst="ellipse">
-            <a:avLst/>
-          </a:prstGeom>
-          <a:solidFill>
-            <a:schemeClr val="tx1"/>
-          </a:solidFill>
-          <a:ln>
-            <a:solidFill>
-              <a:schemeClr val="tx1"/>
-            </a:solidFill>
-          </a:ln>
-        </p:spPr>
-        <p:style>
-          <a:lnRef idx="2">
-            <a:schemeClr val="accent1">
-              <a:shade val="50000"/>
-            </a:schemeClr>
-          </a:lnRef>
-          <a:fillRef idx="1">
-            <a:schemeClr val="accent1"/>
-          </a:fillRef>
-          <a:effectRef idx="0">
-            <a:schemeClr val="accent1"/>
-          </a:effectRef>
-          <a:fontRef idx="minor">
-            <a:schemeClr val="lt1"/>
-          </a:fontRef>
-        </p:style>
-        <p:txBody>
-          <a:bodyPr rtlCol="0" anchor="ctr"/>
-          <a:lstStyle/>
-          <a:p>
-            <a:pPr algn="ctr"/>
-            <a:endParaRPr lang="en-US"/>
-          </a:p>
-        </p:txBody>
-      </p:sp>
-      <p:sp>
-        <p:nvSpPr>
-          <p:cNvPr id="112" name="Oval 111">
-            <a:extLst>
-              <a:ext uri="{FF2B5EF4-FFF2-40B4-BE49-F238E27FC236}">
-                <a16:creationId xmlns:a16="http://schemas.microsoft.com/office/drawing/2014/main" id="{3CA0C167-1E12-4746-AC9A-6E0DEFFB4108}"/>
-              </a:ext>
-            </a:extLst>
-          </p:cNvPr>
-          <p:cNvSpPr/>
-          <p:nvPr/>
-        </p:nvSpPr>
-        <p:spPr>
-          <a:xfrm>
-            <a:off x="10982539" y="4530872"/>
-            <a:ext cx="58671" cy="59189"/>
-          </a:xfrm>
-          <a:prstGeom prst="ellipse">
-            <a:avLst/>
-          </a:prstGeom>
-          <a:solidFill>
-            <a:schemeClr val="tx1"/>
-          </a:solidFill>
-          <a:ln>
-            <a:solidFill>
-              <a:schemeClr val="tx1"/>
-            </a:solidFill>
-          </a:ln>
-        </p:spPr>
-        <p:style>
-          <a:lnRef idx="2">
-            <a:schemeClr val="accent1">
-              <a:shade val="50000"/>
-            </a:schemeClr>
-          </a:lnRef>
-          <a:fillRef idx="1">
-            <a:schemeClr val="accent1"/>
-          </a:fillRef>
-          <a:effectRef idx="0">
-            <a:schemeClr val="accent1"/>
-          </a:effectRef>
-          <a:fontRef idx="minor">
-            <a:schemeClr val="lt1"/>
-          </a:fontRef>
-        </p:style>
-        <p:txBody>
-          <a:bodyPr rtlCol="0" anchor="ctr"/>
-          <a:lstStyle/>
-          <a:p>
-            <a:pPr algn="ctr"/>
-            <a:endParaRPr lang="en-US"/>
-          </a:p>
-        </p:txBody>
-      </p:sp>
-      <p:sp>
-        <p:nvSpPr>
-          <p:cNvPr id="115" name="Oval 114">
-            <a:extLst>
-              <a:ext uri="{FF2B5EF4-FFF2-40B4-BE49-F238E27FC236}">
-                <a16:creationId xmlns:a16="http://schemas.microsoft.com/office/drawing/2014/main" id="{572127C1-6D61-4C2E-8059-598212BB99CF}"/>
-              </a:ext>
-            </a:extLst>
-          </p:cNvPr>
-          <p:cNvSpPr/>
-          <p:nvPr/>
-        </p:nvSpPr>
-        <p:spPr>
-          <a:xfrm>
-            <a:off x="10711933" y="4624722"/>
-            <a:ext cx="58671" cy="59189"/>
-          </a:xfrm>
-          <a:prstGeom prst="ellipse">
-            <a:avLst/>
-          </a:prstGeom>
-          <a:solidFill>
-            <a:schemeClr val="tx1"/>
-          </a:solidFill>
-          <a:ln>
-            <a:solidFill>
-              <a:schemeClr val="tx1"/>
-            </a:solidFill>
-          </a:ln>
-        </p:spPr>
-        <p:style>
-          <a:lnRef idx="2">
-            <a:schemeClr val="accent1">
-              <a:shade val="50000"/>
-            </a:schemeClr>
-          </a:lnRef>
-          <a:fillRef idx="1">
-            <a:schemeClr val="accent1"/>
-          </a:fillRef>
-          <a:effectRef idx="0">
-            <a:schemeClr val="accent1"/>
-          </a:effectRef>
-          <a:fontRef idx="minor">
-            <a:schemeClr val="lt1"/>
-          </a:fontRef>
-        </p:style>
-        <p:txBody>
-          <a:bodyPr rtlCol="0" anchor="ctr"/>
-          <a:lstStyle/>
-          <a:p>
-            <a:pPr algn="ctr"/>
-            <a:endParaRPr lang="en-US"/>
-          </a:p>
-        </p:txBody>
-      </p:sp>
-      <p:sp>
-        <p:nvSpPr>
-          <p:cNvPr id="116" name="Oval 115">
-            <a:extLst>
-              <a:ext uri="{FF2B5EF4-FFF2-40B4-BE49-F238E27FC236}">
-                <a16:creationId xmlns:a16="http://schemas.microsoft.com/office/drawing/2014/main" id="{810B726E-36D3-4B68-A09E-D5B39BC38494}"/>
-              </a:ext>
-            </a:extLst>
-          </p:cNvPr>
-          <p:cNvSpPr/>
-          <p:nvPr/>
-        </p:nvSpPr>
-        <p:spPr>
-          <a:xfrm>
-            <a:off x="7896628" y="5102987"/>
-            <a:ext cx="58671" cy="59189"/>
-          </a:xfrm>
-          <a:prstGeom prst="ellipse">
-            <a:avLst/>
-          </a:prstGeom>
-          <a:solidFill>
-            <a:schemeClr val="tx1"/>
-          </a:solidFill>
-          <a:ln>
-            <a:solidFill>
-              <a:schemeClr val="tx1"/>
-            </a:solidFill>
-          </a:ln>
-        </p:spPr>
-        <p:style>
-          <a:lnRef idx="2">
-            <a:schemeClr val="accent1">
-              <a:shade val="50000"/>
-            </a:schemeClr>
-          </a:lnRef>
-          <a:fillRef idx="1">
-            <a:schemeClr val="accent1"/>
-          </a:fillRef>
-          <a:effectRef idx="0">
-            <a:schemeClr val="accent1"/>
-          </a:effectRef>
-          <a:fontRef idx="minor">
-            <a:schemeClr val="lt1"/>
-          </a:fontRef>
-        </p:style>
-        <p:txBody>
-          <a:bodyPr rtlCol="0" anchor="ctr"/>
-          <a:lstStyle/>
-          <a:p>
-            <a:pPr algn="ctr"/>
-            <a:endParaRPr lang="en-US"/>
-          </a:p>
-        </p:txBody>
-      </p:sp>
-      <p:cxnSp>
-        <p:nvCxnSpPr>
-          <p:cNvPr id="117" name="Straight Arrow Connector 116">
-            <a:extLst>
-              <a:ext uri="{FF2B5EF4-FFF2-40B4-BE49-F238E27FC236}">
-                <a16:creationId xmlns:a16="http://schemas.microsoft.com/office/drawing/2014/main" id="{38B89455-5A96-420F-8515-7C6054D245C7}"/>
+                <a16:creationId xmlns="" xmlns:a16="http://schemas.microsoft.com/office/drawing/2014/main" id="{C821B187-5F90-40F9-8DE6-E44B02A4C3BF}"/>
               </a:ext>
             </a:extLst>
           </p:cNvPr>
@@ -6053,8 +5870,8 @@
         </p:nvCxnSpPr>
         <p:spPr>
           <a:xfrm flipH="1" flipV="1">
-            <a:off x="8093613" y="4553427"/>
-            <a:ext cx="652396" cy="1803221"/>
+            <a:off x="10623077" y="2778564"/>
+            <a:ext cx="337887" cy="397065"/>
           </a:xfrm>
           <a:prstGeom prst="straightConnector1">
             <a:avLst/>
@@ -6083,10 +5900,10 @@
       </p:cxnSp>
       <p:sp>
         <p:nvSpPr>
-          <p:cNvPr id="119" name="TextBox 118">
+          <p:cNvPr id="107" name="TextBox 106">
             <a:extLst>
               <a:ext uri="{FF2B5EF4-FFF2-40B4-BE49-F238E27FC236}">
-                <a16:creationId xmlns:a16="http://schemas.microsoft.com/office/drawing/2014/main" id="{8376F348-E111-414B-A05E-8684219AF14C}"/>
+                <a16:creationId xmlns="" xmlns:a16="http://schemas.microsoft.com/office/drawing/2014/main" id="{6BFE790D-F0D2-438C-8FE7-0CDDEB47B4F8}"/>
               </a:ext>
             </a:extLst>
           </p:cNvPr>
@@ -6095,7 +5912,7 @@
         </p:nvSpPr>
         <p:spPr>
           <a:xfrm>
-            <a:off x="10885526" y="6385984"/>
+            <a:off x="10638434" y="3324035"/>
             <a:ext cx="2788387" cy="338554"/>
           </a:xfrm>
           <a:prstGeom prst="rect">
@@ -6110,56 +5927,81 @@
           <a:lstStyle/>
           <a:p>
             <a:r>
-              <a:rPr lang="en-US" sz="1600" b="1" dirty="0">
+              <a:rPr lang="en-US" sz="1600" b="1" smtClean="0">
                 <a:latin typeface="Ink Free" panose="03080402000500000000" pitchFamily="66" charset="0"/>
               </a:rPr>
-              <a:t>Scroll Bar</a:t>
-            </a:r>
-          </a:p>
-        </p:txBody>
-      </p:sp>
-      <p:sp>
-        <p:nvSpPr>
-          <p:cNvPr id="120" name="Oval 119">
-            <a:extLst>
-              <a:ext uri="{FF2B5EF4-FFF2-40B4-BE49-F238E27FC236}">
-                <a16:creationId xmlns:a16="http://schemas.microsoft.com/office/drawing/2014/main" id="{D2366843-BA70-4DA1-A524-94A07CAC74E0}"/>
-              </a:ext>
-            </a:extLst>
-          </p:cNvPr>
+              <a:t>Legend </a:t>
+            </a:r>
+            <a:endParaRPr lang="en-US" sz="1600" b="1" dirty="0">
+              <a:latin typeface="Ink Free" panose="03080402000500000000" pitchFamily="66" charset="0"/>
+            </a:endParaRPr>
+          </a:p>
+        </p:txBody>
+      </p:sp>
+      <p:sp>
+        <p:nvSpPr>
+          <p:cNvPr id="46" name="Rectangle 45"/>
           <p:cNvSpPr/>
           <p:nvPr/>
         </p:nvSpPr>
         <p:spPr>
           <a:xfrm>
-            <a:off x="2426698" y="3292655"/>
-            <a:ext cx="95025" cy="98046"/>
+            <a:off x="2335172" y="1346430"/>
+            <a:ext cx="813046" cy="246864"/>
           </a:xfrm>
-          <a:prstGeom prst="ellipse">
+          <a:prstGeom prst="rect">
             <a:avLst/>
           </a:prstGeom>
-          <a:solidFill>
-            <a:schemeClr val="bg1"/>
-          </a:solidFill>
-          <a:ln>
-            <a:solidFill>
-              <a:schemeClr val="accent6">
-                <a:lumMod val="50000"/>
-              </a:schemeClr>
-            </a:solidFill>
-          </a:ln>
         </p:spPr>
         <p:style>
           <a:lnRef idx="2">
-            <a:schemeClr val="accent1">
+            <a:schemeClr val="accent6"/>
+          </a:lnRef>
+          <a:fillRef idx="1">
+            <a:schemeClr val="lt1"/>
+          </a:fillRef>
+          <a:effectRef idx="0">
+            <a:schemeClr val="accent6"/>
+          </a:effectRef>
+          <a:fontRef idx="minor">
+            <a:schemeClr val="dk1"/>
+          </a:fontRef>
+        </p:style>
+        <p:txBody>
+          <a:bodyPr rtlCol="0" anchor="ctr"/>
+          <a:lstStyle/>
+          <a:p>
+            <a:pPr algn="ctr"/>
+            <a:endParaRPr lang="en-US"/>
+          </a:p>
+        </p:txBody>
+      </p:sp>
+      <p:sp>
+        <p:nvSpPr>
+          <p:cNvPr id="47" name="Triangle 46"/>
+          <p:cNvSpPr/>
+          <p:nvPr/>
+        </p:nvSpPr>
+        <p:spPr>
+          <a:xfrm flipH="1" flipV="1">
+            <a:off x="2902781" y="1409196"/>
+            <a:ext cx="194638" cy="137283"/>
+          </a:xfrm>
+          <a:prstGeom prst="triangle">
+            <a:avLst/>
+          </a:prstGeom>
+        </p:spPr>
+        <p:style>
+          <a:lnRef idx="2">
+            <a:schemeClr val="dk1">
               <a:shade val="50000"/>
             </a:schemeClr>
           </a:lnRef>
           <a:fillRef idx="1">
-            <a:schemeClr val="accent1"/>
+            <a:schemeClr val="dk1"/>
           </a:fillRef>
           <a:effectRef idx="0">
-            <a:schemeClr val="accent1"/>
+            <a:schemeClr val="dk1"/>
           </a:effectRef>
           <a:fontRef idx="minor">
             <a:schemeClr val="lt1"/>
@@ -6170,14 +6012,83 @@
           <a:lstStyle/>
           <a:p>
             <a:pPr algn="ctr"/>
-            <a:endParaRPr lang="en-US" sz="3200" dirty="0"/>
+            <a:endParaRPr lang="en-US"/>
+          </a:p>
+        </p:txBody>
+      </p:sp>
+      <p:sp>
+        <p:nvSpPr>
+          <p:cNvPr id="48" name="Rectangle 47"/>
+          <p:cNvSpPr/>
+          <p:nvPr/>
+        </p:nvSpPr>
+        <p:spPr>
+          <a:xfrm>
+            <a:off x="3623733" y="1346430"/>
+            <a:ext cx="3122744" cy="246864"/>
+          </a:xfrm>
+          <a:prstGeom prst="rect">
+            <a:avLst/>
+          </a:prstGeom>
+        </p:spPr>
+        <p:style>
+          <a:lnRef idx="2">
+            <a:schemeClr val="accent6"/>
+          </a:lnRef>
+          <a:fillRef idx="1">
+            <a:schemeClr val="lt1"/>
+          </a:fillRef>
+          <a:effectRef idx="0">
+            <a:schemeClr val="accent6"/>
+          </a:effectRef>
+          <a:fontRef idx="minor">
+            <a:schemeClr val="dk1"/>
+          </a:fontRef>
+        </p:style>
+        <p:txBody>
+          <a:bodyPr rtlCol="0" anchor="ctr"/>
+          <a:lstStyle/>
+          <a:p>
+            <a:pPr algn="ctr"/>
+            <a:endParaRPr lang="en-US"/>
+          </a:p>
+        </p:txBody>
+      </p:sp>
+      <p:sp>
+        <p:nvSpPr>
+          <p:cNvPr id="49" name="TextBox 48"/>
+          <p:cNvSpPr txBox="1"/>
+          <p:nvPr/>
+        </p:nvSpPr>
+        <p:spPr>
+          <a:xfrm>
+            <a:off x="3644380" y="1303190"/>
+            <a:ext cx="3081449" cy="307777"/>
+          </a:xfrm>
+          <a:prstGeom prst="rect">
+            <a:avLst/>
+          </a:prstGeom>
+          <a:noFill/>
+        </p:spPr>
+        <p:txBody>
+          <a:bodyPr wrap="square" rtlCol="0">
+            <a:spAutoFit/>
+          </a:bodyPr>
+          <a:lstStyle/>
+          <a:p>
+            <a:pPr algn="ctr"/>
+            <a:r>
+              <a:rPr lang="en-US" sz="1400" dirty="0" smtClean="0"/>
+              <a:t>Functionality Introduction</a:t>
+            </a:r>
+            <a:endParaRPr lang="en-US" sz="1400" dirty="0"/>
           </a:p>
         </p:txBody>
       </p:sp>
     </p:spTree>
     <p:extLst>
       <p:ext uri="{BB962C8B-B14F-4D97-AF65-F5344CB8AC3E}">
-        <p14:creationId xmlns:p14="http://schemas.microsoft.com/office/powerpoint/2010/main" val="331470059"/>
+        <p14:creationId xmlns:p14="http://schemas.microsoft.com/office/powerpoint/2010/main" val="1616425904"/>
       </p:ext>
     </p:extLst>
   </p:cSld>
@@ -6446,4 +6357,265 @@
     </a:ext>
   </a:extLst>
 </a:theme>
+</file>
+
+<file path=ppt/theme/theme2.xml><?xml version="1.0" encoding="utf-8"?>
+<a:theme xmlns:a="http://schemas.openxmlformats.org/drawingml/2006/main" name="Office Theme">
+  <a:themeElements>
+    <a:clrScheme name="Office">
+      <a:dk1>
+        <a:sysClr val="windowText" lastClr="000000"/>
+      </a:dk1>
+      <a:lt1>
+        <a:sysClr val="window" lastClr="FFFFFF"/>
+      </a:lt1>
+      <a:dk2>
+        <a:srgbClr val="44546A"/>
+      </a:dk2>
+      <a:lt2>
+        <a:srgbClr val="E7E6E6"/>
+      </a:lt2>
+      <a:accent1>
+        <a:srgbClr val="4472C4"/>
+      </a:accent1>
+      <a:accent2>
+        <a:srgbClr val="ED7D31"/>
+      </a:accent2>
+      <a:accent3>
+        <a:srgbClr val="A5A5A5"/>
+      </a:accent3>
+      <a:accent4>
+        <a:srgbClr val="FFC000"/>
+      </a:accent4>
+      <a:accent5>
+        <a:srgbClr val="5B9BD5"/>
+      </a:accent5>
+      <a:accent6>
+        <a:srgbClr val="70AD47"/>
+      </a:accent6>
+      <a:hlink>
+        <a:srgbClr val="0563C1"/>
+      </a:hlink>
+      <a:folHlink>
+        <a:srgbClr val="954F72"/>
+      </a:folHlink>
+    </a:clrScheme>
+    <a:fontScheme name="Office">
+      <a:majorFont>
+        <a:latin typeface="Calibri Light" panose="020F0302020204030204"/>
+        <a:ea typeface=""/>
+        <a:cs typeface=""/>
+        <a:font script="Jpan" typeface="Yu Gothic Light"/>
+        <a:font script="Hang" typeface="맑은 고딕"/>
+        <a:font script="Hans" typeface="DengXian Light"/>
+        <a:font script="Hant" typeface="新細明體"/>
+        <a:font script="Arab" typeface="Times New Roman"/>
+        <a:font script="Hebr" typeface="Times New Roman"/>
+        <a:font script="Thai" typeface="Angsana New"/>
+        <a:font script="Ethi" typeface="Nyala"/>
+        <a:font script="Beng" typeface="Vrinda"/>
+        <a:font script="Gujr" typeface="Shruti"/>
+        <a:font script="Khmr" typeface="MoolBoran"/>
+        <a:font script="Knda" typeface="Tunga"/>
+        <a:font script="Guru" typeface="Raavi"/>
+        <a:font script="Cans" typeface="Euphemia"/>
+        <a:font script="Cher" typeface="Plantagenet Cherokee"/>
+        <a:font script="Yiii" typeface="Microsoft Yi Baiti"/>
+        <a:font script="Tibt" typeface="Microsoft Himalaya"/>
+        <a:font script="Thaa" typeface="MV Boli"/>
+        <a:font script="Deva" typeface="Mangal"/>
+        <a:font script="Telu" typeface="Gautami"/>
+        <a:font script="Taml" typeface="Latha"/>
+        <a:font script="Syrc" typeface="Estrangelo Edessa"/>
+        <a:font script="Orya" typeface="Kalinga"/>
+        <a:font script="Mlym" typeface="Kartika"/>
+        <a:font script="Laoo" typeface="DokChampa"/>
+        <a:font script="Sinh" typeface="Iskoola Pota"/>
+        <a:font script="Mong" typeface="Mongolian Baiti"/>
+        <a:font script="Viet" typeface="Times New Roman"/>
+        <a:font script="Uigh" typeface="Microsoft Uighur"/>
+        <a:font script="Geor" typeface="Sylfaen"/>
+      </a:majorFont>
+      <a:minorFont>
+        <a:latin typeface="Calibri" panose="020F0502020204030204"/>
+        <a:ea typeface=""/>
+        <a:cs typeface=""/>
+        <a:font script="Jpan" typeface="Yu Gothic"/>
+        <a:font script="Hang" typeface="맑은 고딕"/>
+        <a:font script="Hans" typeface="DengXian"/>
+        <a:font script="Hant" typeface="新細明體"/>
+        <a:font script="Arab" typeface="Arial"/>
+        <a:font script="Hebr" typeface="Arial"/>
+        <a:font script="Thai" typeface="Cordia New"/>
+        <a:font script="Ethi" typeface="Nyala"/>
+        <a:font script="Beng" typeface="Vrinda"/>
+        <a:font script="Gujr" typeface="Shruti"/>
+        <a:font script="Khmr" typeface="DaunPenh"/>
+        <a:font script="Knda" typeface="Tunga"/>
+        <a:font script="Guru" typeface="Raavi"/>
+        <a:font script="Cans" typeface="Euphemia"/>
+        <a:font script="Cher" typeface="Plantagenet Cherokee"/>
+        <a:font script="Yiii" typeface="Microsoft Yi Baiti"/>
+        <a:font script="Tibt" typeface="Microsoft Himalaya"/>
+        <a:font script="Thaa" typeface="MV Boli"/>
+        <a:font script="Deva" typeface="Mangal"/>
+        <a:font script="Telu" typeface="Gautami"/>
+        <a:font script="Taml" typeface="Latha"/>
+        <a:font script="Syrc" typeface="Estrangelo Edessa"/>
+        <a:font script="Orya" typeface="Kalinga"/>
+        <a:font script="Mlym" typeface="Kartika"/>
+        <a:font script="Laoo" typeface="DokChampa"/>
+        <a:font script="Sinh" typeface="Iskoola Pota"/>
+        <a:font script="Mong" typeface="Mongolian Baiti"/>
+        <a:font script="Viet" typeface="Arial"/>
+        <a:font script="Uigh" typeface="Microsoft Uighur"/>
+        <a:font script="Geor" typeface="Sylfaen"/>
+      </a:minorFont>
+    </a:fontScheme>
+    <a:fmtScheme name="Office">
+      <a:fillStyleLst>
+        <a:solidFill>
+          <a:schemeClr val="phClr"/>
+        </a:solidFill>
+        <a:gradFill rotWithShape="1">
+          <a:gsLst>
+            <a:gs pos="0">
+              <a:schemeClr val="phClr">
+                <a:lumMod val="110000"/>
+                <a:satMod val="105000"/>
+                <a:tint val="67000"/>
+              </a:schemeClr>
+            </a:gs>
+            <a:gs pos="50000">
+              <a:schemeClr val="phClr">
+                <a:lumMod val="105000"/>
+                <a:satMod val="103000"/>
+                <a:tint val="73000"/>
+              </a:schemeClr>
+            </a:gs>
+            <a:gs pos="100000">
+              <a:schemeClr val="phClr">
+                <a:lumMod val="105000"/>
+                <a:satMod val="109000"/>
+                <a:tint val="81000"/>
+              </a:schemeClr>
+            </a:gs>
+          </a:gsLst>
+          <a:lin ang="5400000" scaled="0"/>
+        </a:gradFill>
+        <a:gradFill rotWithShape="1">
+          <a:gsLst>
+            <a:gs pos="0">
+              <a:schemeClr val="phClr">
+                <a:satMod val="103000"/>
+                <a:lumMod val="102000"/>
+                <a:tint val="94000"/>
+              </a:schemeClr>
+            </a:gs>
+            <a:gs pos="50000">
+              <a:schemeClr val="phClr">
+                <a:satMod val="110000"/>
+                <a:lumMod val="100000"/>
+                <a:shade val="100000"/>
+              </a:schemeClr>
+            </a:gs>
+            <a:gs pos="100000">
+              <a:schemeClr val="phClr">
+                <a:lumMod val="99000"/>
+                <a:satMod val="120000"/>
+                <a:shade val="78000"/>
+              </a:schemeClr>
+            </a:gs>
+          </a:gsLst>
+          <a:lin ang="5400000" scaled="0"/>
+        </a:gradFill>
+      </a:fillStyleLst>
+      <a:lnStyleLst>
+        <a:ln w="6350" cap="flat" cmpd="sng" algn="ctr">
+          <a:solidFill>
+            <a:schemeClr val="phClr"/>
+          </a:solidFill>
+          <a:prstDash val="solid"/>
+          <a:miter lim="800000"/>
+        </a:ln>
+        <a:ln w="12700" cap="flat" cmpd="sng" algn="ctr">
+          <a:solidFill>
+            <a:schemeClr val="phClr"/>
+          </a:solidFill>
+          <a:prstDash val="solid"/>
+          <a:miter lim="800000"/>
+        </a:ln>
+        <a:ln w="19050" cap="flat" cmpd="sng" algn="ctr">
+          <a:solidFill>
+            <a:schemeClr val="phClr"/>
+          </a:solidFill>
+          <a:prstDash val="solid"/>
+          <a:miter lim="800000"/>
+        </a:ln>
+      </a:lnStyleLst>
+      <a:effectStyleLst>
+        <a:effectStyle>
+          <a:effectLst/>
+        </a:effectStyle>
+        <a:effectStyle>
+          <a:effectLst/>
+        </a:effectStyle>
+        <a:effectStyle>
+          <a:effectLst>
+            <a:outerShdw blurRad="57150" dist="19050" dir="5400000" algn="ctr" rotWithShape="0">
+              <a:srgbClr val="000000">
+                <a:alpha val="63000"/>
+              </a:srgbClr>
+            </a:outerShdw>
+          </a:effectLst>
+        </a:effectStyle>
+      </a:effectStyleLst>
+      <a:bgFillStyleLst>
+        <a:solidFill>
+          <a:schemeClr val="phClr"/>
+        </a:solidFill>
+        <a:solidFill>
+          <a:schemeClr val="phClr">
+            <a:tint val="95000"/>
+            <a:satMod val="170000"/>
+          </a:schemeClr>
+        </a:solidFill>
+        <a:gradFill rotWithShape="1">
+          <a:gsLst>
+            <a:gs pos="0">
+              <a:schemeClr val="phClr">
+                <a:tint val="93000"/>
+                <a:satMod val="150000"/>
+                <a:shade val="98000"/>
+                <a:lumMod val="102000"/>
+              </a:schemeClr>
+            </a:gs>
+            <a:gs pos="50000">
+              <a:schemeClr val="phClr">
+                <a:tint val="98000"/>
+                <a:satMod val="130000"/>
+                <a:shade val="90000"/>
+                <a:lumMod val="103000"/>
+              </a:schemeClr>
+            </a:gs>
+            <a:gs pos="100000">
+              <a:schemeClr val="phClr">
+                <a:shade val="63000"/>
+                <a:satMod val="120000"/>
+              </a:schemeClr>
+            </a:gs>
+          </a:gsLst>
+          <a:lin ang="5400000" scaled="0"/>
+        </a:gradFill>
+      </a:bgFillStyleLst>
+    </a:fmtScheme>
+  </a:themeElements>
+  <a:objectDefaults/>
+  <a:extraClrSchemeLst/>
+  <a:extLst>
+    <a:ext uri="{05A4C25C-085E-4340-85A3-A5531E510DB2}">
+      <thm15:themeFamily xmlns:thm15="http://schemas.microsoft.com/office/thememl/2012/main" name="Office Theme" id="{62F939B6-93AF-4DB8-9C6B-D6C7DFDC589F}" vid="{4A3C46E8-61CC-4603-A589-7422A47A8E4A}"/>
+    </a:ext>
+  </a:extLst>
+</a:theme>
 </file>
--- a/img/sketch/app_sketch.pptx
+++ b/img/sketch/app_sketch.pptx
@@ -3967,7 +3967,7 @@
           <p:cNvPr id="27" name="Rectangle 26">
             <a:extLst>
               <a:ext uri="{FF2B5EF4-FFF2-40B4-BE49-F238E27FC236}">
-                <a16:creationId xmlns="" xmlns:a16="http://schemas.microsoft.com/office/drawing/2014/main" id="{D7D4A0B3-60F7-4EC4-80FA-ABEF393D61C7}"/>
+                <a16:creationId xmlns:a16="http://schemas.microsoft.com/office/drawing/2014/main" xmlns="" id="{D7D4A0B3-60F7-4EC4-80FA-ABEF393D61C7}"/>
               </a:ext>
             </a:extLst>
           </p:cNvPr>
@@ -4019,7 +4019,7 @@
           <p:cNvPr id="76" name="Straight Arrow Connector 75">
             <a:extLst>
               <a:ext uri="{FF2B5EF4-FFF2-40B4-BE49-F238E27FC236}">
-                <a16:creationId xmlns="" xmlns:a16="http://schemas.microsoft.com/office/drawing/2014/main" id="{27E91071-DC6B-4FAD-BAAF-DAA1738C6E03}"/>
+                <a16:creationId xmlns:a16="http://schemas.microsoft.com/office/drawing/2014/main" xmlns="" id="{27E91071-DC6B-4FAD-BAAF-DAA1738C6E03}"/>
               </a:ext>
             </a:extLst>
           </p:cNvPr>
@@ -4063,7 +4063,7 @@
           <p:cNvPr id="77" name="TextBox 76">
             <a:extLst>
               <a:ext uri="{FF2B5EF4-FFF2-40B4-BE49-F238E27FC236}">
-                <a16:creationId xmlns="" xmlns:a16="http://schemas.microsoft.com/office/drawing/2014/main" id="{CE8C0DCD-7D27-4BEA-871C-E5863C238267}"/>
+                <a16:creationId xmlns:a16="http://schemas.microsoft.com/office/drawing/2014/main" xmlns="" id="{CE8C0DCD-7D27-4BEA-871C-E5863C238267}"/>
               </a:ext>
             </a:extLst>
           </p:cNvPr>
@@ -4072,7 +4072,7 @@
         </p:nvSpPr>
         <p:spPr>
           <a:xfrm>
-            <a:off x="1544368" y="1274337"/>
+            <a:off x="1482820" y="1307856"/>
             <a:ext cx="1409212" cy="369332"/>
           </a:xfrm>
           <a:prstGeom prst="rect">
@@ -4087,7 +4087,11 @@
           <a:lstStyle/>
           <a:p>
             <a:r>
-              <a:rPr lang="en-US" dirty="0"/>
+              <a:rPr lang="en-US" dirty="0">
+                <a:latin typeface="Chalkboard" charset="0"/>
+                <a:ea typeface="Chalkboard" charset="0"/>
+                <a:cs typeface="Chalkboard" charset="0"/>
+              </a:rPr>
               <a:t>Genres</a:t>
             </a:r>
           </a:p>
@@ -4098,7 +4102,7 @@
           <p:cNvPr id="80" name="TextBox 79">
             <a:extLst>
               <a:ext uri="{FF2B5EF4-FFF2-40B4-BE49-F238E27FC236}">
-                <a16:creationId xmlns="" xmlns:a16="http://schemas.microsoft.com/office/drawing/2014/main" id="{E86AE56D-87DB-4A7B-96B7-0DC85D6B08B9}"/>
+                <a16:creationId xmlns:a16="http://schemas.microsoft.com/office/drawing/2014/main" xmlns="" id="{E86AE56D-87DB-4A7B-96B7-0DC85D6B08B9}"/>
               </a:ext>
             </a:extLst>
           </p:cNvPr>
@@ -4123,7 +4127,9 @@
           <a:p>
             <a:r>
               <a:rPr lang="en-US" sz="1600" b="1" dirty="0">
-                <a:latin typeface="Ink Free" panose="03080402000500000000" pitchFamily="66" charset="0"/>
+                <a:latin typeface="Bradley Hand" charset="0"/>
+                <a:ea typeface="Bradley Hand" charset="0"/>
+                <a:cs typeface="Bradley Hand" charset="0"/>
               </a:rPr>
               <a:t>Dropdown </a:t>
             </a:r>
@@ -4131,7 +4137,9 @@
           <a:p>
             <a:r>
               <a:rPr lang="en-US" sz="1600" b="1" dirty="0">
-                <a:latin typeface="Ink Free" panose="03080402000500000000" pitchFamily="66" charset="0"/>
+                <a:latin typeface="Bradley Hand" charset="0"/>
+                <a:ea typeface="Bradley Hand" charset="0"/>
+                <a:cs typeface="Bradley Hand" charset="0"/>
               </a:rPr>
               <a:t>Menu </a:t>
             </a:r>
@@ -4143,7 +4151,7 @@
           <p:cNvPr id="86" name="Rectangle: Rounded Corners 85">
             <a:extLst>
               <a:ext uri="{FF2B5EF4-FFF2-40B4-BE49-F238E27FC236}">
-                <a16:creationId xmlns="" xmlns:a16="http://schemas.microsoft.com/office/drawing/2014/main" id="{D0943646-EAEE-40B1-9FC5-0ED8510A5799}"/>
+                <a16:creationId xmlns:a16="http://schemas.microsoft.com/office/drawing/2014/main" xmlns="" id="{D0943646-EAEE-40B1-9FC5-0ED8510A5799}"/>
               </a:ext>
             </a:extLst>
           </p:cNvPr>
@@ -4197,7 +4205,7 @@
           <p:cNvPr id="88" name="Rectangle: Rounded Corners 87">
             <a:extLst>
               <a:ext uri="{FF2B5EF4-FFF2-40B4-BE49-F238E27FC236}">
-                <a16:creationId xmlns="" xmlns:a16="http://schemas.microsoft.com/office/drawing/2014/main" id="{03102BC5-3231-40BD-AF3F-E042D4C35AA0}"/>
+                <a16:creationId xmlns:a16="http://schemas.microsoft.com/office/drawing/2014/main" xmlns="" id="{03102BC5-3231-40BD-AF3F-E042D4C35AA0}"/>
               </a:ext>
             </a:extLst>
           </p:cNvPr>
@@ -4251,7 +4259,7 @@
           <p:cNvPr id="89" name="Straight Arrow Connector 88">
             <a:extLst>
               <a:ext uri="{FF2B5EF4-FFF2-40B4-BE49-F238E27FC236}">
-                <a16:creationId xmlns="" xmlns:a16="http://schemas.microsoft.com/office/drawing/2014/main" id="{82F4F613-91FC-4731-9ECC-6E5BCDD64878}"/>
+                <a16:creationId xmlns:a16="http://schemas.microsoft.com/office/drawing/2014/main" xmlns="" id="{82F4F613-91FC-4731-9ECC-6E5BCDD64878}"/>
               </a:ext>
             </a:extLst>
           </p:cNvPr>
@@ -4295,7 +4303,7 @@
           <p:cNvPr id="103" name="Oval 102">
             <a:extLst>
               <a:ext uri="{FF2B5EF4-FFF2-40B4-BE49-F238E27FC236}">
-                <a16:creationId xmlns="" xmlns:a16="http://schemas.microsoft.com/office/drawing/2014/main" id="{8321FC2E-C92C-4EE9-8E19-198F1F6880E6}"/>
+                <a16:creationId xmlns:a16="http://schemas.microsoft.com/office/drawing/2014/main" xmlns="" id="{8321FC2E-C92C-4EE9-8E19-198F1F6880E6}"/>
               </a:ext>
             </a:extLst>
           </p:cNvPr>
@@ -4349,7 +4357,7 @@
           <p:cNvPr id="112" name="Oval 111">
             <a:extLst>
               <a:ext uri="{FF2B5EF4-FFF2-40B4-BE49-F238E27FC236}">
-                <a16:creationId xmlns="" xmlns:a16="http://schemas.microsoft.com/office/drawing/2014/main" id="{3CA0C167-1E12-4746-AC9A-6E0DEFFB4108}"/>
+                <a16:creationId xmlns:a16="http://schemas.microsoft.com/office/drawing/2014/main" xmlns="" id="{3CA0C167-1E12-4746-AC9A-6E0DEFFB4108}"/>
               </a:ext>
             </a:extLst>
           </p:cNvPr>
@@ -4569,7 +4577,7 @@
             <p:cNvPr id="108" name="Oval 107">
               <a:extLst>
                 <a:ext uri="{FF2B5EF4-FFF2-40B4-BE49-F238E27FC236}">
-                  <a16:creationId xmlns="" xmlns:a16="http://schemas.microsoft.com/office/drawing/2014/main" id="{FCB7EBE7-71D0-4252-911A-C37824B82898}"/>
+                  <a16:creationId xmlns:a16="http://schemas.microsoft.com/office/drawing/2014/main" xmlns="" id="{FCB7EBE7-71D0-4252-911A-C37824B82898}"/>
                 </a:ext>
               </a:extLst>
             </p:cNvPr>
@@ -4623,7 +4631,7 @@
             <p:cNvPr id="109" name="Oval 108">
               <a:extLst>
                 <a:ext uri="{FF2B5EF4-FFF2-40B4-BE49-F238E27FC236}">
-                  <a16:creationId xmlns="" xmlns:a16="http://schemas.microsoft.com/office/drawing/2014/main" id="{8F69B8C9-9AC1-4A07-8A38-C03CE4C37FB7}"/>
+                  <a16:creationId xmlns:a16="http://schemas.microsoft.com/office/drawing/2014/main" xmlns="" id="{8F69B8C9-9AC1-4A07-8A38-C03CE4C37FB7}"/>
                 </a:ext>
               </a:extLst>
             </p:cNvPr>
@@ -4677,7 +4685,7 @@
             <p:cNvPr id="110" name="Oval 109">
               <a:extLst>
                 <a:ext uri="{FF2B5EF4-FFF2-40B4-BE49-F238E27FC236}">
-                  <a16:creationId xmlns="" xmlns:a16="http://schemas.microsoft.com/office/drawing/2014/main" id="{2A3D726D-570B-4DC9-9D07-972D0BC95103}"/>
+                  <a16:creationId xmlns:a16="http://schemas.microsoft.com/office/drawing/2014/main" xmlns="" id="{2A3D726D-570B-4DC9-9D07-972D0BC95103}"/>
                 </a:ext>
               </a:extLst>
             </p:cNvPr>
@@ -4731,7 +4739,7 @@
             <p:cNvPr id="111" name="Oval 110">
               <a:extLst>
                 <a:ext uri="{FF2B5EF4-FFF2-40B4-BE49-F238E27FC236}">
-                  <a16:creationId xmlns="" xmlns:a16="http://schemas.microsoft.com/office/drawing/2014/main" id="{70A84870-9F8B-4A17-8F4D-91B56E7B8E11}"/>
+                  <a16:creationId xmlns:a16="http://schemas.microsoft.com/office/drawing/2014/main" xmlns="" id="{70A84870-9F8B-4A17-8F4D-91B56E7B8E11}"/>
                 </a:ext>
               </a:extLst>
             </p:cNvPr>
@@ -4785,7 +4793,7 @@
             <p:cNvPr id="115" name="Oval 114">
               <a:extLst>
                 <a:ext uri="{FF2B5EF4-FFF2-40B4-BE49-F238E27FC236}">
-                  <a16:creationId xmlns="" xmlns:a16="http://schemas.microsoft.com/office/drawing/2014/main" id="{572127C1-6D61-4C2E-8059-598212BB99CF}"/>
+                  <a16:creationId xmlns:a16="http://schemas.microsoft.com/office/drawing/2014/main" xmlns="" id="{572127C1-6D61-4C2E-8059-598212BB99CF}"/>
                 </a:ext>
               </a:extLst>
             </p:cNvPr>
@@ -4844,9 +4852,9 @@
         <p:grpSpPr>
           <a:xfrm>
             <a:off x="5991322" y="1396805"/>
-            <a:ext cx="4627575" cy="2328102"/>
+            <a:ext cx="4697004" cy="2328102"/>
             <a:chOff x="8127892" y="480177"/>
-            <a:chExt cx="4249787" cy="2328102"/>
+            <a:chExt cx="4313548" cy="2328102"/>
           </a:xfrm>
         </p:grpSpPr>
         <p:cxnSp>
@@ -4854,7 +4862,7 @@
             <p:cNvPr id="104" name="Straight Connector 103">
               <a:extLst>
                 <a:ext uri="{FF2B5EF4-FFF2-40B4-BE49-F238E27FC236}">
-                  <a16:creationId xmlns="" xmlns:a16="http://schemas.microsoft.com/office/drawing/2014/main" id="{5F74147B-BED1-43A8-9B93-DD26CF0362C0}"/>
+                  <a16:creationId xmlns:a16="http://schemas.microsoft.com/office/drawing/2014/main" xmlns="" id="{5F74147B-BED1-43A8-9B93-DD26CF0362C0}"/>
                 </a:ext>
               </a:extLst>
             </p:cNvPr>
@@ -4898,7 +4906,7 @@
             <p:cNvPr id="106" name="Straight Connector 105">
               <a:extLst>
                 <a:ext uri="{FF2B5EF4-FFF2-40B4-BE49-F238E27FC236}">
-                  <a16:creationId xmlns="" xmlns:a16="http://schemas.microsoft.com/office/drawing/2014/main" id="{11A18E14-59E9-4553-BB3B-F3491D39C75F}"/>
+                  <a16:creationId xmlns:a16="http://schemas.microsoft.com/office/drawing/2014/main" xmlns="" id="{11A18E14-59E9-4553-BB3B-F3491D39C75F}"/>
                 </a:ext>
               </a:extLst>
             </p:cNvPr>
@@ -4946,9 +4954,9 @@
           <p:grpSpPr>
             <a:xfrm>
               <a:off x="8127892" y="480177"/>
-              <a:ext cx="4249787" cy="2328102"/>
+              <a:ext cx="4313548" cy="2328102"/>
               <a:chOff x="6039426" y="3525793"/>
-              <a:chExt cx="4249787" cy="2328102"/>
+              <a:chExt cx="4313548" cy="2328102"/>
             </a:xfrm>
           </p:grpSpPr>
           <p:grpSp>
@@ -5103,7 +5111,7 @@
               <p:cNvPr id="91" name="TextBox 90">
                 <a:extLst>
                   <a:ext uri="{FF2B5EF4-FFF2-40B4-BE49-F238E27FC236}">
-                    <a16:creationId xmlns="" xmlns:a16="http://schemas.microsoft.com/office/drawing/2014/main" id="{FEC47976-6018-44C2-85CA-FE09627F731F}"/>
+                    <a16:creationId xmlns:a16="http://schemas.microsoft.com/office/drawing/2014/main" xmlns="" id="{FEC47976-6018-44C2-85CA-FE09627F731F}"/>
                   </a:ext>
                 </a:extLst>
               </p:cNvPr>
@@ -5112,7 +5120,7 @@
             </p:nvSpPr>
             <p:spPr>
               <a:xfrm>
-                <a:off x="7500826" y="5006121"/>
+                <a:off x="7564587" y="5063190"/>
                 <a:ext cx="2788387" cy="338554"/>
               </a:xfrm>
               <a:prstGeom prst="rect">
@@ -5128,7 +5136,9 @@
               <a:p>
                 <a:r>
                   <a:rPr lang="en-US" sz="1600" b="1" dirty="0">
-                    <a:latin typeface="Ink Free" panose="03080402000500000000" pitchFamily="66" charset="0"/>
+                    <a:latin typeface="Bradley Hand" charset="0"/>
+                    <a:ea typeface="Bradley Hand" charset="0"/>
+                    <a:cs typeface="Bradley Hand" charset="0"/>
                   </a:rPr>
                   <a:t>Show Tooltip on Brush</a:t>
                 </a:r>
@@ -5140,7 +5150,7 @@
               <p:cNvPr id="92" name="Speech Bubble: Rectangle 91">
                 <a:extLst>
                   <a:ext uri="{FF2B5EF4-FFF2-40B4-BE49-F238E27FC236}">
-                    <a16:creationId xmlns="" xmlns:a16="http://schemas.microsoft.com/office/drawing/2014/main" id="{0EBE6E0A-FFFC-41DD-8175-54097C406DC3}"/>
+                    <a16:creationId xmlns:a16="http://schemas.microsoft.com/office/drawing/2014/main" xmlns="" id="{0EBE6E0A-FFFC-41DD-8175-54097C406DC3}"/>
                   </a:ext>
                 </a:extLst>
               </p:cNvPr>
@@ -5192,7 +5202,7 @@
               <p:cNvPr id="99" name="Oval 98">
                 <a:extLst>
                   <a:ext uri="{FF2B5EF4-FFF2-40B4-BE49-F238E27FC236}">
-                    <a16:creationId xmlns="" xmlns:a16="http://schemas.microsoft.com/office/drawing/2014/main" id="{77A01DE3-D264-4442-93A1-6D2568246996}"/>
+                    <a16:creationId xmlns:a16="http://schemas.microsoft.com/office/drawing/2014/main" xmlns="" id="{77A01DE3-D264-4442-93A1-6D2568246996}"/>
                   </a:ext>
                 </a:extLst>
               </p:cNvPr>
@@ -5246,7 +5256,7 @@
               <p:cNvPr id="100" name="Oval 99">
                 <a:extLst>
                   <a:ext uri="{FF2B5EF4-FFF2-40B4-BE49-F238E27FC236}">
-                    <a16:creationId xmlns="" xmlns:a16="http://schemas.microsoft.com/office/drawing/2014/main" id="{8C0DA4ED-39FD-4377-8220-4CF979EFB3DA}"/>
+                    <a16:creationId xmlns:a16="http://schemas.microsoft.com/office/drawing/2014/main" xmlns="" id="{8C0DA4ED-39FD-4377-8220-4CF979EFB3DA}"/>
                   </a:ext>
                 </a:extLst>
               </p:cNvPr>
@@ -5300,7 +5310,7 @@
               <p:cNvPr id="101" name="Oval 100">
                 <a:extLst>
                   <a:ext uri="{FF2B5EF4-FFF2-40B4-BE49-F238E27FC236}">
-                    <a16:creationId xmlns="" xmlns:a16="http://schemas.microsoft.com/office/drawing/2014/main" id="{0CA6F27A-B930-454D-82BD-58102846F6CD}"/>
+                    <a16:creationId xmlns:a16="http://schemas.microsoft.com/office/drawing/2014/main" xmlns="" id="{0CA6F27A-B930-454D-82BD-58102846F6CD}"/>
                   </a:ext>
                 </a:extLst>
               </p:cNvPr>
@@ -5354,7 +5364,7 @@
               <p:cNvPr id="102" name="Oval 101">
                 <a:extLst>
                   <a:ext uri="{FF2B5EF4-FFF2-40B4-BE49-F238E27FC236}">
-                    <a16:creationId xmlns="" xmlns:a16="http://schemas.microsoft.com/office/drawing/2014/main" id="{AED01084-D69F-4D3E-BC42-AA59AA2C3BE2}"/>
+                    <a16:creationId xmlns:a16="http://schemas.microsoft.com/office/drawing/2014/main" xmlns="" id="{AED01084-D69F-4D3E-BC42-AA59AA2C3BE2}"/>
                   </a:ext>
                 </a:extLst>
               </p:cNvPr>
@@ -5408,7 +5418,7 @@
               <p:cNvPr id="116" name="Oval 115">
                 <a:extLst>
                   <a:ext uri="{FF2B5EF4-FFF2-40B4-BE49-F238E27FC236}">
-                    <a16:creationId xmlns="" xmlns:a16="http://schemas.microsoft.com/office/drawing/2014/main" id="{810B726E-36D3-4B68-A09E-D5B39BC38494}"/>
+                    <a16:creationId xmlns:a16="http://schemas.microsoft.com/office/drawing/2014/main" xmlns="" id="{810B726E-36D3-4B68-A09E-D5B39BC38494}"/>
                   </a:ext>
                 </a:extLst>
               </p:cNvPr>
@@ -5462,7 +5472,7 @@
               <p:cNvPr id="117" name="Straight Arrow Connector 116">
                 <a:extLst>
                   <a:ext uri="{FF2B5EF4-FFF2-40B4-BE49-F238E27FC236}">
-                    <a16:creationId xmlns="" xmlns:a16="http://schemas.microsoft.com/office/drawing/2014/main" id="{38B89455-5A96-420F-8515-7C6054D245C7}"/>
+                    <a16:creationId xmlns:a16="http://schemas.microsoft.com/office/drawing/2014/main" xmlns="" id="{38B89455-5A96-420F-8515-7C6054D245C7}"/>
                   </a:ext>
                 </a:extLst>
               </p:cNvPr>
@@ -5508,7 +5518,7 @@
           <p:cNvPr id="119" name="TextBox 118">
             <a:extLst>
               <a:ext uri="{FF2B5EF4-FFF2-40B4-BE49-F238E27FC236}">
-                <a16:creationId xmlns="" xmlns:a16="http://schemas.microsoft.com/office/drawing/2014/main" id="{8376F348-E111-414B-A05E-8684219AF14C}"/>
+                <a16:creationId xmlns:a16="http://schemas.microsoft.com/office/drawing/2014/main" xmlns="" id="{8376F348-E111-414B-A05E-8684219AF14C}"/>
               </a:ext>
             </a:extLst>
           </p:cNvPr>
@@ -5533,7 +5543,9 @@
           <a:p>
             <a:r>
               <a:rPr lang="en-US" sz="1600" b="1" dirty="0">
-                <a:latin typeface="Ink Free" panose="03080402000500000000" pitchFamily="66" charset="0"/>
+                <a:latin typeface="Bradley Hand" charset="0"/>
+                <a:ea typeface="Bradley Hand" charset="0"/>
+                <a:cs typeface="Bradley Hand" charset="0"/>
               </a:rPr>
               <a:t>Scroll Bar</a:t>
             </a:r>
@@ -5548,7 +5560,7 @@
         </p:nvCxnSpPr>
         <p:spPr>
           <a:xfrm>
-            <a:off x="1155440" y="1274337"/>
+            <a:off x="1140728" y="1226930"/>
             <a:ext cx="10758692" cy="0"/>
           </a:xfrm>
           <a:prstGeom prst="line">
@@ -5594,17 +5606,29 @@
           <a:p>
             <a:pPr algn="ctr"/>
             <a:r>
-              <a:rPr lang="en-US" dirty="0" smtClean="0"/>
+              <a:rPr lang="en-US" dirty="0" smtClean="0">
+                <a:latin typeface="Chalkboard" charset="0"/>
+                <a:ea typeface="Chalkboard" charset="0"/>
+                <a:cs typeface="Chalkboard" charset="0"/>
+              </a:rPr>
               <a:t>Directors Production Tracker</a:t>
             </a:r>
           </a:p>
           <a:p>
             <a:pPr algn="ctr"/>
             <a:r>
-              <a:rPr lang="en-US" sz="1200" dirty="0" smtClean="0"/>
+              <a:rPr lang="en-US" sz="1200" dirty="0" smtClean="0">
+                <a:latin typeface="Ayuthaya" charset="-34"/>
+                <a:ea typeface="Ayuthaya" charset="-34"/>
+                <a:cs typeface="Ayuthaya" charset="-34"/>
+              </a:rPr>
               <a:t>Website Description</a:t>
             </a:r>
-            <a:endParaRPr lang="en-US" sz="1200" dirty="0"/>
+            <a:endParaRPr lang="en-US" sz="1200" dirty="0">
+              <a:latin typeface="Ayuthaya" charset="-34"/>
+              <a:ea typeface="Ayuthaya" charset="-34"/>
+              <a:cs typeface="Ayuthaya" charset="-34"/>
+            </a:endParaRPr>
           </a:p>
         </p:txBody>
       </p:sp>
@@ -5670,8 +5694,8 @@
         </p:nvSpPr>
         <p:spPr>
           <a:xfrm>
-            <a:off x="10063771" y="1775448"/>
-            <a:ext cx="993696" cy="369332"/>
+            <a:off x="10048898" y="1775479"/>
+            <a:ext cx="1084189" cy="369332"/>
           </a:xfrm>
           <a:prstGeom prst="rect">
             <a:avLst/>
@@ -5685,10 +5709,18 @@
           <a:lstStyle/>
           <a:p>
             <a:r>
-              <a:rPr lang="en-US" smtClean="0"/>
+              <a:rPr lang="en-US" dirty="0" smtClean="0">
+                <a:latin typeface="Chalkboard" charset="0"/>
+                <a:ea typeface="Chalkboard" charset="0"/>
+                <a:cs typeface="Chalkboard" charset="0"/>
+              </a:rPr>
               <a:t>Director</a:t>
             </a:r>
-            <a:endParaRPr lang="en-US"/>
+            <a:endParaRPr lang="en-US" dirty="0">
+              <a:latin typeface="Chalkboard" charset="0"/>
+              <a:ea typeface="Chalkboard" charset="0"/>
+              <a:cs typeface="Chalkboard" charset="0"/>
+            </a:endParaRPr>
           </a:p>
         </p:txBody>
       </p:sp>
@@ -5697,7 +5729,7 @@
           <p:cNvPr id="94" name="Oval 93">
             <a:extLst>
               <a:ext uri="{FF2B5EF4-FFF2-40B4-BE49-F238E27FC236}">
-                <a16:creationId xmlns="" xmlns:a16="http://schemas.microsoft.com/office/drawing/2014/main" id="{8C0DA4ED-39FD-4377-8220-4CF979EFB3DA}"/>
+                <a16:creationId xmlns:a16="http://schemas.microsoft.com/office/drawing/2014/main" xmlns="" id="{8C0DA4ED-39FD-4377-8220-4CF979EFB3DA}"/>
               </a:ext>
             </a:extLst>
           </p:cNvPr>
@@ -5751,7 +5783,7 @@
           <p:cNvPr id="95" name="Oval 94">
             <a:extLst>
               <a:ext uri="{FF2B5EF4-FFF2-40B4-BE49-F238E27FC236}">
-                <a16:creationId xmlns="" xmlns:a16="http://schemas.microsoft.com/office/drawing/2014/main" id="{8C0DA4ED-39FD-4377-8220-4CF979EFB3DA}"/>
+                <a16:creationId xmlns:a16="http://schemas.microsoft.com/office/drawing/2014/main" xmlns="" id="{8C0DA4ED-39FD-4377-8220-4CF979EFB3DA}"/>
               </a:ext>
             </a:extLst>
           </p:cNvPr>
@@ -5805,7 +5837,7 @@
           <p:cNvPr id="98" name="Oval 97">
             <a:extLst>
               <a:ext uri="{FF2B5EF4-FFF2-40B4-BE49-F238E27FC236}">
-                <a16:creationId xmlns="" xmlns:a16="http://schemas.microsoft.com/office/drawing/2014/main" id="{8C0DA4ED-39FD-4377-8220-4CF979EFB3DA}"/>
+                <a16:creationId xmlns:a16="http://schemas.microsoft.com/office/drawing/2014/main" xmlns="" id="{8C0DA4ED-39FD-4377-8220-4CF979EFB3DA}"/>
               </a:ext>
             </a:extLst>
           </p:cNvPr>
@@ -5859,7 +5891,7 @@
           <p:cNvPr id="105" name="Straight Arrow Connector 104">
             <a:extLst>
               <a:ext uri="{FF2B5EF4-FFF2-40B4-BE49-F238E27FC236}">
-                <a16:creationId xmlns="" xmlns:a16="http://schemas.microsoft.com/office/drawing/2014/main" id="{C821B187-5F90-40F9-8DE6-E44B02A4C3BF}"/>
+                <a16:creationId xmlns:a16="http://schemas.microsoft.com/office/drawing/2014/main" xmlns="" id="{C821B187-5F90-40F9-8DE6-E44B02A4C3BF}"/>
               </a:ext>
             </a:extLst>
           </p:cNvPr>
@@ -5903,7 +5935,7 @@
           <p:cNvPr id="107" name="TextBox 106">
             <a:extLst>
               <a:ext uri="{FF2B5EF4-FFF2-40B4-BE49-F238E27FC236}">
-                <a16:creationId xmlns="" xmlns:a16="http://schemas.microsoft.com/office/drawing/2014/main" id="{6BFE790D-F0D2-438C-8FE7-0CDDEB47B4F8}"/>
+                <a16:creationId xmlns:a16="http://schemas.microsoft.com/office/drawing/2014/main" xmlns="" id="{6BFE790D-F0D2-438C-8FE7-0CDDEB47B4F8}"/>
               </a:ext>
             </a:extLst>
           </p:cNvPr>
@@ -5912,7 +5944,7 @@
         </p:nvSpPr>
         <p:spPr>
           <a:xfrm>
-            <a:off x="10638434" y="3324035"/>
+            <a:off x="10623077" y="3222453"/>
             <a:ext cx="2788387" cy="338554"/>
           </a:xfrm>
           <a:prstGeom prst="rect">
@@ -5927,10 +5959,18 @@
           <a:lstStyle/>
           <a:p>
             <a:r>
-              <a:rPr lang="en-US" sz="1600" b="1" smtClean="0">
+              <a:rPr lang="en-US" sz="1600" b="1" dirty="0" smtClean="0">
+                <a:latin typeface="Bradley Hand" charset="0"/>
+                <a:ea typeface="Bradley Hand" charset="0"/>
+                <a:cs typeface="Bradley Hand" charset="0"/>
+              </a:rPr>
+              <a:t>Legend</a:t>
+            </a:r>
+            <a:r>
+              <a:rPr lang="en-US" sz="1600" b="1" dirty="0" smtClean="0">
                 <a:latin typeface="Ink Free" panose="03080402000500000000" pitchFamily="66" charset="0"/>
               </a:rPr>
-              <a:t>Legend </a:t>
+              <a:t> </a:t>
             </a:r>
             <a:endParaRPr lang="en-US" sz="1600" b="1" dirty="0">
               <a:latin typeface="Ink Free" panose="03080402000500000000" pitchFamily="66" charset="0"/>
@@ -6078,10 +6118,18 @@
           <a:p>
             <a:pPr algn="ctr"/>
             <a:r>
-              <a:rPr lang="en-US" sz="1400" dirty="0" smtClean="0"/>
+              <a:rPr lang="en-US" sz="1400" dirty="0" smtClean="0">
+                <a:latin typeface="Abadi MT Condensed Light" charset="0"/>
+                <a:ea typeface="Abadi MT Condensed Light" charset="0"/>
+                <a:cs typeface="Abadi MT Condensed Light" charset="0"/>
+              </a:rPr>
               <a:t>Functionality Introduction</a:t>
             </a:r>
-            <a:endParaRPr lang="en-US" sz="1400" dirty="0"/>
+            <a:endParaRPr lang="en-US" sz="1400" dirty="0">
+              <a:latin typeface="Abadi MT Condensed Light" charset="0"/>
+              <a:ea typeface="Abadi MT Condensed Light" charset="0"/>
+              <a:cs typeface="Abadi MT Condensed Light" charset="0"/>
+            </a:endParaRPr>
           </a:p>
         </p:txBody>
       </p:sp>

--- a/img/sketch/app_sketch.pptx
+++ b/img/sketch/app_sketch.pptx
@@ -197,7 +197,7 @@
           <a:p>
             <a:fld id="{32DD0055-43E6-9044-95AF-B65387BEF08C}" type="datetimeFigureOut">
               <a:rPr lang="en-US" smtClean="0"/>
-              <a:t>11/28/19</a:t>
+              <a:t>11/29/2019</a:t>
             </a:fld>
             <a:endParaRPr lang="en-US"/>
           </a:p>
@@ -261,38 +261,37 @@
           <a:p>
             <a:pPr lvl="0"/>
             <a:r>
-              <a:rPr lang="en-US" smtClean="0"/>
+              <a:rPr lang="en-US"/>
               <a:t>Click to edit Master text styles</a:t>
             </a:r>
           </a:p>
           <a:p>
             <a:pPr lvl="1"/>
             <a:r>
-              <a:rPr lang="en-US" smtClean="0"/>
+              <a:rPr lang="en-US"/>
               <a:t>Second level</a:t>
             </a:r>
           </a:p>
           <a:p>
             <a:pPr lvl="2"/>
             <a:r>
-              <a:rPr lang="en-US" smtClean="0"/>
+              <a:rPr lang="en-US"/>
               <a:t>Third level</a:t>
             </a:r>
           </a:p>
           <a:p>
             <a:pPr lvl="3"/>
             <a:r>
-              <a:rPr lang="en-US" smtClean="0"/>
+              <a:rPr lang="en-US"/>
               <a:t>Fourth level</a:t>
             </a:r>
           </a:p>
           <a:p>
             <a:pPr lvl="4"/>
             <a:r>
-              <a:rPr lang="en-US" smtClean="0"/>
+              <a:rPr lang="en-US"/>
               <a:t>Fifth level</a:t>
             </a:r>
-            <a:endParaRPr lang="en-US"/>
           </a:p>
         </p:txBody>
       </p:sp>
@@ -594,7 +593,7 @@
           <a:p>
             <a:fld id="{24F81815-F26E-0943-B0A9-F4657508C3D9}" type="datetimeFigureOut">
               <a:rPr lang="en-US" smtClean="0"/>
-              <a:t>11/28/19</a:t>
+              <a:t>11/29/2019</a:t>
             </a:fld>
             <a:endParaRPr lang="en-US"/>
           </a:p>
@@ -762,7 +761,7 @@
           <a:p>
             <a:fld id="{24F81815-F26E-0943-B0A9-F4657508C3D9}" type="datetimeFigureOut">
               <a:rPr lang="en-US" smtClean="0"/>
-              <a:t>11/28/19</a:t>
+              <a:t>11/29/2019</a:t>
             </a:fld>
             <a:endParaRPr lang="en-US"/>
           </a:p>
@@ -940,7 +939,7 @@
           <a:p>
             <a:fld id="{24F81815-F26E-0943-B0A9-F4657508C3D9}" type="datetimeFigureOut">
               <a:rPr lang="en-US" smtClean="0"/>
-              <a:t>11/28/19</a:t>
+              <a:t>11/29/2019</a:t>
             </a:fld>
             <a:endParaRPr lang="en-US"/>
           </a:p>
@@ -1108,7 +1107,7 @@
           <a:p>
             <a:fld id="{24F81815-F26E-0943-B0A9-F4657508C3D9}" type="datetimeFigureOut">
               <a:rPr lang="en-US" smtClean="0"/>
-              <a:t>11/28/19</a:t>
+              <a:t>11/29/2019</a:t>
             </a:fld>
             <a:endParaRPr lang="en-US"/>
           </a:p>
@@ -1353,7 +1352,7 @@
           <a:p>
             <a:fld id="{24F81815-F26E-0943-B0A9-F4657508C3D9}" type="datetimeFigureOut">
               <a:rPr lang="en-US" smtClean="0"/>
-              <a:t>11/28/19</a:t>
+              <a:t>11/29/2019</a:t>
             </a:fld>
             <a:endParaRPr lang="en-US"/>
           </a:p>
@@ -1582,7 +1581,7 @@
           <a:p>
             <a:fld id="{24F81815-F26E-0943-B0A9-F4657508C3D9}" type="datetimeFigureOut">
               <a:rPr lang="en-US" smtClean="0"/>
-              <a:t>11/28/19</a:t>
+              <a:t>11/29/2019</a:t>
             </a:fld>
             <a:endParaRPr lang="en-US"/>
           </a:p>
@@ -1946,7 +1945,7 @@
           <a:p>
             <a:fld id="{24F81815-F26E-0943-B0A9-F4657508C3D9}" type="datetimeFigureOut">
               <a:rPr lang="en-US" smtClean="0"/>
-              <a:t>11/28/19</a:t>
+              <a:t>11/29/2019</a:t>
             </a:fld>
             <a:endParaRPr lang="en-US"/>
           </a:p>
@@ -2063,7 +2062,7 @@
           <a:p>
             <a:fld id="{24F81815-F26E-0943-B0A9-F4657508C3D9}" type="datetimeFigureOut">
               <a:rPr lang="en-US" smtClean="0"/>
-              <a:t>11/28/19</a:t>
+              <a:t>11/29/2019</a:t>
             </a:fld>
             <a:endParaRPr lang="en-US"/>
           </a:p>
@@ -2158,7 +2157,7 @@
           <a:p>
             <a:fld id="{24F81815-F26E-0943-B0A9-F4657508C3D9}" type="datetimeFigureOut">
               <a:rPr lang="en-US" smtClean="0"/>
-              <a:t>11/28/19</a:t>
+              <a:t>11/29/2019</a:t>
             </a:fld>
             <a:endParaRPr lang="en-US"/>
           </a:p>
@@ -2433,7 +2432,7 @@
           <a:p>
             <a:fld id="{24F81815-F26E-0943-B0A9-F4657508C3D9}" type="datetimeFigureOut">
               <a:rPr lang="en-US" smtClean="0"/>
-              <a:t>11/28/19</a:t>
+              <a:t>11/29/2019</a:t>
             </a:fld>
             <a:endParaRPr lang="en-US"/>
           </a:p>
@@ -2685,7 +2684,7 @@
           <a:p>
             <a:fld id="{24F81815-F26E-0943-B0A9-F4657508C3D9}" type="datetimeFigureOut">
               <a:rPr lang="en-US" smtClean="0"/>
-              <a:t>11/28/19</a:t>
+              <a:t>11/29/2019</a:t>
             </a:fld>
             <a:endParaRPr lang="en-US"/>
           </a:p>
@@ -2896,7 +2895,7 @@
           <a:p>
             <a:fld id="{24F81815-F26E-0943-B0A9-F4657508C3D9}" type="datetimeFigureOut">
               <a:rPr lang="en-US" smtClean="0"/>
-              <a:t>11/28/19</a:t>
+              <a:t>11/29/2019</a:t>
             </a:fld>
             <a:endParaRPr lang="en-US"/>
           </a:p>
@@ -3309,8 +3308,8 @@
         </p:nvSpPr>
         <p:spPr>
           <a:xfrm>
-            <a:off x="1155440" y="424595"/>
-            <a:ext cx="10758691" cy="788482"/>
+            <a:off x="1155440" y="436835"/>
+            <a:ext cx="9661363" cy="776242"/>
           </a:xfrm>
           <a:prstGeom prst="rect">
             <a:avLst/>
@@ -3355,10 +3354,10 @@
         </p:nvGrpSpPr>
         <p:grpSpPr>
           <a:xfrm rot="5400000">
-            <a:off x="1071609" y="1738649"/>
-            <a:ext cx="4756021" cy="4581558"/>
-            <a:chOff x="3971494" y="82515"/>
-            <a:chExt cx="7678796" cy="2942706"/>
+            <a:off x="936632" y="1766849"/>
+            <a:ext cx="4668474" cy="4481866"/>
+            <a:chOff x="3971494" y="82514"/>
+            <a:chExt cx="7537448" cy="2878675"/>
           </a:xfrm>
         </p:grpSpPr>
         <p:sp>
@@ -3369,8 +3368,8 @@
           </p:nvSpPr>
           <p:spPr>
             <a:xfrm rot="16200000">
-              <a:off x="3017161" y="1036848"/>
-              <a:ext cx="2504968" cy="596302"/>
+              <a:off x="3086259" y="967749"/>
+              <a:ext cx="2366771" cy="596302"/>
             </a:xfrm>
             <a:prstGeom prst="rect">
               <a:avLst/>
@@ -3392,23 +3391,7 @@
                     <a:schemeClr val="bg1"/>
                   </a:solidFill>
                 </a:rPr>
-                <a:t>Top </a:t>
-              </a:r>
-              <a:r>
-                <a:rPr lang="en-US" smtClean="0">
-                  <a:solidFill>
-                    <a:schemeClr val="bg1"/>
-                  </a:solidFill>
-                </a:rPr>
-                <a:t>30  Most Productive </a:t>
-              </a:r>
-              <a:r>
-                <a:rPr lang="en-US" dirty="0">
-                  <a:solidFill>
-                    <a:schemeClr val="bg1"/>
-                  </a:solidFill>
-                </a:rPr>
-                <a:t>Directors</a:t>
+                <a:t>Top 30  Most Productive Directors</a:t>
               </a:r>
             </a:p>
           </p:txBody>
@@ -3416,13 +3399,15 @@
         <p:cxnSp>
           <p:nvCxnSpPr>
             <p:cNvPr id="7" name="Straight Connector 6"/>
-            <p:cNvCxnSpPr/>
+            <p:cNvCxnSpPr>
+              <a:cxnSpLocks/>
+            </p:cNvCxnSpPr>
             <p:nvPr/>
           </p:nvCxnSpPr>
           <p:spPr>
-            <a:xfrm>
-              <a:off x="4506686" y="2465614"/>
-              <a:ext cx="6678385" cy="16329"/>
+            <a:xfrm rot="16200000" flipH="1">
+              <a:off x="7807691" y="-752571"/>
+              <a:ext cx="16328" cy="6452700"/>
             </a:xfrm>
             <a:prstGeom prst="line">
               <a:avLst/>
@@ -3451,7 +3436,7 @@
           </p:nvSpPr>
           <p:spPr>
             <a:xfrm>
-              <a:off x="4588329" y="1289957"/>
+              <a:off x="4766913" y="1280484"/>
               <a:ext cx="293914" cy="1175657"/>
             </a:xfrm>
             <a:prstGeom prst="rect">
@@ -3492,7 +3477,7 @@
           </p:nvSpPr>
           <p:spPr>
             <a:xfrm>
-              <a:off x="5192485" y="1779814"/>
+              <a:off x="5287728" y="1760870"/>
               <a:ext cx="283029" cy="693964"/>
             </a:xfrm>
             <a:prstGeom prst="rect">
@@ -3533,8 +3518,8 @@
           </p:nvSpPr>
           <p:spPr>
             <a:xfrm>
-              <a:off x="5785756" y="996043"/>
-              <a:ext cx="277586" cy="1453243"/>
+              <a:off x="5857189" y="1005516"/>
+              <a:ext cx="277587" cy="1453243"/>
             </a:xfrm>
             <a:prstGeom prst="rect">
               <a:avLst/>
@@ -3656,7 +3641,7 @@
           </p:nvSpPr>
           <p:spPr>
             <a:xfrm>
-              <a:off x="7554682" y="2149145"/>
+              <a:off x="7507063" y="2144409"/>
               <a:ext cx="291196" cy="324633"/>
             </a:xfrm>
             <a:prstGeom prst="rect">
@@ -3697,7 +3682,7 @@
           </p:nvSpPr>
           <p:spPr>
             <a:xfrm>
-              <a:off x="8161562" y="1779814"/>
+              <a:off x="8090130" y="1779814"/>
               <a:ext cx="280309" cy="693964"/>
             </a:xfrm>
             <a:prstGeom prst="rect">
@@ -3738,8 +3723,8 @@
           </p:nvSpPr>
           <p:spPr>
             <a:xfrm>
-              <a:off x="8768442" y="810203"/>
-              <a:ext cx="310243" cy="1663575"/>
+              <a:off x="8661292" y="810203"/>
+              <a:ext cx="310242" cy="1663575"/>
             </a:xfrm>
             <a:prstGeom prst="rect">
               <a:avLst/>
@@ -3779,8 +3764,8 @@
           </p:nvSpPr>
           <p:spPr>
             <a:xfrm>
-              <a:off x="9375322" y="1528660"/>
-              <a:ext cx="321125" cy="953283"/>
+              <a:off x="9268170" y="1528660"/>
+              <a:ext cx="321124" cy="953283"/>
             </a:xfrm>
             <a:prstGeom prst="rect">
               <a:avLst/>
@@ -3820,7 +3805,7 @@
           </p:nvSpPr>
           <p:spPr>
             <a:xfrm>
-              <a:off x="10012136" y="1257300"/>
+              <a:off x="9904987" y="1257300"/>
               <a:ext cx="332014" cy="1216478"/>
             </a:xfrm>
             <a:prstGeom prst="rect">
@@ -3861,8 +3846,8 @@
           </p:nvSpPr>
           <p:spPr>
             <a:xfrm>
-              <a:off x="10659839" y="2269671"/>
-              <a:ext cx="277586" cy="204107"/>
+              <a:off x="10516974" y="2269671"/>
+              <a:ext cx="277587" cy="204107"/>
             </a:xfrm>
             <a:prstGeom prst="rect">
               <a:avLst/>
@@ -3901,9 +3886,9 @@
             <p:nvPr/>
           </p:nvSpPr>
           <p:spPr>
-            <a:xfrm>
-              <a:off x="7238997" y="2605217"/>
-              <a:ext cx="2084157" cy="420004"/>
+            <a:xfrm rot="10800000">
+              <a:off x="6153542" y="2525794"/>
+              <a:ext cx="2084157" cy="237220"/>
             </a:xfrm>
             <a:prstGeom prst="rect">
               <a:avLst/>
@@ -3922,7 +3907,7 @@
                     <a:schemeClr val="tx2"/>
                   </a:solidFill>
                 </a:rPr>
-                <a:t>Directors</a:t>
+                <a:t>Director</a:t>
               </a:r>
             </a:p>
           </p:txBody>
@@ -3935,7 +3920,7 @@
           </p:nvSpPr>
           <p:spPr>
             <a:xfrm>
-              <a:off x="10904912" y="254528"/>
+              <a:off x="10763564" y="411468"/>
               <a:ext cx="745378" cy="2549721"/>
             </a:xfrm>
             <a:prstGeom prst="rect">
@@ -3967,7 +3952,7 @@
           <p:cNvPr id="27" name="Rectangle 26">
             <a:extLst>
               <a:ext uri="{FF2B5EF4-FFF2-40B4-BE49-F238E27FC236}">
-                <a16:creationId xmlns:a16="http://schemas.microsoft.com/office/drawing/2014/main" xmlns="" id="{D7D4A0B3-60F7-4EC4-80FA-ABEF393D61C7}"/>
+                <a16:creationId xmlns:a16="http://schemas.microsoft.com/office/drawing/2014/main" id="{D7D4A0B3-60F7-4EC4-80FA-ABEF393D61C7}"/>
               </a:ext>
             </a:extLst>
           </p:cNvPr>
@@ -3976,8 +3961,8 @@
         </p:nvSpPr>
         <p:spPr>
           <a:xfrm>
-            <a:off x="1140728" y="415145"/>
-            <a:ext cx="10773404" cy="5869157"/>
+            <a:off x="1140728" y="424595"/>
+            <a:ext cx="9676075" cy="5837585"/>
           </a:xfrm>
           <a:prstGeom prst="rect">
             <a:avLst/>
@@ -4019,7 +4004,7 @@
           <p:cNvPr id="76" name="Straight Arrow Connector 75">
             <a:extLst>
               <a:ext uri="{FF2B5EF4-FFF2-40B4-BE49-F238E27FC236}">
-                <a16:creationId xmlns:a16="http://schemas.microsoft.com/office/drawing/2014/main" xmlns="" id="{27E91071-DC6B-4FAD-BAAF-DAA1738C6E03}"/>
+                <a16:creationId xmlns:a16="http://schemas.microsoft.com/office/drawing/2014/main" id="{27E91071-DC6B-4FAD-BAAF-DAA1738C6E03}"/>
               </a:ext>
             </a:extLst>
           </p:cNvPr>
@@ -4063,7 +4048,7 @@
           <p:cNvPr id="77" name="TextBox 76">
             <a:extLst>
               <a:ext uri="{FF2B5EF4-FFF2-40B4-BE49-F238E27FC236}">
-                <a16:creationId xmlns:a16="http://schemas.microsoft.com/office/drawing/2014/main" xmlns="" id="{CE8C0DCD-7D27-4BEA-871C-E5863C238267}"/>
+                <a16:creationId xmlns:a16="http://schemas.microsoft.com/office/drawing/2014/main" id="{CE8C0DCD-7D27-4BEA-871C-E5863C238267}"/>
               </a:ext>
             </a:extLst>
           </p:cNvPr>
@@ -4072,7 +4057,7 @@
         </p:nvSpPr>
         <p:spPr>
           <a:xfrm>
-            <a:off x="1482820" y="1307856"/>
+            <a:off x="1313214" y="1270985"/>
             <a:ext cx="1409212" cy="369332"/>
           </a:xfrm>
           <a:prstGeom prst="rect">
@@ -4088,7 +4073,7 @@
           <a:p>
             <a:r>
               <a:rPr lang="en-US" dirty="0">
-                <a:latin typeface="Chalkboard" charset="0"/>
+                <a:latin typeface="Berlin Sans FB" panose="020E0602020502020306" pitchFamily="34" charset="0"/>
                 <a:ea typeface="Chalkboard" charset="0"/>
                 <a:cs typeface="Chalkboard" charset="0"/>
               </a:rPr>
@@ -4102,7 +4087,7 @@
           <p:cNvPr id="80" name="TextBox 79">
             <a:extLst>
               <a:ext uri="{FF2B5EF4-FFF2-40B4-BE49-F238E27FC236}">
-                <a16:creationId xmlns:a16="http://schemas.microsoft.com/office/drawing/2014/main" xmlns="" id="{E86AE56D-87DB-4A7B-96B7-0DC85D6B08B9}"/>
+                <a16:creationId xmlns:a16="http://schemas.microsoft.com/office/drawing/2014/main" id="{E86AE56D-87DB-4A7B-96B7-0DC85D6B08B9}"/>
               </a:ext>
             </a:extLst>
           </p:cNvPr>
@@ -4111,7 +4096,7 @@
         </p:nvSpPr>
         <p:spPr>
           <a:xfrm>
-            <a:off x="139920" y="729593"/>
+            <a:off x="148256" y="932929"/>
             <a:ext cx="1291810" cy="584775"/>
           </a:xfrm>
           <a:prstGeom prst="rect">
@@ -4127,7 +4112,7 @@
           <a:p>
             <a:r>
               <a:rPr lang="en-US" sz="1600" b="1" dirty="0">
-                <a:latin typeface="Bradley Hand" charset="0"/>
+                <a:latin typeface="Ink Free" panose="03080402000500000000" pitchFamily="66" charset="0"/>
                 <a:ea typeface="Bradley Hand" charset="0"/>
                 <a:cs typeface="Bradley Hand" charset="0"/>
               </a:rPr>
@@ -4137,7 +4122,7 @@
           <a:p>
             <a:r>
               <a:rPr lang="en-US" sz="1600" b="1" dirty="0">
-                <a:latin typeface="Bradley Hand" charset="0"/>
+                <a:latin typeface="Ink Free" panose="03080402000500000000" pitchFamily="66" charset="0"/>
                 <a:ea typeface="Bradley Hand" charset="0"/>
                 <a:cs typeface="Bradley Hand" charset="0"/>
               </a:rPr>
@@ -4151,7 +4136,7 @@
           <p:cNvPr id="86" name="Rectangle: Rounded Corners 85">
             <a:extLst>
               <a:ext uri="{FF2B5EF4-FFF2-40B4-BE49-F238E27FC236}">
-                <a16:creationId xmlns:a16="http://schemas.microsoft.com/office/drawing/2014/main" xmlns="" id="{D0943646-EAEE-40B1-9FC5-0ED8510A5799}"/>
+                <a16:creationId xmlns:a16="http://schemas.microsoft.com/office/drawing/2014/main" id="{D0943646-EAEE-40B1-9FC5-0ED8510A5799}"/>
               </a:ext>
             </a:extLst>
           </p:cNvPr>
@@ -4160,11 +4145,13 @@
         </p:nvSpPr>
         <p:spPr>
           <a:xfrm>
-            <a:off x="11698767" y="3240705"/>
-            <a:ext cx="234413" cy="3034979"/>
+            <a:off x="10577885" y="1211289"/>
+            <a:ext cx="215364" cy="5034900"/>
           </a:xfrm>
           <a:prstGeom prst="roundRect">
-            <a:avLst/>
+            <a:avLst>
+              <a:gd name="adj" fmla="val 16667"/>
+            </a:avLst>
           </a:prstGeom>
           <a:solidFill>
             <a:schemeClr val="bg1"/>
@@ -4205,7 +4192,7 @@
           <p:cNvPr id="88" name="Rectangle: Rounded Corners 87">
             <a:extLst>
               <a:ext uri="{FF2B5EF4-FFF2-40B4-BE49-F238E27FC236}">
-                <a16:creationId xmlns:a16="http://schemas.microsoft.com/office/drawing/2014/main" xmlns="" id="{03102BC5-3231-40BD-AF3F-E042D4C35AA0}"/>
+                <a16:creationId xmlns:a16="http://schemas.microsoft.com/office/drawing/2014/main" id="{03102BC5-3231-40BD-AF3F-E042D4C35AA0}"/>
               </a:ext>
             </a:extLst>
           </p:cNvPr>
@@ -4214,7 +4201,7 @@
         </p:nvSpPr>
         <p:spPr>
           <a:xfrm>
-            <a:off x="11698768" y="3955729"/>
+            <a:off x="10577885" y="3926233"/>
             <a:ext cx="215364" cy="331916"/>
           </a:xfrm>
           <a:prstGeom prst="roundRect">
@@ -4259,7 +4246,7 @@
           <p:cNvPr id="89" name="Straight Arrow Connector 88">
             <a:extLst>
               <a:ext uri="{FF2B5EF4-FFF2-40B4-BE49-F238E27FC236}">
-                <a16:creationId xmlns:a16="http://schemas.microsoft.com/office/drawing/2014/main" xmlns="" id="{82F4F613-91FC-4731-9ECC-6E5BCDD64878}"/>
+                <a16:creationId xmlns:a16="http://schemas.microsoft.com/office/drawing/2014/main" id="{82F4F613-91FC-4731-9ECC-6E5BCDD64878}"/>
               </a:ext>
             </a:extLst>
           </p:cNvPr>
@@ -4270,7 +4257,7 @@
         </p:nvCxnSpPr>
         <p:spPr>
           <a:xfrm flipV="1">
-            <a:off x="11483788" y="5960341"/>
+            <a:off x="10561854" y="5960341"/>
             <a:ext cx="123713" cy="422530"/>
           </a:xfrm>
           <a:prstGeom prst="straightConnector1">
@@ -4303,7 +4290,7 @@
           <p:cNvPr id="103" name="Oval 102">
             <a:extLst>
               <a:ext uri="{FF2B5EF4-FFF2-40B4-BE49-F238E27FC236}">
-                <a16:creationId xmlns:a16="http://schemas.microsoft.com/office/drawing/2014/main" xmlns="" id="{8321FC2E-C92C-4EE9-8E19-198F1F6880E6}"/>
+                <a16:creationId xmlns:a16="http://schemas.microsoft.com/office/drawing/2014/main" id="{8321FC2E-C92C-4EE9-8E19-198F1F6880E6}"/>
               </a:ext>
             </a:extLst>
           </p:cNvPr>
@@ -4312,7 +4299,7 @@
         </p:nvSpPr>
         <p:spPr>
           <a:xfrm>
-            <a:off x="8238122" y="2740526"/>
+            <a:off x="7943155" y="2740526"/>
             <a:ext cx="58671" cy="59189"/>
           </a:xfrm>
           <a:prstGeom prst="ellipse">
@@ -4357,7 +4344,7 @@
           <p:cNvPr id="112" name="Oval 111">
             <a:extLst>
               <a:ext uri="{FF2B5EF4-FFF2-40B4-BE49-F238E27FC236}">
-                <a16:creationId xmlns:a16="http://schemas.microsoft.com/office/drawing/2014/main" xmlns="" id="{3CA0C167-1E12-4746-AC9A-6E0DEFFB4108}"/>
+                <a16:creationId xmlns:a16="http://schemas.microsoft.com/office/drawing/2014/main" id="{3CA0C167-1E12-4746-AC9A-6E0DEFFB4108}"/>
               </a:ext>
             </a:extLst>
           </p:cNvPr>
@@ -4366,7 +4353,7 @@
         </p:nvSpPr>
         <p:spPr>
           <a:xfrm>
-            <a:off x="8078161" y="5097837"/>
+            <a:off x="7783194" y="5097837"/>
             <a:ext cx="58671" cy="59189"/>
           </a:xfrm>
           <a:prstGeom prst="ellipse">
@@ -4414,7 +4401,7 @@
         </p:nvGrpSpPr>
         <p:grpSpPr>
           <a:xfrm>
-            <a:off x="6012415" y="3800042"/>
+            <a:off x="5717448" y="3800042"/>
             <a:ext cx="3541451" cy="2419087"/>
             <a:chOff x="8651347" y="3625214"/>
             <a:chExt cx="2604406" cy="2364042"/>
@@ -4556,18 +4543,13 @@
               <a:lstStyle/>
               <a:p>
                 <a:r>
-                  <a:rPr lang="en-US">
+                  <a:rPr lang="en-US" dirty="0">
                     <a:solidFill>
                       <a:schemeClr val="tx2"/>
                     </a:solidFill>
                   </a:rPr>
                   <a:t>Worldwide Profits</a:t>
                 </a:r>
-                <a:endParaRPr lang="en-US" dirty="0">
-                  <a:solidFill>
-                    <a:schemeClr val="tx2"/>
-                  </a:solidFill>
-                </a:endParaRPr>
               </a:p>
             </p:txBody>
           </p:sp>
@@ -4577,7 +4559,7 @@
             <p:cNvPr id="108" name="Oval 107">
               <a:extLst>
                 <a:ext uri="{FF2B5EF4-FFF2-40B4-BE49-F238E27FC236}">
-                  <a16:creationId xmlns:a16="http://schemas.microsoft.com/office/drawing/2014/main" xmlns="" id="{FCB7EBE7-71D0-4252-911A-C37824B82898}"/>
+                  <a16:creationId xmlns:a16="http://schemas.microsoft.com/office/drawing/2014/main" id="{FCB7EBE7-71D0-4252-911A-C37824B82898}"/>
                 </a:ext>
               </a:extLst>
             </p:cNvPr>
@@ -4631,7 +4613,7 @@
             <p:cNvPr id="109" name="Oval 108">
               <a:extLst>
                 <a:ext uri="{FF2B5EF4-FFF2-40B4-BE49-F238E27FC236}">
-                  <a16:creationId xmlns:a16="http://schemas.microsoft.com/office/drawing/2014/main" xmlns="" id="{8F69B8C9-9AC1-4A07-8A38-C03CE4C37FB7}"/>
+                  <a16:creationId xmlns:a16="http://schemas.microsoft.com/office/drawing/2014/main" id="{8F69B8C9-9AC1-4A07-8A38-C03CE4C37FB7}"/>
                 </a:ext>
               </a:extLst>
             </p:cNvPr>
@@ -4685,7 +4667,7 @@
             <p:cNvPr id="110" name="Oval 109">
               <a:extLst>
                 <a:ext uri="{FF2B5EF4-FFF2-40B4-BE49-F238E27FC236}">
-                  <a16:creationId xmlns:a16="http://schemas.microsoft.com/office/drawing/2014/main" xmlns="" id="{2A3D726D-570B-4DC9-9D07-972D0BC95103}"/>
+                  <a16:creationId xmlns:a16="http://schemas.microsoft.com/office/drawing/2014/main" id="{2A3D726D-570B-4DC9-9D07-972D0BC95103}"/>
                 </a:ext>
               </a:extLst>
             </p:cNvPr>
@@ -4739,7 +4721,7 @@
             <p:cNvPr id="111" name="Oval 110">
               <a:extLst>
                 <a:ext uri="{FF2B5EF4-FFF2-40B4-BE49-F238E27FC236}">
-                  <a16:creationId xmlns:a16="http://schemas.microsoft.com/office/drawing/2014/main" xmlns="" id="{70A84870-9F8B-4A17-8F4D-91B56E7B8E11}"/>
+                  <a16:creationId xmlns:a16="http://schemas.microsoft.com/office/drawing/2014/main" id="{70A84870-9F8B-4A17-8F4D-91B56E7B8E11}"/>
                 </a:ext>
               </a:extLst>
             </p:cNvPr>
@@ -4793,7 +4775,7 @@
             <p:cNvPr id="115" name="Oval 114">
               <a:extLst>
                 <a:ext uri="{FF2B5EF4-FFF2-40B4-BE49-F238E27FC236}">
-                  <a16:creationId xmlns:a16="http://schemas.microsoft.com/office/drawing/2014/main" xmlns="" id="{572127C1-6D61-4C2E-8059-598212BB99CF}"/>
+                  <a16:creationId xmlns:a16="http://schemas.microsoft.com/office/drawing/2014/main" id="{572127C1-6D61-4C2E-8059-598212BB99CF}"/>
                 </a:ext>
               </a:extLst>
             </p:cNvPr>
@@ -4843,729 +4825,34 @@
           </p:txBody>
         </p:sp>
       </p:grpSp>
-      <p:grpSp>
-        <p:nvGrpSpPr>
-          <p:cNvPr id="26" name="Group 25"/>
-          <p:cNvGrpSpPr/>
-          <p:nvPr/>
-        </p:nvGrpSpPr>
-        <p:grpSpPr>
-          <a:xfrm>
-            <a:off x="5991322" y="1396805"/>
-            <a:ext cx="4697004" cy="2328102"/>
-            <a:chOff x="8127892" y="480177"/>
-            <a:chExt cx="4313548" cy="2328102"/>
-          </a:xfrm>
-        </p:grpSpPr>
-        <p:cxnSp>
-          <p:nvCxnSpPr>
-            <p:cNvPr id="104" name="Straight Connector 103">
-              <a:extLst>
-                <a:ext uri="{FF2B5EF4-FFF2-40B4-BE49-F238E27FC236}">
-                  <a16:creationId xmlns:a16="http://schemas.microsoft.com/office/drawing/2014/main" xmlns="" id="{5F74147B-BED1-43A8-9B93-DD26CF0362C0}"/>
-                </a:ext>
-              </a:extLst>
-            </p:cNvPr>
-            <p:cNvCxnSpPr>
-              <a:cxnSpLocks/>
-            </p:cNvCxnSpPr>
-            <p:nvPr/>
-          </p:nvCxnSpPr>
-          <p:spPr>
-            <a:xfrm>
-              <a:off x="9640702" y="1154735"/>
-              <a:ext cx="517153" cy="0"/>
-            </a:xfrm>
-            <a:prstGeom prst="line">
-              <a:avLst/>
-            </a:prstGeom>
-            <a:ln w="57150">
-              <a:solidFill>
-                <a:schemeClr val="accent3"/>
-              </a:solidFill>
-              <a:prstDash val="sysDot"/>
-            </a:ln>
-          </p:spPr>
-          <p:style>
-            <a:lnRef idx="1">
-              <a:schemeClr val="accent1"/>
-            </a:lnRef>
-            <a:fillRef idx="0">
-              <a:schemeClr val="accent1"/>
-            </a:fillRef>
-            <a:effectRef idx="0">
-              <a:schemeClr val="accent1"/>
-            </a:effectRef>
-            <a:fontRef idx="minor">
-              <a:schemeClr val="tx1"/>
-            </a:fontRef>
-          </p:style>
-        </p:cxnSp>
-        <p:cxnSp>
-          <p:nvCxnSpPr>
-            <p:cNvPr id="106" name="Straight Connector 105">
-              <a:extLst>
-                <a:ext uri="{FF2B5EF4-FFF2-40B4-BE49-F238E27FC236}">
-                  <a16:creationId xmlns:a16="http://schemas.microsoft.com/office/drawing/2014/main" xmlns="" id="{11A18E14-59E9-4553-BB3B-F3491D39C75F}"/>
-                </a:ext>
-              </a:extLst>
-            </p:cNvPr>
-            <p:cNvCxnSpPr>
-              <a:cxnSpLocks/>
-            </p:cNvCxnSpPr>
-            <p:nvPr/>
-          </p:nvCxnSpPr>
-          <p:spPr>
-            <a:xfrm>
-              <a:off x="9646852" y="1364119"/>
-              <a:ext cx="517153" cy="0"/>
-            </a:xfrm>
-            <a:prstGeom prst="line">
-              <a:avLst/>
-            </a:prstGeom>
-            <a:ln w="57150">
-              <a:solidFill>
-                <a:schemeClr val="accent3"/>
-              </a:solidFill>
-              <a:prstDash val="sysDot"/>
-            </a:ln>
-          </p:spPr>
-          <p:style>
-            <a:lnRef idx="1">
-              <a:schemeClr val="accent1"/>
-            </a:lnRef>
-            <a:fillRef idx="0">
-              <a:schemeClr val="accent1"/>
-            </a:fillRef>
-            <a:effectRef idx="0">
-              <a:schemeClr val="accent1"/>
-            </a:effectRef>
-            <a:fontRef idx="minor">
-              <a:schemeClr val="tx1"/>
-            </a:fontRef>
-          </p:style>
-        </p:cxnSp>
-        <p:grpSp>
-          <p:nvGrpSpPr>
-            <p:cNvPr id="2" name="Group 1"/>
-            <p:cNvGrpSpPr/>
-            <p:nvPr/>
-          </p:nvGrpSpPr>
-          <p:grpSpPr>
-            <a:xfrm>
-              <a:off x="8127892" y="480177"/>
-              <a:ext cx="4313548" cy="2328102"/>
-              <a:chOff x="6039426" y="3525793"/>
-              <a:chExt cx="4313548" cy="2328102"/>
-            </a:xfrm>
-          </p:grpSpPr>
-          <p:grpSp>
-            <p:nvGrpSpPr>
-              <p:cNvPr id="34" name="Group 33"/>
-              <p:cNvGrpSpPr/>
-              <p:nvPr/>
-            </p:nvGrpSpPr>
-            <p:grpSpPr>
-              <a:xfrm>
-                <a:off x="6039426" y="3525793"/>
-                <a:ext cx="2469591" cy="2328102"/>
-                <a:chOff x="3690258" y="3483539"/>
-                <a:chExt cx="3110592" cy="2328103"/>
-              </a:xfrm>
-            </p:grpSpPr>
-            <p:sp>
-              <p:nvSpPr>
-                <p:cNvPr id="23" name="TextBox 22"/>
-                <p:cNvSpPr txBox="1"/>
-                <p:nvPr/>
-              </p:nvSpPr>
-              <p:spPr>
-                <a:xfrm>
-                  <a:off x="5216954" y="3483539"/>
-                  <a:ext cx="1072243" cy="369331"/>
-                </a:xfrm>
-                <a:prstGeom prst="rect">
-                  <a:avLst/>
-                </a:prstGeom>
-                <a:solidFill>
-                  <a:schemeClr val="accent3"/>
-                </a:solidFill>
-              </p:spPr>
-              <p:txBody>
-                <a:bodyPr wrap="square" rtlCol="0">
-                  <a:spAutoFit/>
-                </a:bodyPr>
-                <a:lstStyle/>
-                <a:p>
-                  <a:pPr algn="ctr"/>
-                  <a:r>
-                    <a:rPr lang="en-US" dirty="0">
-                      <a:solidFill>
-                        <a:schemeClr val="bg1"/>
-                      </a:solidFill>
-                    </a:rPr>
-                    <a:t>Ratings</a:t>
-                  </a:r>
-                </a:p>
-              </p:txBody>
-            </p:sp>
-            <p:cxnSp>
-              <p:nvCxnSpPr>
-                <p:cNvPr id="25" name="Straight Connector 24"/>
-                <p:cNvCxnSpPr/>
-                <p:nvPr/>
-              </p:nvCxnSpPr>
-              <p:spPr>
-                <a:xfrm>
-                  <a:off x="4147457" y="5453743"/>
-                  <a:ext cx="2653393" cy="0"/>
-                </a:xfrm>
-                <a:prstGeom prst="line">
-                  <a:avLst/>
-                </a:prstGeom>
-              </p:spPr>
-              <p:style>
-                <a:lnRef idx="1">
-                  <a:schemeClr val="dk1"/>
-                </a:lnRef>
-                <a:fillRef idx="0">
-                  <a:schemeClr val="dk1"/>
-                </a:fillRef>
-                <a:effectRef idx="0">
-                  <a:schemeClr val="dk1"/>
-                </a:effectRef>
-                <a:fontRef idx="minor">
-                  <a:schemeClr val="tx1"/>
-                </a:fontRef>
-              </p:style>
-            </p:cxnSp>
-            <p:sp>
-              <p:nvSpPr>
-                <p:cNvPr id="32" name="TextBox 31"/>
-                <p:cNvSpPr txBox="1"/>
-                <p:nvPr/>
-              </p:nvSpPr>
-              <p:spPr>
-                <a:xfrm>
-                  <a:off x="5018314" y="5442310"/>
-                  <a:ext cx="1649185" cy="369332"/>
-                </a:xfrm>
-                <a:prstGeom prst="rect">
-                  <a:avLst/>
-                </a:prstGeom>
-                <a:noFill/>
-              </p:spPr>
-              <p:txBody>
-                <a:bodyPr wrap="square" rtlCol="0">
-                  <a:spAutoFit/>
-                </a:bodyPr>
-                <a:lstStyle/>
-                <a:p>
-                  <a:r>
-                    <a:rPr lang="en-US" dirty="0">
-                      <a:solidFill>
-                        <a:schemeClr val="tx2"/>
-                      </a:solidFill>
-                    </a:rPr>
-                    <a:t>Year</a:t>
-                  </a:r>
-                </a:p>
-              </p:txBody>
-            </p:sp>
-            <p:sp>
-              <p:nvSpPr>
-                <p:cNvPr id="33" name="TextBox 32"/>
-                <p:cNvSpPr txBox="1"/>
-                <p:nvPr/>
-              </p:nvSpPr>
-              <p:spPr>
-                <a:xfrm>
-                  <a:off x="3690258" y="3530083"/>
-                  <a:ext cx="461665" cy="1453243"/>
-                </a:xfrm>
-                <a:prstGeom prst="rect">
-                  <a:avLst/>
-                </a:prstGeom>
-                <a:noFill/>
-              </p:spPr>
-              <p:txBody>
-                <a:bodyPr vert="vert270" wrap="square" rtlCol="0">
-                  <a:spAutoFit/>
-                </a:bodyPr>
-                <a:lstStyle/>
-                <a:p>
-                  <a:r>
-                    <a:rPr lang="en-US" dirty="0">
-                      <a:solidFill>
-                        <a:schemeClr val="tx2"/>
-                      </a:solidFill>
-                    </a:rPr>
-                    <a:t>Marks</a:t>
-                  </a:r>
-                </a:p>
-              </p:txBody>
-            </p:sp>
-          </p:grpSp>
-          <p:sp>
-            <p:nvSpPr>
-              <p:cNvPr id="91" name="TextBox 90">
-                <a:extLst>
-                  <a:ext uri="{FF2B5EF4-FFF2-40B4-BE49-F238E27FC236}">
-                    <a16:creationId xmlns:a16="http://schemas.microsoft.com/office/drawing/2014/main" xmlns="" id="{FEC47976-6018-44C2-85CA-FE09627F731F}"/>
-                  </a:ext>
-                </a:extLst>
-              </p:cNvPr>
-              <p:cNvSpPr txBox="1"/>
-              <p:nvPr/>
-            </p:nvSpPr>
-            <p:spPr>
-              <a:xfrm>
-                <a:off x="7564587" y="5063190"/>
-                <a:ext cx="2788387" cy="338554"/>
-              </a:xfrm>
-              <a:prstGeom prst="rect">
-                <a:avLst/>
-              </a:prstGeom>
-              <a:noFill/>
-            </p:spPr>
-            <p:txBody>
-              <a:bodyPr wrap="square" rtlCol="0">
-                <a:spAutoFit/>
-              </a:bodyPr>
-              <a:lstStyle/>
-              <a:p>
-                <a:r>
-                  <a:rPr lang="en-US" sz="1600" b="1" dirty="0">
-                    <a:latin typeface="Bradley Hand" charset="0"/>
-                    <a:ea typeface="Bradley Hand" charset="0"/>
-                    <a:cs typeface="Bradley Hand" charset="0"/>
-                  </a:rPr>
-                  <a:t>Show Tooltip on Brush</a:t>
-                </a:r>
-              </a:p>
-            </p:txBody>
-          </p:sp>
-          <p:sp>
-            <p:nvSpPr>
-              <p:cNvPr id="92" name="Speech Bubble: Rectangle 91">
-                <a:extLst>
-                  <a:ext uri="{FF2B5EF4-FFF2-40B4-BE49-F238E27FC236}">
-                    <a16:creationId xmlns:a16="http://schemas.microsoft.com/office/drawing/2014/main" xmlns="" id="{0EBE6E0A-FFFC-41DD-8175-54097C406DC3}"/>
-                  </a:ext>
-                </a:extLst>
-              </p:cNvPr>
-              <p:cNvSpPr/>
-              <p:nvPr/>
-            </p:nvSpPr>
-            <p:spPr>
-              <a:xfrm>
-                <a:off x="7464682" y="4010679"/>
-                <a:ext cx="664927" cy="512786"/>
-              </a:xfrm>
-              <a:prstGeom prst="wedgeRectCallout">
-                <a:avLst/>
-              </a:prstGeom>
-              <a:noFill/>
-              <a:ln>
-                <a:solidFill>
-                  <a:schemeClr val="accent3"/>
-                </a:solidFill>
-              </a:ln>
-            </p:spPr>
-            <p:style>
-              <a:lnRef idx="2">
-                <a:schemeClr val="accent1">
-                  <a:shade val="50000"/>
-                </a:schemeClr>
-              </a:lnRef>
-              <a:fillRef idx="1">
-                <a:schemeClr val="accent1"/>
-              </a:fillRef>
-              <a:effectRef idx="0">
-                <a:schemeClr val="accent1"/>
-              </a:effectRef>
-              <a:fontRef idx="minor">
-                <a:schemeClr val="lt1"/>
-              </a:fontRef>
-            </p:style>
-            <p:txBody>
-              <a:bodyPr rtlCol="0" anchor="ctr"/>
-              <a:lstStyle/>
-              <a:p>
-                <a:pPr algn="ctr"/>
-                <a:endParaRPr lang="en-US" dirty="0"/>
-              </a:p>
-            </p:txBody>
-          </p:sp>
-          <p:sp>
-            <p:nvSpPr>
-              <p:cNvPr id="99" name="Oval 98">
-                <a:extLst>
-                  <a:ext uri="{FF2B5EF4-FFF2-40B4-BE49-F238E27FC236}">
-                    <a16:creationId xmlns:a16="http://schemas.microsoft.com/office/drawing/2014/main" xmlns="" id="{77A01DE3-D264-4442-93A1-6D2568246996}"/>
-                  </a:ext>
-                </a:extLst>
-              </p:cNvPr>
-              <p:cNvSpPr/>
-              <p:nvPr/>
-            </p:nvSpPr>
-            <p:spPr>
-              <a:xfrm>
-                <a:off x="6732931" y="4418052"/>
-                <a:ext cx="58671" cy="59189"/>
-              </a:xfrm>
-              <a:prstGeom prst="ellipse">
-                <a:avLst/>
-              </a:prstGeom>
-              <a:solidFill>
-                <a:schemeClr val="tx1"/>
-              </a:solidFill>
-              <a:ln>
-                <a:solidFill>
-                  <a:schemeClr val="tx1"/>
-                </a:solidFill>
-              </a:ln>
-            </p:spPr>
-            <p:style>
-              <a:lnRef idx="2">
-                <a:schemeClr val="accent1">
-                  <a:shade val="50000"/>
-                </a:schemeClr>
-              </a:lnRef>
-              <a:fillRef idx="1">
-                <a:schemeClr val="accent1"/>
-              </a:fillRef>
-              <a:effectRef idx="0">
-                <a:schemeClr val="accent1"/>
-              </a:effectRef>
-              <a:fontRef idx="minor">
-                <a:schemeClr val="lt1"/>
-              </a:fontRef>
-            </p:style>
-            <p:txBody>
-              <a:bodyPr rtlCol="0" anchor="ctr"/>
-              <a:lstStyle/>
-              <a:p>
-                <a:pPr algn="ctr"/>
-                <a:endParaRPr lang="en-US"/>
-              </a:p>
-            </p:txBody>
-          </p:sp>
-          <p:sp>
-            <p:nvSpPr>
-              <p:cNvPr id="100" name="Oval 99">
-                <a:extLst>
-                  <a:ext uri="{FF2B5EF4-FFF2-40B4-BE49-F238E27FC236}">
-                    <a16:creationId xmlns:a16="http://schemas.microsoft.com/office/drawing/2014/main" xmlns="" id="{8C0DA4ED-39FD-4377-8220-4CF979EFB3DA}"/>
-                  </a:ext>
-                </a:extLst>
-              </p:cNvPr>
-              <p:cNvSpPr/>
-              <p:nvPr/>
-            </p:nvSpPr>
-            <p:spPr>
-              <a:xfrm>
-                <a:off x="6913039" y="4570452"/>
-                <a:ext cx="58671" cy="59189"/>
-              </a:xfrm>
-              <a:prstGeom prst="ellipse">
-                <a:avLst/>
-              </a:prstGeom>
-              <a:solidFill>
-                <a:schemeClr val="tx1"/>
-              </a:solidFill>
-              <a:ln>
-                <a:solidFill>
-                  <a:schemeClr val="tx1"/>
-                </a:solidFill>
-              </a:ln>
-            </p:spPr>
-            <p:style>
-              <a:lnRef idx="2">
-                <a:schemeClr val="accent1">
-                  <a:shade val="50000"/>
-                </a:schemeClr>
-              </a:lnRef>
-              <a:fillRef idx="1">
-                <a:schemeClr val="accent1"/>
-              </a:fillRef>
-              <a:effectRef idx="0">
-                <a:schemeClr val="accent1"/>
-              </a:effectRef>
-              <a:fontRef idx="minor">
-                <a:schemeClr val="lt1"/>
-              </a:fontRef>
-            </p:style>
-            <p:txBody>
-              <a:bodyPr rtlCol="0" anchor="ctr"/>
-              <a:lstStyle/>
-              <a:p>
-                <a:pPr algn="ctr"/>
-                <a:endParaRPr lang="en-US"/>
-              </a:p>
-            </p:txBody>
-          </p:sp>
-          <p:sp>
-            <p:nvSpPr>
-              <p:cNvPr id="101" name="Oval 100">
-                <a:extLst>
-                  <a:ext uri="{FF2B5EF4-FFF2-40B4-BE49-F238E27FC236}">
-                    <a16:creationId xmlns:a16="http://schemas.microsoft.com/office/drawing/2014/main" xmlns="" id="{0CA6F27A-B930-454D-82BD-58102846F6CD}"/>
-                  </a:ext>
-                </a:extLst>
-              </p:cNvPr>
-              <p:cNvSpPr/>
-              <p:nvPr/>
-            </p:nvSpPr>
-            <p:spPr>
-              <a:xfrm>
-                <a:off x="7266285" y="4418052"/>
-                <a:ext cx="58671" cy="59189"/>
-              </a:xfrm>
-              <a:prstGeom prst="ellipse">
-                <a:avLst/>
-              </a:prstGeom>
-              <a:solidFill>
-                <a:schemeClr val="tx1"/>
-              </a:solidFill>
-              <a:ln>
-                <a:solidFill>
-                  <a:schemeClr val="tx1"/>
-                </a:solidFill>
-              </a:ln>
-            </p:spPr>
-            <p:style>
-              <a:lnRef idx="2">
-                <a:schemeClr val="accent1">
-                  <a:shade val="50000"/>
-                </a:schemeClr>
-              </a:lnRef>
-              <a:fillRef idx="1">
-                <a:schemeClr val="accent1"/>
-              </a:fillRef>
-              <a:effectRef idx="0">
-                <a:schemeClr val="accent1"/>
-              </a:effectRef>
-              <a:fontRef idx="minor">
-                <a:schemeClr val="lt1"/>
-              </a:fontRef>
-            </p:style>
-            <p:txBody>
-              <a:bodyPr rtlCol="0" anchor="ctr"/>
-              <a:lstStyle/>
-              <a:p>
-                <a:pPr algn="ctr"/>
-                <a:endParaRPr lang="en-US"/>
-              </a:p>
-            </p:txBody>
-          </p:sp>
-          <p:sp>
-            <p:nvSpPr>
-              <p:cNvPr id="102" name="Oval 101">
-                <a:extLst>
-                  <a:ext uri="{FF2B5EF4-FFF2-40B4-BE49-F238E27FC236}">
-                    <a16:creationId xmlns:a16="http://schemas.microsoft.com/office/drawing/2014/main" xmlns="" id="{AED01084-D69F-4D3E-BC42-AA59AA2C3BE2}"/>
-                  </a:ext>
-                </a:extLst>
-              </p:cNvPr>
-              <p:cNvSpPr/>
-              <p:nvPr/>
-            </p:nvSpPr>
-            <p:spPr>
-              <a:xfrm>
-                <a:off x="7600196" y="4652343"/>
-                <a:ext cx="58671" cy="59189"/>
-              </a:xfrm>
-              <a:prstGeom prst="ellipse">
-                <a:avLst/>
-              </a:prstGeom>
-              <a:solidFill>
-                <a:schemeClr val="tx1"/>
-              </a:solidFill>
-              <a:ln>
-                <a:solidFill>
-                  <a:schemeClr val="tx1"/>
-                </a:solidFill>
-              </a:ln>
-            </p:spPr>
-            <p:style>
-              <a:lnRef idx="2">
-                <a:schemeClr val="accent1">
-                  <a:shade val="50000"/>
-                </a:schemeClr>
-              </a:lnRef>
-              <a:fillRef idx="1">
-                <a:schemeClr val="accent1"/>
-              </a:fillRef>
-              <a:effectRef idx="0">
-                <a:schemeClr val="accent1"/>
-              </a:effectRef>
-              <a:fontRef idx="minor">
-                <a:schemeClr val="lt1"/>
-              </a:fontRef>
-            </p:style>
-            <p:txBody>
-              <a:bodyPr rtlCol="0" anchor="ctr"/>
-              <a:lstStyle/>
-              <a:p>
-                <a:pPr algn="ctr"/>
-                <a:endParaRPr lang="en-US"/>
-              </a:p>
-            </p:txBody>
-          </p:sp>
-          <p:sp>
-            <p:nvSpPr>
-              <p:cNvPr id="116" name="Oval 115">
-                <a:extLst>
-                  <a:ext uri="{FF2B5EF4-FFF2-40B4-BE49-F238E27FC236}">
-                    <a16:creationId xmlns:a16="http://schemas.microsoft.com/office/drawing/2014/main" xmlns="" id="{810B726E-36D3-4B68-A09E-D5B39BC38494}"/>
-                  </a:ext>
-                </a:extLst>
-              </p:cNvPr>
-              <p:cNvSpPr/>
-              <p:nvPr/>
-            </p:nvSpPr>
-            <p:spPr>
-              <a:xfrm>
-                <a:off x="7896628" y="5102987"/>
-                <a:ext cx="58671" cy="59189"/>
-              </a:xfrm>
-              <a:prstGeom prst="ellipse">
-                <a:avLst/>
-              </a:prstGeom>
-              <a:solidFill>
-                <a:schemeClr val="tx1"/>
-              </a:solidFill>
-              <a:ln>
-                <a:solidFill>
-                  <a:schemeClr val="tx1"/>
-                </a:solidFill>
-              </a:ln>
-            </p:spPr>
-            <p:style>
-              <a:lnRef idx="2">
-                <a:schemeClr val="accent1">
-                  <a:shade val="50000"/>
-                </a:schemeClr>
-              </a:lnRef>
-              <a:fillRef idx="1">
-                <a:schemeClr val="accent1"/>
-              </a:fillRef>
-              <a:effectRef idx="0">
-                <a:schemeClr val="accent1"/>
-              </a:effectRef>
-              <a:fontRef idx="minor">
-                <a:schemeClr val="lt1"/>
-              </a:fontRef>
-            </p:style>
-            <p:txBody>
-              <a:bodyPr rtlCol="0" anchor="ctr"/>
-              <a:lstStyle/>
-              <a:p>
-                <a:pPr algn="ctr"/>
-                <a:endParaRPr lang="en-US"/>
-              </a:p>
-            </p:txBody>
-          </p:sp>
-          <p:cxnSp>
-            <p:nvCxnSpPr>
-              <p:cNvPr id="117" name="Straight Arrow Connector 116">
-                <a:extLst>
-                  <a:ext uri="{FF2B5EF4-FFF2-40B4-BE49-F238E27FC236}">
-                    <a16:creationId xmlns:a16="http://schemas.microsoft.com/office/drawing/2014/main" xmlns="" id="{38B89455-5A96-420F-8515-7C6054D245C7}"/>
-                  </a:ext>
-                </a:extLst>
-              </p:cNvPr>
-              <p:cNvCxnSpPr>
-                <a:cxnSpLocks/>
-              </p:cNvCxnSpPr>
-              <p:nvPr/>
-            </p:nvCxnSpPr>
-            <p:spPr>
-              <a:xfrm flipH="1" flipV="1">
-                <a:off x="8093613" y="4553428"/>
-                <a:ext cx="309533" cy="419132"/>
-              </a:xfrm>
-              <a:prstGeom prst="straightConnector1">
-                <a:avLst/>
-              </a:prstGeom>
-              <a:ln w="28575">
-                <a:solidFill>
-                  <a:schemeClr val="tx1"/>
-                </a:solidFill>
-                <a:tailEnd type="triangle"/>
-              </a:ln>
-            </p:spPr>
-            <p:style>
-              <a:lnRef idx="1">
-                <a:schemeClr val="accent1"/>
-              </a:lnRef>
-              <a:fillRef idx="0">
-                <a:schemeClr val="accent1"/>
-              </a:fillRef>
-              <a:effectRef idx="0">
-                <a:schemeClr val="accent1"/>
-              </a:effectRef>
-              <a:fontRef idx="minor">
-                <a:schemeClr val="tx1"/>
-              </a:fontRef>
-            </p:style>
-          </p:cxnSp>
-        </p:grpSp>
-      </p:grpSp>
-      <p:sp>
-        <p:nvSpPr>
-          <p:cNvPr id="119" name="TextBox 118">
+      <p:cxnSp>
+        <p:nvCxnSpPr>
+          <p:cNvPr id="104" name="Straight Connector 103">
             <a:extLst>
               <a:ext uri="{FF2B5EF4-FFF2-40B4-BE49-F238E27FC236}">
-                <a16:creationId xmlns:a16="http://schemas.microsoft.com/office/drawing/2014/main" xmlns="" id="{8376F348-E111-414B-A05E-8684219AF14C}"/>
+                <a16:creationId xmlns:a16="http://schemas.microsoft.com/office/drawing/2014/main" id="{5F74147B-BED1-43A8-9B93-DD26CF0362C0}"/>
               </a:ext>
             </a:extLst>
           </p:cNvPr>
-          <p:cNvSpPr txBox="1"/>
-          <p:nvPr/>
-        </p:nvSpPr>
-        <p:spPr>
-          <a:xfrm>
-            <a:off x="10885526" y="6385984"/>
-            <a:ext cx="2788387" cy="338554"/>
-          </a:xfrm>
-          <a:prstGeom prst="rect">
-            <a:avLst/>
-          </a:prstGeom>
-          <a:noFill/>
-        </p:spPr>
-        <p:txBody>
-          <a:bodyPr wrap="square" rtlCol="0">
-            <a:spAutoFit/>
-          </a:bodyPr>
-          <a:lstStyle/>
-          <a:p>
-            <a:r>
-              <a:rPr lang="en-US" sz="1600" b="1" dirty="0">
-                <a:latin typeface="Bradley Hand" charset="0"/>
-                <a:ea typeface="Bradley Hand" charset="0"/>
-                <a:cs typeface="Bradley Hand" charset="0"/>
-              </a:rPr>
-              <a:t>Scroll Bar</a:t>
-            </a:r>
-          </a:p>
-        </p:txBody>
-      </p:sp>
-      <p:cxnSp>
-        <p:nvCxnSpPr>
-          <p:cNvPr id="38" name="Straight Connector 37"/>
-          <p:cNvCxnSpPr/>
+          <p:cNvCxnSpPr>
+            <a:cxnSpLocks/>
+          </p:cNvCxnSpPr>
           <p:nvPr/>
         </p:nvCxnSpPr>
         <p:spPr>
           <a:xfrm>
-            <a:off x="1140728" y="1226930"/>
-            <a:ext cx="10758692" cy="0"/>
+            <a:off x="8018426" y="4830319"/>
+            <a:ext cx="563126" cy="0"/>
           </a:xfrm>
           <a:prstGeom prst="line">
             <a:avLst/>
           </a:prstGeom>
+          <a:ln w="57150">
+            <a:solidFill>
+              <a:schemeClr val="accent3"/>
+            </a:solidFill>
+            <a:prstDash val="sysDot"/>
+          </a:ln>
         </p:spPr>
         <p:style>
           <a:lnRef idx="1">
@@ -5582,6 +4869,641 @@
           </a:fontRef>
         </p:style>
       </p:cxnSp>
+      <p:cxnSp>
+        <p:nvCxnSpPr>
+          <p:cNvPr id="106" name="Straight Connector 105">
+            <a:extLst>
+              <a:ext uri="{FF2B5EF4-FFF2-40B4-BE49-F238E27FC236}">
+                <a16:creationId xmlns:a16="http://schemas.microsoft.com/office/drawing/2014/main" id="{11A18E14-59E9-4553-BB3B-F3491D39C75F}"/>
+              </a:ext>
+            </a:extLst>
+          </p:cNvPr>
+          <p:cNvCxnSpPr>
+            <a:cxnSpLocks/>
+          </p:cNvCxnSpPr>
+          <p:nvPr/>
+        </p:nvCxnSpPr>
+        <p:spPr>
+          <a:xfrm>
+            <a:off x="8025123" y="5039703"/>
+            <a:ext cx="563126" cy="0"/>
+          </a:xfrm>
+          <a:prstGeom prst="line">
+            <a:avLst/>
+          </a:prstGeom>
+          <a:ln w="57150">
+            <a:solidFill>
+              <a:schemeClr val="accent3"/>
+            </a:solidFill>
+            <a:prstDash val="sysDot"/>
+          </a:ln>
+        </p:spPr>
+        <p:style>
+          <a:lnRef idx="1">
+            <a:schemeClr val="accent1"/>
+          </a:lnRef>
+          <a:fillRef idx="0">
+            <a:schemeClr val="accent1"/>
+          </a:fillRef>
+          <a:effectRef idx="0">
+            <a:schemeClr val="accent1"/>
+          </a:effectRef>
+          <a:fontRef idx="minor">
+            <a:schemeClr val="tx1"/>
+          </a:fontRef>
+        </p:style>
+      </p:cxnSp>
+      <p:grpSp>
+        <p:nvGrpSpPr>
+          <p:cNvPr id="34" name="Group 33"/>
+          <p:cNvGrpSpPr/>
+          <p:nvPr/>
+        </p:nvGrpSpPr>
+        <p:grpSpPr>
+          <a:xfrm>
+            <a:off x="5678109" y="1129685"/>
+            <a:ext cx="2707373" cy="2595222"/>
+            <a:chOff x="3669153" y="3216419"/>
+            <a:chExt cx="3131697" cy="2595223"/>
+          </a:xfrm>
+        </p:grpSpPr>
+        <p:sp>
+          <p:nvSpPr>
+            <p:cNvPr id="23" name="TextBox 22"/>
+            <p:cNvSpPr txBox="1"/>
+            <p:nvPr/>
+          </p:nvSpPr>
+          <p:spPr>
+            <a:xfrm>
+              <a:off x="5216954" y="3483539"/>
+              <a:ext cx="1072243" cy="369331"/>
+            </a:xfrm>
+            <a:prstGeom prst="rect">
+              <a:avLst/>
+            </a:prstGeom>
+            <a:solidFill>
+              <a:schemeClr val="accent3"/>
+            </a:solidFill>
+          </p:spPr>
+          <p:txBody>
+            <a:bodyPr wrap="square" rtlCol="0">
+              <a:spAutoFit/>
+            </a:bodyPr>
+            <a:lstStyle/>
+            <a:p>
+              <a:pPr algn="ctr"/>
+              <a:r>
+                <a:rPr lang="en-US" dirty="0">
+                  <a:solidFill>
+                    <a:schemeClr val="bg1"/>
+                  </a:solidFill>
+                </a:rPr>
+                <a:t>Ratings</a:t>
+              </a:r>
+            </a:p>
+          </p:txBody>
+        </p:sp>
+        <p:cxnSp>
+          <p:nvCxnSpPr>
+            <p:cNvPr id="25" name="Straight Connector 24"/>
+            <p:cNvCxnSpPr/>
+            <p:nvPr/>
+          </p:nvCxnSpPr>
+          <p:spPr>
+            <a:xfrm>
+              <a:off x="4147457" y="5453743"/>
+              <a:ext cx="2653393" cy="0"/>
+            </a:xfrm>
+            <a:prstGeom prst="line">
+              <a:avLst/>
+            </a:prstGeom>
+          </p:spPr>
+          <p:style>
+            <a:lnRef idx="1">
+              <a:schemeClr val="dk1"/>
+            </a:lnRef>
+            <a:fillRef idx="0">
+              <a:schemeClr val="dk1"/>
+            </a:fillRef>
+            <a:effectRef idx="0">
+              <a:schemeClr val="dk1"/>
+            </a:effectRef>
+            <a:fontRef idx="minor">
+              <a:schemeClr val="tx1"/>
+            </a:fontRef>
+          </p:style>
+        </p:cxnSp>
+        <p:sp>
+          <p:nvSpPr>
+            <p:cNvPr id="32" name="TextBox 31"/>
+            <p:cNvSpPr txBox="1"/>
+            <p:nvPr/>
+          </p:nvSpPr>
+          <p:spPr>
+            <a:xfrm>
+              <a:off x="5018314" y="5442310"/>
+              <a:ext cx="1649185" cy="369332"/>
+            </a:xfrm>
+            <a:prstGeom prst="rect">
+              <a:avLst/>
+            </a:prstGeom>
+            <a:noFill/>
+          </p:spPr>
+          <p:txBody>
+            <a:bodyPr wrap="square" rtlCol="0">
+              <a:spAutoFit/>
+            </a:bodyPr>
+            <a:lstStyle/>
+            <a:p>
+              <a:r>
+                <a:rPr lang="en-US" dirty="0">
+                  <a:solidFill>
+                    <a:schemeClr val="tx2"/>
+                  </a:solidFill>
+                </a:rPr>
+                <a:t>Year</a:t>
+              </a:r>
+            </a:p>
+          </p:txBody>
+        </p:sp>
+        <p:sp>
+          <p:nvSpPr>
+            <p:cNvPr id="33" name="TextBox 32"/>
+            <p:cNvSpPr txBox="1"/>
+            <p:nvPr/>
+          </p:nvSpPr>
+          <p:spPr>
+            <a:xfrm>
+              <a:off x="3669153" y="3216419"/>
+              <a:ext cx="534021" cy="2059934"/>
+            </a:xfrm>
+            <a:prstGeom prst="rect">
+              <a:avLst/>
+            </a:prstGeom>
+            <a:noFill/>
+          </p:spPr>
+          <p:txBody>
+            <a:bodyPr vert="vert270" wrap="square" rtlCol="0">
+              <a:spAutoFit/>
+            </a:bodyPr>
+            <a:lstStyle/>
+            <a:p>
+              <a:r>
+                <a:rPr lang="en-US" dirty="0">
+                  <a:solidFill>
+                    <a:schemeClr val="tx2"/>
+                  </a:solidFill>
+                </a:rPr>
+                <a:t>IMDB Rating</a:t>
+              </a:r>
+            </a:p>
+          </p:txBody>
+        </p:sp>
+      </p:grpSp>
+      <p:sp>
+        <p:nvSpPr>
+          <p:cNvPr id="91" name="TextBox 90">
+            <a:extLst>
+              <a:ext uri="{FF2B5EF4-FFF2-40B4-BE49-F238E27FC236}">
+                <a16:creationId xmlns:a16="http://schemas.microsoft.com/office/drawing/2014/main" id="{FEC47976-6018-44C2-85CA-FE09627F731F}"/>
+              </a:ext>
+            </a:extLst>
+          </p:cNvPr>
+          <p:cNvSpPr txBox="1"/>
+          <p:nvPr/>
+        </p:nvSpPr>
+        <p:spPr>
+          <a:xfrm>
+            <a:off x="7755756" y="6347405"/>
+            <a:ext cx="3036263" cy="338554"/>
+          </a:xfrm>
+          <a:prstGeom prst="rect">
+            <a:avLst/>
+          </a:prstGeom>
+          <a:noFill/>
+        </p:spPr>
+        <p:txBody>
+          <a:bodyPr wrap="square" rtlCol="0">
+            <a:spAutoFit/>
+          </a:bodyPr>
+          <a:lstStyle/>
+          <a:p>
+            <a:r>
+              <a:rPr lang="en-US" sz="1600" b="1" dirty="0">
+                <a:latin typeface="Ink Free" panose="03080402000500000000" pitchFamily="66" charset="0"/>
+                <a:ea typeface="Bradley Hand" charset="0"/>
+                <a:cs typeface="Bradley Hand" charset="0"/>
+              </a:rPr>
+              <a:t>Show Tooltip on Brush</a:t>
+            </a:r>
+          </a:p>
+        </p:txBody>
+      </p:sp>
+      <p:sp>
+        <p:nvSpPr>
+          <p:cNvPr id="92" name="Speech Bubble: Rectangle 91">
+            <a:extLst>
+              <a:ext uri="{FF2B5EF4-FFF2-40B4-BE49-F238E27FC236}">
+                <a16:creationId xmlns:a16="http://schemas.microsoft.com/office/drawing/2014/main" id="{0EBE6E0A-FFFC-41DD-8175-54097C406DC3}"/>
+              </a:ext>
+            </a:extLst>
+          </p:cNvPr>
+          <p:cNvSpPr/>
+          <p:nvPr/>
+        </p:nvSpPr>
+        <p:spPr>
+          <a:xfrm>
+            <a:off x="7913470" y="4695954"/>
+            <a:ext cx="724036" cy="512786"/>
+          </a:xfrm>
+          <a:prstGeom prst="wedgeRectCallout">
+            <a:avLst/>
+          </a:prstGeom>
+          <a:noFill/>
+          <a:ln>
+            <a:solidFill>
+              <a:schemeClr val="accent3"/>
+            </a:solidFill>
+          </a:ln>
+        </p:spPr>
+        <p:style>
+          <a:lnRef idx="2">
+            <a:schemeClr val="accent1">
+              <a:shade val="50000"/>
+            </a:schemeClr>
+          </a:lnRef>
+          <a:fillRef idx="1">
+            <a:schemeClr val="accent1"/>
+          </a:fillRef>
+          <a:effectRef idx="0">
+            <a:schemeClr val="accent1"/>
+          </a:effectRef>
+          <a:fontRef idx="minor">
+            <a:schemeClr val="lt1"/>
+          </a:fontRef>
+        </p:style>
+        <p:txBody>
+          <a:bodyPr rtlCol="0" anchor="ctr"/>
+          <a:lstStyle/>
+          <a:p>
+            <a:pPr algn="ctr"/>
+            <a:endParaRPr lang="en-US" dirty="0"/>
+          </a:p>
+        </p:txBody>
+      </p:sp>
+      <p:sp>
+        <p:nvSpPr>
+          <p:cNvPr id="99" name="Oval 98">
+            <a:extLst>
+              <a:ext uri="{FF2B5EF4-FFF2-40B4-BE49-F238E27FC236}">
+                <a16:creationId xmlns:a16="http://schemas.microsoft.com/office/drawing/2014/main" id="{77A01DE3-D264-4442-93A1-6D2568246996}"/>
+              </a:ext>
+            </a:extLst>
+          </p:cNvPr>
+          <p:cNvSpPr/>
+          <p:nvPr/>
+        </p:nvSpPr>
+        <p:spPr>
+          <a:xfrm>
+            <a:off x="6451509" y="2289064"/>
+            <a:ext cx="63887" cy="59189"/>
+          </a:xfrm>
+          <a:prstGeom prst="ellipse">
+            <a:avLst/>
+          </a:prstGeom>
+          <a:solidFill>
+            <a:schemeClr val="tx1"/>
+          </a:solidFill>
+          <a:ln>
+            <a:solidFill>
+              <a:schemeClr val="tx1"/>
+            </a:solidFill>
+          </a:ln>
+        </p:spPr>
+        <p:style>
+          <a:lnRef idx="2">
+            <a:schemeClr val="accent1">
+              <a:shade val="50000"/>
+            </a:schemeClr>
+          </a:lnRef>
+          <a:fillRef idx="1">
+            <a:schemeClr val="accent1"/>
+          </a:fillRef>
+          <a:effectRef idx="0">
+            <a:schemeClr val="accent1"/>
+          </a:effectRef>
+          <a:fontRef idx="minor">
+            <a:schemeClr val="lt1"/>
+          </a:fontRef>
+        </p:style>
+        <p:txBody>
+          <a:bodyPr rtlCol="0" anchor="ctr"/>
+          <a:lstStyle/>
+          <a:p>
+            <a:pPr algn="ctr"/>
+            <a:endParaRPr lang="en-US"/>
+          </a:p>
+        </p:txBody>
+      </p:sp>
+      <p:sp>
+        <p:nvSpPr>
+          <p:cNvPr id="100" name="Oval 99">
+            <a:extLst>
+              <a:ext uri="{FF2B5EF4-FFF2-40B4-BE49-F238E27FC236}">
+                <a16:creationId xmlns:a16="http://schemas.microsoft.com/office/drawing/2014/main" id="{8C0DA4ED-39FD-4377-8220-4CF979EFB3DA}"/>
+              </a:ext>
+            </a:extLst>
+          </p:cNvPr>
+          <p:cNvSpPr/>
+          <p:nvPr/>
+        </p:nvSpPr>
+        <p:spPr>
+          <a:xfrm>
+            <a:off x="6647628" y="2441464"/>
+            <a:ext cx="63887" cy="59189"/>
+          </a:xfrm>
+          <a:prstGeom prst="ellipse">
+            <a:avLst/>
+          </a:prstGeom>
+          <a:solidFill>
+            <a:schemeClr val="tx1"/>
+          </a:solidFill>
+          <a:ln>
+            <a:solidFill>
+              <a:schemeClr val="tx1"/>
+            </a:solidFill>
+          </a:ln>
+        </p:spPr>
+        <p:style>
+          <a:lnRef idx="2">
+            <a:schemeClr val="accent1">
+              <a:shade val="50000"/>
+            </a:schemeClr>
+          </a:lnRef>
+          <a:fillRef idx="1">
+            <a:schemeClr val="accent1"/>
+          </a:fillRef>
+          <a:effectRef idx="0">
+            <a:schemeClr val="accent1"/>
+          </a:effectRef>
+          <a:fontRef idx="minor">
+            <a:schemeClr val="lt1"/>
+          </a:fontRef>
+        </p:style>
+        <p:txBody>
+          <a:bodyPr rtlCol="0" anchor="ctr"/>
+          <a:lstStyle/>
+          <a:p>
+            <a:pPr algn="ctr"/>
+            <a:endParaRPr lang="en-US"/>
+          </a:p>
+        </p:txBody>
+      </p:sp>
+      <p:sp>
+        <p:nvSpPr>
+          <p:cNvPr id="101" name="Oval 100">
+            <a:extLst>
+              <a:ext uri="{FF2B5EF4-FFF2-40B4-BE49-F238E27FC236}">
+                <a16:creationId xmlns:a16="http://schemas.microsoft.com/office/drawing/2014/main" id="{0CA6F27A-B930-454D-82BD-58102846F6CD}"/>
+              </a:ext>
+            </a:extLst>
+          </p:cNvPr>
+          <p:cNvSpPr/>
+          <p:nvPr/>
+        </p:nvSpPr>
+        <p:spPr>
+          <a:xfrm>
+            <a:off x="7032276" y="2289064"/>
+            <a:ext cx="63887" cy="59189"/>
+          </a:xfrm>
+          <a:prstGeom prst="ellipse">
+            <a:avLst/>
+          </a:prstGeom>
+          <a:solidFill>
+            <a:schemeClr val="tx1"/>
+          </a:solidFill>
+          <a:ln>
+            <a:solidFill>
+              <a:schemeClr val="tx1"/>
+            </a:solidFill>
+          </a:ln>
+        </p:spPr>
+        <p:style>
+          <a:lnRef idx="2">
+            <a:schemeClr val="accent1">
+              <a:shade val="50000"/>
+            </a:schemeClr>
+          </a:lnRef>
+          <a:fillRef idx="1">
+            <a:schemeClr val="accent1"/>
+          </a:fillRef>
+          <a:effectRef idx="0">
+            <a:schemeClr val="accent1"/>
+          </a:effectRef>
+          <a:fontRef idx="minor">
+            <a:schemeClr val="lt1"/>
+          </a:fontRef>
+        </p:style>
+        <p:txBody>
+          <a:bodyPr rtlCol="0" anchor="ctr"/>
+          <a:lstStyle/>
+          <a:p>
+            <a:pPr algn="ctr"/>
+            <a:endParaRPr lang="en-US"/>
+          </a:p>
+        </p:txBody>
+      </p:sp>
+      <p:sp>
+        <p:nvSpPr>
+          <p:cNvPr id="102" name="Oval 101">
+            <a:extLst>
+              <a:ext uri="{FF2B5EF4-FFF2-40B4-BE49-F238E27FC236}">
+                <a16:creationId xmlns:a16="http://schemas.microsoft.com/office/drawing/2014/main" id="{AED01084-D69F-4D3E-BC42-AA59AA2C3BE2}"/>
+              </a:ext>
+            </a:extLst>
+          </p:cNvPr>
+          <p:cNvSpPr/>
+          <p:nvPr/>
+        </p:nvSpPr>
+        <p:spPr>
+          <a:xfrm>
+            <a:off x="7395870" y="2523355"/>
+            <a:ext cx="63887" cy="59189"/>
+          </a:xfrm>
+          <a:prstGeom prst="ellipse">
+            <a:avLst/>
+          </a:prstGeom>
+          <a:solidFill>
+            <a:schemeClr val="tx1"/>
+          </a:solidFill>
+          <a:ln>
+            <a:solidFill>
+              <a:schemeClr val="tx1"/>
+            </a:solidFill>
+          </a:ln>
+        </p:spPr>
+        <p:style>
+          <a:lnRef idx="2">
+            <a:schemeClr val="accent1">
+              <a:shade val="50000"/>
+            </a:schemeClr>
+          </a:lnRef>
+          <a:fillRef idx="1">
+            <a:schemeClr val="accent1"/>
+          </a:fillRef>
+          <a:effectRef idx="0">
+            <a:schemeClr val="accent1"/>
+          </a:effectRef>
+          <a:fontRef idx="minor">
+            <a:schemeClr val="lt1"/>
+          </a:fontRef>
+        </p:style>
+        <p:txBody>
+          <a:bodyPr rtlCol="0" anchor="ctr"/>
+          <a:lstStyle/>
+          <a:p>
+            <a:pPr algn="ctr"/>
+            <a:endParaRPr lang="en-US"/>
+          </a:p>
+        </p:txBody>
+      </p:sp>
+      <p:sp>
+        <p:nvSpPr>
+          <p:cNvPr id="116" name="Oval 115">
+            <a:extLst>
+              <a:ext uri="{FF2B5EF4-FFF2-40B4-BE49-F238E27FC236}">
+                <a16:creationId xmlns:a16="http://schemas.microsoft.com/office/drawing/2014/main" id="{810B726E-36D3-4B68-A09E-D5B39BC38494}"/>
+              </a:ext>
+            </a:extLst>
+          </p:cNvPr>
+          <p:cNvSpPr/>
+          <p:nvPr/>
+        </p:nvSpPr>
+        <p:spPr>
+          <a:xfrm>
+            <a:off x="7718654" y="2973999"/>
+            <a:ext cx="63887" cy="59189"/>
+          </a:xfrm>
+          <a:prstGeom prst="ellipse">
+            <a:avLst/>
+          </a:prstGeom>
+          <a:solidFill>
+            <a:schemeClr val="tx1"/>
+          </a:solidFill>
+          <a:ln>
+            <a:solidFill>
+              <a:schemeClr val="tx1"/>
+            </a:solidFill>
+          </a:ln>
+        </p:spPr>
+        <p:style>
+          <a:lnRef idx="2">
+            <a:schemeClr val="accent1">
+              <a:shade val="50000"/>
+            </a:schemeClr>
+          </a:lnRef>
+          <a:fillRef idx="1">
+            <a:schemeClr val="accent1"/>
+          </a:fillRef>
+          <a:effectRef idx="0">
+            <a:schemeClr val="accent1"/>
+          </a:effectRef>
+          <a:fontRef idx="minor">
+            <a:schemeClr val="lt1"/>
+          </a:fontRef>
+        </p:style>
+        <p:txBody>
+          <a:bodyPr rtlCol="0" anchor="ctr"/>
+          <a:lstStyle/>
+          <a:p>
+            <a:pPr algn="ctr"/>
+            <a:endParaRPr lang="en-US"/>
+          </a:p>
+        </p:txBody>
+      </p:sp>
+      <p:cxnSp>
+        <p:nvCxnSpPr>
+          <p:cNvPr id="117" name="Straight Arrow Connector 116">
+            <a:extLst>
+              <a:ext uri="{FF2B5EF4-FFF2-40B4-BE49-F238E27FC236}">
+                <a16:creationId xmlns:a16="http://schemas.microsoft.com/office/drawing/2014/main" id="{38B89455-5A96-420F-8515-7C6054D245C7}"/>
+              </a:ext>
+            </a:extLst>
+          </p:cNvPr>
+          <p:cNvCxnSpPr>
+            <a:cxnSpLocks/>
+          </p:cNvCxnSpPr>
+          <p:nvPr/>
+        </p:nvCxnSpPr>
+        <p:spPr>
+          <a:xfrm flipV="1">
+            <a:off x="8456242" y="5248173"/>
+            <a:ext cx="18360" cy="1093846"/>
+          </a:xfrm>
+          <a:prstGeom prst="straightConnector1">
+            <a:avLst/>
+          </a:prstGeom>
+          <a:ln w="28575">
+            <a:solidFill>
+              <a:schemeClr val="tx1"/>
+            </a:solidFill>
+            <a:tailEnd type="triangle"/>
+          </a:ln>
+        </p:spPr>
+        <p:style>
+          <a:lnRef idx="1">
+            <a:schemeClr val="accent1"/>
+          </a:lnRef>
+          <a:fillRef idx="0">
+            <a:schemeClr val="accent1"/>
+          </a:fillRef>
+          <a:effectRef idx="0">
+            <a:schemeClr val="accent1"/>
+          </a:effectRef>
+          <a:fontRef idx="minor">
+            <a:schemeClr val="tx1"/>
+          </a:fontRef>
+        </p:style>
+      </p:cxnSp>
+      <p:sp>
+        <p:nvSpPr>
+          <p:cNvPr id="119" name="TextBox 118">
+            <a:extLst>
+              <a:ext uri="{FF2B5EF4-FFF2-40B4-BE49-F238E27FC236}">
+                <a16:creationId xmlns:a16="http://schemas.microsoft.com/office/drawing/2014/main" id="{8376F348-E111-414B-A05E-8684219AF14C}"/>
+              </a:ext>
+            </a:extLst>
+          </p:cNvPr>
+          <p:cNvSpPr txBox="1"/>
+          <p:nvPr/>
+        </p:nvSpPr>
+        <p:spPr>
+          <a:xfrm>
+            <a:off x="9955121" y="6340243"/>
+            <a:ext cx="2788387" cy="338554"/>
+          </a:xfrm>
+          <a:prstGeom prst="rect">
+            <a:avLst/>
+          </a:prstGeom>
+          <a:noFill/>
+        </p:spPr>
+        <p:txBody>
+          <a:bodyPr wrap="square" rtlCol="0">
+            <a:spAutoFit/>
+          </a:bodyPr>
+          <a:lstStyle/>
+          <a:p>
+            <a:r>
+              <a:rPr lang="en-US" sz="1600" b="1" dirty="0">
+                <a:latin typeface="Ink Free" panose="03080402000500000000" pitchFamily="66" charset="0"/>
+                <a:ea typeface="Bradley Hand" charset="0"/>
+                <a:cs typeface="Bradley Hand" charset="0"/>
+              </a:rPr>
+              <a:t>Scroll Bar</a:t>
+            </a:r>
+          </a:p>
+        </p:txBody>
+      </p:sp>
       <p:sp>
         <p:nvSpPr>
           <p:cNvPr id="41" name="TextBox 40"/>
@@ -5590,7 +5512,7 @@
         </p:nvSpPr>
         <p:spPr>
           <a:xfrm>
-            <a:off x="3186817" y="548755"/>
+            <a:off x="2692746" y="548755"/>
             <a:ext cx="5940513" cy="553998"/>
           </a:xfrm>
           <a:prstGeom prst="rect">
@@ -5606,8 +5528,8 @@
           <a:p>
             <a:pPr algn="ctr"/>
             <a:r>
-              <a:rPr lang="en-US" dirty="0" smtClean="0">
-                <a:latin typeface="Chalkboard" charset="0"/>
+              <a:rPr lang="en-US" dirty="0">
+                <a:latin typeface="Berlin Sans FB" panose="020E0602020502020306" pitchFamily="34" charset="0"/>
                 <a:ea typeface="Chalkboard" charset="0"/>
                 <a:cs typeface="Chalkboard" charset="0"/>
               </a:rPr>
@@ -5617,18 +5539,13 @@
           <a:p>
             <a:pPr algn="ctr"/>
             <a:r>
-              <a:rPr lang="en-US" sz="1200" dirty="0" smtClean="0">
-                <a:latin typeface="Ayuthaya" charset="-34"/>
+              <a:rPr lang="en-US" sz="1200" dirty="0">
+                <a:latin typeface="Berlin Sans FB" panose="020E0602020502020306" pitchFamily="34" charset="0"/>
                 <a:ea typeface="Ayuthaya" charset="-34"/>
                 <a:cs typeface="Ayuthaya" charset="-34"/>
               </a:rPr>
               <a:t>Website Description</a:t>
             </a:r>
-            <a:endParaRPr lang="en-US" sz="1200" dirty="0">
-              <a:latin typeface="Ayuthaya" charset="-34"/>
-              <a:ea typeface="Ayuthaya" charset="-34"/>
-              <a:cs typeface="Ayuthaya" charset="-34"/>
-            </a:endParaRPr>
           </a:p>
         </p:txBody>
       </p:sp>
@@ -5640,7 +5557,7 @@
         </p:nvSpPr>
         <p:spPr>
           <a:xfrm>
-            <a:off x="10063771" y="1765659"/>
+            <a:off x="9341099" y="1655048"/>
             <a:ext cx="951342" cy="4047848"/>
           </a:xfrm>
           <a:prstGeom prst="rect">
@@ -5694,7 +5611,7 @@
         </p:nvSpPr>
         <p:spPr>
           <a:xfrm>
-            <a:off x="10048898" y="1775479"/>
+            <a:off x="9326226" y="1664868"/>
             <a:ext cx="1084189" cy="369332"/>
           </a:xfrm>
           <a:prstGeom prst="rect">
@@ -5709,18 +5626,13 @@
           <a:lstStyle/>
           <a:p>
             <a:r>
-              <a:rPr lang="en-US" dirty="0" smtClean="0">
-                <a:latin typeface="Chalkboard" charset="0"/>
+              <a:rPr lang="en-US" dirty="0">
+                <a:latin typeface="Berlin Sans FB" panose="020E0602020502020306" pitchFamily="34" charset="0"/>
                 <a:ea typeface="Chalkboard" charset="0"/>
                 <a:cs typeface="Chalkboard" charset="0"/>
               </a:rPr>
               <a:t>Director</a:t>
             </a:r>
-            <a:endParaRPr lang="en-US" dirty="0">
-              <a:latin typeface="Chalkboard" charset="0"/>
-              <a:ea typeface="Chalkboard" charset="0"/>
-              <a:cs typeface="Chalkboard" charset="0"/>
-            </a:endParaRPr>
           </a:p>
         </p:txBody>
       </p:sp>
@@ -5729,7 +5641,7 @@
           <p:cNvPr id="94" name="Oval 93">
             <a:extLst>
               <a:ext uri="{FF2B5EF4-FFF2-40B4-BE49-F238E27FC236}">
-                <a16:creationId xmlns:a16="http://schemas.microsoft.com/office/drawing/2014/main" xmlns="" id="{8C0DA4ED-39FD-4377-8220-4CF979EFB3DA}"/>
+                <a16:creationId xmlns:a16="http://schemas.microsoft.com/office/drawing/2014/main" id="{8C0DA4ED-39FD-4377-8220-4CF979EFB3DA}"/>
               </a:ext>
             </a:extLst>
           </p:cNvPr>
@@ -5738,7 +5650,7 @@
         </p:nvSpPr>
         <p:spPr>
           <a:xfrm>
-            <a:off x="10210722" y="2373735"/>
+            <a:off x="9488050" y="2263124"/>
             <a:ext cx="63887" cy="59189"/>
           </a:xfrm>
           <a:prstGeom prst="ellipse">
@@ -5783,7 +5695,7 @@
           <p:cNvPr id="95" name="Oval 94">
             <a:extLst>
               <a:ext uri="{FF2B5EF4-FFF2-40B4-BE49-F238E27FC236}">
-                <a16:creationId xmlns:a16="http://schemas.microsoft.com/office/drawing/2014/main" xmlns="" id="{8C0DA4ED-39FD-4377-8220-4CF979EFB3DA}"/>
+                <a16:creationId xmlns:a16="http://schemas.microsoft.com/office/drawing/2014/main" id="{8C0DA4ED-39FD-4377-8220-4CF979EFB3DA}"/>
               </a:ext>
             </a:extLst>
           </p:cNvPr>
@@ -5792,7 +5704,7 @@
         </p:nvSpPr>
         <p:spPr>
           <a:xfrm>
-            <a:off x="10210725" y="2576934"/>
+            <a:off x="9488053" y="2466323"/>
             <a:ext cx="63887" cy="59189"/>
           </a:xfrm>
           <a:prstGeom prst="ellipse">
@@ -5837,7 +5749,7 @@
           <p:cNvPr id="98" name="Oval 97">
             <a:extLst>
               <a:ext uri="{FF2B5EF4-FFF2-40B4-BE49-F238E27FC236}">
-                <a16:creationId xmlns:a16="http://schemas.microsoft.com/office/drawing/2014/main" xmlns="" id="{8C0DA4ED-39FD-4377-8220-4CF979EFB3DA}"/>
+                <a16:creationId xmlns:a16="http://schemas.microsoft.com/office/drawing/2014/main" id="{8C0DA4ED-39FD-4377-8220-4CF979EFB3DA}"/>
               </a:ext>
             </a:extLst>
           </p:cNvPr>
@@ -5846,7 +5758,7 @@
         </p:nvSpPr>
         <p:spPr>
           <a:xfrm>
-            <a:off x="10191788" y="2813977"/>
+            <a:off x="9469116" y="2703366"/>
             <a:ext cx="63887" cy="59189"/>
           </a:xfrm>
           <a:prstGeom prst="ellipse">
@@ -5891,7 +5803,7 @@
           <p:cNvPr id="105" name="Straight Arrow Connector 104">
             <a:extLst>
               <a:ext uri="{FF2B5EF4-FFF2-40B4-BE49-F238E27FC236}">
-                <a16:creationId xmlns:a16="http://schemas.microsoft.com/office/drawing/2014/main" xmlns="" id="{C821B187-5F90-40F9-8DE6-E44B02A4C3BF}"/>
+                <a16:creationId xmlns:a16="http://schemas.microsoft.com/office/drawing/2014/main" id="{C821B187-5F90-40F9-8DE6-E44B02A4C3BF}"/>
               </a:ext>
             </a:extLst>
           </p:cNvPr>
@@ -5901,9 +5813,9 @@
           <p:nvPr/>
         </p:nvCxnSpPr>
         <p:spPr>
-          <a:xfrm flipH="1" flipV="1">
-            <a:off x="10623077" y="2778564"/>
-            <a:ext cx="337887" cy="397065"/>
+          <a:xfrm flipH="1">
+            <a:off x="9900406" y="2645954"/>
+            <a:ext cx="997499" cy="22000"/>
           </a:xfrm>
           <a:prstGeom prst="straightConnector1">
             <a:avLst/>
@@ -5935,7 +5847,7 @@
           <p:cNvPr id="107" name="TextBox 106">
             <a:extLst>
               <a:ext uri="{FF2B5EF4-FFF2-40B4-BE49-F238E27FC236}">
-                <a16:creationId xmlns:a16="http://schemas.microsoft.com/office/drawing/2014/main" xmlns="" id="{6BFE790D-F0D2-438C-8FE7-0CDDEB47B4F8}"/>
+                <a16:creationId xmlns:a16="http://schemas.microsoft.com/office/drawing/2014/main" id="{6BFE790D-F0D2-438C-8FE7-0CDDEB47B4F8}"/>
               </a:ext>
             </a:extLst>
           </p:cNvPr>
@@ -5944,7 +5856,7 @@
         </p:nvSpPr>
         <p:spPr>
           <a:xfrm>
-            <a:off x="10623077" y="3222453"/>
+            <a:off x="10890771" y="2484641"/>
             <a:ext cx="2788387" cy="338554"/>
           </a:xfrm>
           <a:prstGeom prst="rect">
@@ -5959,22 +5871,19 @@
           <a:lstStyle/>
           <a:p>
             <a:r>
-              <a:rPr lang="en-US" sz="1600" b="1" dirty="0" smtClean="0">
-                <a:latin typeface="Bradley Hand" charset="0"/>
+              <a:rPr lang="en-US" sz="1600" b="1" dirty="0">
+                <a:latin typeface="Ink Free" panose="03080402000500000000" pitchFamily="66" charset="0"/>
                 <a:ea typeface="Bradley Hand" charset="0"/>
                 <a:cs typeface="Bradley Hand" charset="0"/>
               </a:rPr>
               <a:t>Legend</a:t>
             </a:r>
             <a:r>
-              <a:rPr lang="en-US" sz="1600" b="1" dirty="0" smtClean="0">
+              <a:rPr lang="en-US" sz="1600" b="1" dirty="0">
                 <a:latin typeface="Ink Free" panose="03080402000500000000" pitchFamily="66" charset="0"/>
               </a:rPr>
               <a:t> </a:t>
             </a:r>
-            <a:endParaRPr lang="en-US" sz="1600" b="1" dirty="0">
-              <a:latin typeface="Ink Free" panose="03080402000500000000" pitchFamily="66" charset="0"/>
-            </a:endParaRPr>
           </a:p>
         </p:txBody>
       </p:sp>
@@ -5986,7 +5895,7 @@
         </p:nvSpPr>
         <p:spPr>
           <a:xfrm>
-            <a:off x="2335172" y="1346430"/>
+            <a:off x="2180318" y="1346430"/>
             <a:ext cx="813046" cy="246864"/>
           </a:xfrm>
           <a:prstGeom prst="rect">
@@ -6024,7 +5933,7 @@
         </p:nvSpPr>
         <p:spPr>
           <a:xfrm flipH="1" flipV="1">
-            <a:off x="2902781" y="1409196"/>
+            <a:off x="2777423" y="1409196"/>
             <a:ext cx="194638" cy="137283"/>
           </a:xfrm>
           <a:prstGeom prst="triangle">
@@ -6064,7 +5973,7 @@
         </p:nvSpPr>
         <p:spPr>
           <a:xfrm>
-            <a:off x="3623733" y="1346430"/>
+            <a:off x="3188657" y="1346430"/>
             <a:ext cx="3122744" cy="246864"/>
           </a:xfrm>
           <a:prstGeom prst="rect">
@@ -6102,7 +6011,7 @@
         </p:nvSpPr>
         <p:spPr>
           <a:xfrm>
-            <a:off x="3644380" y="1303190"/>
+            <a:off x="3106065" y="1303190"/>
             <a:ext cx="3081449" cy="307777"/>
           </a:xfrm>
           <a:prstGeom prst="rect">
@@ -6118,18 +6027,13 @@
           <a:p>
             <a:pPr algn="ctr"/>
             <a:r>
-              <a:rPr lang="en-US" sz="1400" dirty="0" smtClean="0">
-                <a:latin typeface="Abadi MT Condensed Light" charset="0"/>
+              <a:rPr lang="en-US" sz="1400" dirty="0">
+                <a:latin typeface="Berlin Sans FB" panose="020E0602020502020306" pitchFamily="34" charset="0"/>
                 <a:ea typeface="Abadi MT Condensed Light" charset="0"/>
                 <a:cs typeface="Abadi MT Condensed Light" charset="0"/>
               </a:rPr>
               <a:t>Functionality Introduction</a:t>
             </a:r>
-            <a:endParaRPr lang="en-US" sz="1400" dirty="0">
-              <a:latin typeface="Abadi MT Condensed Light" charset="0"/>
-              <a:ea typeface="Abadi MT Condensed Light" charset="0"/>
-              <a:cs typeface="Abadi MT Condensed Light" charset="0"/>
-            </a:endParaRPr>
           </a:p>
         </p:txBody>
       </p:sp>

--- a/img/sketch/app_sketch.pptx
+++ b/img/sketch/app_sketch.pptx
@@ -4353,7 +4353,7 @@
         </p:nvSpPr>
         <p:spPr>
           <a:xfrm>
-            <a:off x="7783194" y="5097837"/>
+            <a:off x="7842025" y="5502848"/>
             <a:ext cx="58671" cy="59189"/>
           </a:xfrm>
           <a:prstGeom prst="ellipse">
@@ -6037,6 +6037,449 @@
           </a:p>
         </p:txBody>
       </p:sp>
+      <p:cxnSp>
+        <p:nvCxnSpPr>
+          <p:cNvPr id="6" name="Straight Connector 5">
+            <a:extLst>
+              <a:ext uri="{FF2B5EF4-FFF2-40B4-BE49-F238E27FC236}">
+                <a16:creationId xmlns:a16="http://schemas.microsoft.com/office/drawing/2014/main" id="{D6B3B537-820D-445D-AC32-FFBDFF030B9F}"/>
+              </a:ext>
+            </a:extLst>
+          </p:cNvPr>
+          <p:cNvCxnSpPr>
+            <a:cxnSpLocks/>
+          </p:cNvCxnSpPr>
+          <p:nvPr/>
+        </p:nvCxnSpPr>
+        <p:spPr>
+          <a:xfrm>
+            <a:off x="6515396" y="2348155"/>
+            <a:ext cx="164176" cy="122805"/>
+          </a:xfrm>
+          <a:prstGeom prst="line">
+            <a:avLst/>
+          </a:prstGeom>
+          <a:ln w="12700">
+            <a:solidFill>
+              <a:schemeClr val="tx1"/>
+            </a:solidFill>
+          </a:ln>
+        </p:spPr>
+        <p:style>
+          <a:lnRef idx="1">
+            <a:schemeClr val="accent1"/>
+          </a:lnRef>
+          <a:fillRef idx="0">
+            <a:schemeClr val="accent1"/>
+          </a:fillRef>
+          <a:effectRef idx="0">
+            <a:schemeClr val="accent1"/>
+          </a:effectRef>
+          <a:fontRef idx="minor">
+            <a:schemeClr val="tx1"/>
+          </a:fontRef>
+        </p:style>
+      </p:cxnSp>
+      <p:cxnSp>
+        <p:nvCxnSpPr>
+          <p:cNvPr id="71" name="Straight Connector 70">
+            <a:extLst>
+              <a:ext uri="{FF2B5EF4-FFF2-40B4-BE49-F238E27FC236}">
+                <a16:creationId xmlns:a16="http://schemas.microsoft.com/office/drawing/2014/main" id="{7875518A-F23D-4050-A3BD-6ABA2D36302D}"/>
+              </a:ext>
+            </a:extLst>
+          </p:cNvPr>
+          <p:cNvCxnSpPr>
+            <a:cxnSpLocks/>
+            <a:endCxn id="101" idx="0"/>
+          </p:cNvCxnSpPr>
+          <p:nvPr/>
+        </p:nvCxnSpPr>
+        <p:spPr>
+          <a:xfrm flipV="1">
+            <a:off x="6667796" y="2289064"/>
+            <a:ext cx="396424" cy="211492"/>
+          </a:xfrm>
+          <a:prstGeom prst="line">
+            <a:avLst/>
+          </a:prstGeom>
+          <a:ln w="12700">
+            <a:solidFill>
+              <a:schemeClr val="tx1"/>
+            </a:solidFill>
+          </a:ln>
+        </p:spPr>
+        <p:style>
+          <a:lnRef idx="1">
+            <a:schemeClr val="accent1"/>
+          </a:lnRef>
+          <a:fillRef idx="0">
+            <a:schemeClr val="accent1"/>
+          </a:fillRef>
+          <a:effectRef idx="0">
+            <a:schemeClr val="accent1"/>
+          </a:effectRef>
+          <a:fontRef idx="minor">
+            <a:schemeClr val="tx1"/>
+          </a:fontRef>
+        </p:style>
+      </p:cxnSp>
+      <p:cxnSp>
+        <p:nvCxnSpPr>
+          <p:cNvPr id="73" name="Straight Connector 72">
+            <a:extLst>
+              <a:ext uri="{FF2B5EF4-FFF2-40B4-BE49-F238E27FC236}">
+                <a16:creationId xmlns:a16="http://schemas.microsoft.com/office/drawing/2014/main" id="{D3A00E40-D19B-423D-9288-E2DB3E0555B2}"/>
+              </a:ext>
+            </a:extLst>
+          </p:cNvPr>
+          <p:cNvCxnSpPr>
+            <a:cxnSpLocks/>
+            <a:stCxn id="101" idx="7"/>
+            <a:endCxn id="102" idx="0"/>
+          </p:cNvCxnSpPr>
+          <p:nvPr/>
+        </p:nvCxnSpPr>
+        <p:spPr>
+          <a:xfrm>
+            <a:off x="7086807" y="2297732"/>
+            <a:ext cx="341007" cy="225623"/>
+          </a:xfrm>
+          <a:prstGeom prst="line">
+            <a:avLst/>
+          </a:prstGeom>
+          <a:ln w="12700">
+            <a:solidFill>
+              <a:schemeClr val="tx1"/>
+            </a:solidFill>
+          </a:ln>
+        </p:spPr>
+        <p:style>
+          <a:lnRef idx="1">
+            <a:schemeClr val="accent1"/>
+          </a:lnRef>
+          <a:fillRef idx="0">
+            <a:schemeClr val="accent1"/>
+          </a:fillRef>
+          <a:effectRef idx="0">
+            <a:schemeClr val="accent1"/>
+          </a:effectRef>
+          <a:fontRef idx="minor">
+            <a:schemeClr val="tx1"/>
+          </a:fontRef>
+        </p:style>
+      </p:cxnSp>
+      <p:cxnSp>
+        <p:nvCxnSpPr>
+          <p:cNvPr id="78" name="Straight Connector 77">
+            <a:extLst>
+              <a:ext uri="{FF2B5EF4-FFF2-40B4-BE49-F238E27FC236}">
+                <a16:creationId xmlns:a16="http://schemas.microsoft.com/office/drawing/2014/main" id="{845024F9-6CF7-4D72-84FC-D3D6B50C5BA2}"/>
+              </a:ext>
+            </a:extLst>
+          </p:cNvPr>
+          <p:cNvCxnSpPr>
+            <a:cxnSpLocks/>
+            <a:stCxn id="102" idx="5"/>
+            <a:endCxn id="116" idx="4"/>
+          </p:cNvCxnSpPr>
+          <p:nvPr/>
+        </p:nvCxnSpPr>
+        <p:spPr>
+          <a:xfrm>
+            <a:off x="7450401" y="2573876"/>
+            <a:ext cx="300197" cy="459312"/>
+          </a:xfrm>
+          <a:prstGeom prst="line">
+            <a:avLst/>
+          </a:prstGeom>
+          <a:ln w="12700">
+            <a:solidFill>
+              <a:schemeClr val="tx1"/>
+            </a:solidFill>
+          </a:ln>
+        </p:spPr>
+        <p:style>
+          <a:lnRef idx="1">
+            <a:schemeClr val="accent1"/>
+          </a:lnRef>
+          <a:fillRef idx="0">
+            <a:schemeClr val="accent1"/>
+          </a:fillRef>
+          <a:effectRef idx="0">
+            <a:schemeClr val="accent1"/>
+          </a:effectRef>
+          <a:fontRef idx="minor">
+            <a:schemeClr val="tx1"/>
+          </a:fontRef>
+        </p:style>
+      </p:cxnSp>
+      <p:cxnSp>
+        <p:nvCxnSpPr>
+          <p:cNvPr id="79" name="Straight Connector 78">
+            <a:extLst>
+              <a:ext uri="{FF2B5EF4-FFF2-40B4-BE49-F238E27FC236}">
+                <a16:creationId xmlns:a16="http://schemas.microsoft.com/office/drawing/2014/main" id="{9C1D0274-118C-41B2-80DB-3F8873A67E11}"/>
+              </a:ext>
+            </a:extLst>
+          </p:cNvPr>
+          <p:cNvCxnSpPr>
+            <a:cxnSpLocks/>
+            <a:stCxn id="103" idx="0"/>
+            <a:endCxn id="116" idx="5"/>
+          </p:cNvCxnSpPr>
+          <p:nvPr/>
+        </p:nvCxnSpPr>
+        <p:spPr>
+          <a:xfrm flipH="1">
+            <a:off x="7773185" y="2740526"/>
+            <a:ext cx="199306" cy="283994"/>
+          </a:xfrm>
+          <a:prstGeom prst="line">
+            <a:avLst/>
+          </a:prstGeom>
+          <a:ln w="12700">
+            <a:solidFill>
+              <a:schemeClr val="tx1"/>
+            </a:solidFill>
+          </a:ln>
+        </p:spPr>
+        <p:style>
+          <a:lnRef idx="1">
+            <a:schemeClr val="accent1"/>
+          </a:lnRef>
+          <a:fillRef idx="0">
+            <a:schemeClr val="accent1"/>
+          </a:fillRef>
+          <a:effectRef idx="0">
+            <a:schemeClr val="accent1"/>
+          </a:effectRef>
+          <a:fontRef idx="minor">
+            <a:schemeClr val="tx1"/>
+          </a:fontRef>
+        </p:style>
+      </p:cxnSp>
+      <p:cxnSp>
+        <p:nvCxnSpPr>
+          <p:cNvPr id="83" name="Straight Connector 82">
+            <a:extLst>
+              <a:ext uri="{FF2B5EF4-FFF2-40B4-BE49-F238E27FC236}">
+                <a16:creationId xmlns:a16="http://schemas.microsoft.com/office/drawing/2014/main" id="{395AF3F6-2B97-4664-8FA3-9FFF8C612DC8}"/>
+              </a:ext>
+            </a:extLst>
+          </p:cNvPr>
+          <p:cNvCxnSpPr>
+            <a:cxnSpLocks/>
+          </p:cNvCxnSpPr>
+          <p:nvPr/>
+        </p:nvCxnSpPr>
+        <p:spPr>
+          <a:xfrm flipV="1">
+            <a:off x="7884730" y="5376486"/>
+            <a:ext cx="159098" cy="162135"/>
+          </a:xfrm>
+          <a:prstGeom prst="line">
+            <a:avLst/>
+          </a:prstGeom>
+          <a:ln w="12700">
+            <a:solidFill>
+              <a:schemeClr val="tx1"/>
+            </a:solidFill>
+          </a:ln>
+        </p:spPr>
+        <p:style>
+          <a:lnRef idx="1">
+            <a:schemeClr val="accent1"/>
+          </a:lnRef>
+          <a:fillRef idx="0">
+            <a:schemeClr val="accent1"/>
+          </a:fillRef>
+          <a:effectRef idx="0">
+            <a:schemeClr val="accent1"/>
+          </a:effectRef>
+          <a:fontRef idx="minor">
+            <a:schemeClr val="tx1"/>
+          </a:fontRef>
+        </p:style>
+      </p:cxnSp>
+      <p:cxnSp>
+        <p:nvCxnSpPr>
+          <p:cNvPr id="85" name="Straight Connector 84">
+            <a:extLst>
+              <a:ext uri="{FF2B5EF4-FFF2-40B4-BE49-F238E27FC236}">
+                <a16:creationId xmlns:a16="http://schemas.microsoft.com/office/drawing/2014/main" id="{06D73ED1-46D8-437E-B6C6-DCB4578020D7}"/>
+              </a:ext>
+            </a:extLst>
+          </p:cNvPr>
+          <p:cNvCxnSpPr>
+            <a:cxnSpLocks/>
+          </p:cNvCxnSpPr>
+          <p:nvPr/>
+        </p:nvCxnSpPr>
+        <p:spPr>
+          <a:xfrm>
+            <a:off x="7550123" y="4950897"/>
+            <a:ext cx="315242" cy="560619"/>
+          </a:xfrm>
+          <a:prstGeom prst="line">
+            <a:avLst/>
+          </a:prstGeom>
+          <a:ln w="12700">
+            <a:solidFill>
+              <a:schemeClr val="tx1"/>
+            </a:solidFill>
+          </a:ln>
+        </p:spPr>
+        <p:style>
+          <a:lnRef idx="1">
+            <a:schemeClr val="accent1"/>
+          </a:lnRef>
+          <a:fillRef idx="0">
+            <a:schemeClr val="accent1"/>
+          </a:fillRef>
+          <a:effectRef idx="0">
+            <a:schemeClr val="accent1"/>
+          </a:effectRef>
+          <a:fontRef idx="minor">
+            <a:schemeClr val="tx1"/>
+          </a:fontRef>
+        </p:style>
+      </p:cxnSp>
+      <p:cxnSp>
+        <p:nvCxnSpPr>
+          <p:cNvPr id="90" name="Straight Connector 89">
+            <a:extLst>
+              <a:ext uri="{FF2B5EF4-FFF2-40B4-BE49-F238E27FC236}">
+                <a16:creationId xmlns:a16="http://schemas.microsoft.com/office/drawing/2014/main" id="{7BFD4680-5D31-4B7C-91A6-30D4D1354AD9}"/>
+              </a:ext>
+            </a:extLst>
+          </p:cNvPr>
+          <p:cNvCxnSpPr>
+            <a:cxnSpLocks/>
+            <a:stCxn id="111" idx="3"/>
+            <a:endCxn id="110" idx="6"/>
+          </p:cNvCxnSpPr>
+          <p:nvPr/>
+        </p:nvCxnSpPr>
+        <p:spPr>
+          <a:xfrm flipH="1">
+            <a:off x="7357096" y="4993724"/>
+            <a:ext cx="185653" cy="277846"/>
+          </a:xfrm>
+          <a:prstGeom prst="line">
+            <a:avLst/>
+          </a:prstGeom>
+          <a:ln w="12700">
+            <a:solidFill>
+              <a:schemeClr val="tx1"/>
+            </a:solidFill>
+          </a:ln>
+        </p:spPr>
+        <p:style>
+          <a:lnRef idx="1">
+            <a:schemeClr val="accent1"/>
+          </a:lnRef>
+          <a:fillRef idx="0">
+            <a:schemeClr val="accent1"/>
+          </a:fillRef>
+          <a:effectRef idx="0">
+            <a:schemeClr val="accent1"/>
+          </a:effectRef>
+          <a:fontRef idx="minor">
+            <a:schemeClr val="tx1"/>
+          </a:fontRef>
+        </p:style>
+      </p:cxnSp>
+      <p:cxnSp>
+        <p:nvCxnSpPr>
+          <p:cNvPr id="93" name="Straight Connector 92">
+            <a:extLst>
+              <a:ext uri="{FF2B5EF4-FFF2-40B4-BE49-F238E27FC236}">
+                <a16:creationId xmlns:a16="http://schemas.microsoft.com/office/drawing/2014/main" id="{68461619-90BD-4652-8949-5A2B27FE4AA2}"/>
+              </a:ext>
+            </a:extLst>
+          </p:cNvPr>
+          <p:cNvCxnSpPr>
+            <a:cxnSpLocks/>
+            <a:stCxn id="109" idx="5"/>
+            <a:endCxn id="110" idx="0"/>
+          </p:cNvCxnSpPr>
+          <p:nvPr/>
+        </p:nvCxnSpPr>
+        <p:spPr>
+          <a:xfrm>
+            <a:off x="7035125" y="4931683"/>
+            <a:ext cx="282081" cy="309603"/>
+          </a:xfrm>
+          <a:prstGeom prst="line">
+            <a:avLst/>
+          </a:prstGeom>
+          <a:ln w="12700">
+            <a:solidFill>
+              <a:schemeClr val="tx1"/>
+            </a:solidFill>
+          </a:ln>
+        </p:spPr>
+        <p:style>
+          <a:lnRef idx="1">
+            <a:schemeClr val="accent1"/>
+          </a:lnRef>
+          <a:fillRef idx="0">
+            <a:schemeClr val="accent1"/>
+          </a:fillRef>
+          <a:effectRef idx="0">
+            <a:schemeClr val="accent1"/>
+          </a:effectRef>
+          <a:fontRef idx="minor">
+            <a:schemeClr val="tx1"/>
+          </a:fontRef>
+        </p:style>
+      </p:cxnSp>
+      <p:cxnSp>
+        <p:nvCxnSpPr>
+          <p:cNvPr id="96" name="Straight Connector 95">
+            <a:extLst>
+              <a:ext uri="{FF2B5EF4-FFF2-40B4-BE49-F238E27FC236}">
+                <a16:creationId xmlns:a16="http://schemas.microsoft.com/office/drawing/2014/main" id="{74EF2A55-9D53-4FCB-8BDD-CC9E1BBAC1A5}"/>
+              </a:ext>
+            </a:extLst>
+          </p:cNvPr>
+          <p:cNvCxnSpPr>
+            <a:cxnSpLocks/>
+            <a:stCxn id="109" idx="0"/>
+            <a:endCxn id="108" idx="4"/>
+          </p:cNvCxnSpPr>
+          <p:nvPr/>
+        </p:nvCxnSpPr>
+        <p:spPr>
+          <a:xfrm flipH="1">
+            <a:off x="6673930" y="4879986"/>
+            <a:ext cx="332989" cy="352708"/>
+          </a:xfrm>
+          <a:prstGeom prst="line">
+            <a:avLst/>
+          </a:prstGeom>
+          <a:ln w="12700">
+            <a:solidFill>
+              <a:schemeClr val="tx1"/>
+            </a:solidFill>
+          </a:ln>
+        </p:spPr>
+        <p:style>
+          <a:lnRef idx="1">
+            <a:schemeClr val="accent1"/>
+          </a:lnRef>
+          <a:fillRef idx="0">
+            <a:schemeClr val="accent1"/>
+          </a:fillRef>
+          <a:effectRef idx="0">
+            <a:schemeClr val="accent1"/>
+          </a:effectRef>
+          <a:fontRef idx="minor">
+            <a:schemeClr val="tx1"/>
+          </a:fontRef>
+        </p:style>
+      </p:cxnSp>
     </p:spTree>
     <p:extLst>
       <p:ext uri="{BB962C8B-B14F-4D97-AF65-F5344CB8AC3E}">
